--- a/111 MIL Cronograma de Formaciones 2018.pptx
+++ b/111 MIL Cronograma de Formaciones 2018.pptx
@@ -5656,17 +5656,15 @@
 </file>
 
 <file path=ppt/diagrams/colors7.xml><?xml version="1.0" encoding="utf-8"?>
-<dgm:colorsDef xmlns:dgm="http://schemas.openxmlformats.org/drawingml/2006/diagram" xmlns:a="http://schemas.openxmlformats.org/drawingml/2006/main" uniqueId="urn:microsoft.com/office/officeart/2005/8/colors/accent1_3">
+<dgm:colorsDef xmlns:dgm="http://schemas.openxmlformats.org/drawingml/2006/diagram" xmlns:a="http://schemas.openxmlformats.org/drawingml/2006/main" uniqueId="urn:microsoft.com/office/officeart/2005/8/colors/colorful5">
   <dgm:title val=""/>
   <dgm:desc val=""/>
   <dgm:catLst>
-    <dgm:cat type="accent1" pri="11300"/>
+    <dgm:cat type="colorful" pri="10500"/>
   </dgm:catLst>
   <dgm:styleLbl name="node0">
     <dgm:fillClrLst meth="repeat">
-      <a:schemeClr val="accent1">
-        <a:shade val="80000"/>
-      </a:schemeClr>
+      <a:schemeClr val="accent4"/>
     </dgm:fillClrLst>
     <dgm:linClrLst meth="repeat">
       <a:schemeClr val="lt1"/>
@@ -5676,36 +5674,10 @@
     <dgm:txFillClrLst/>
     <dgm:txEffectClrLst/>
   </dgm:styleLbl>
-  <dgm:styleLbl name="alignNode1">
-    <dgm:fillClrLst>
-      <a:schemeClr val="accent1">
-        <a:shade val="80000"/>
-      </a:schemeClr>
-      <a:schemeClr val="accent1">
-        <a:tint val="70000"/>
-      </a:schemeClr>
-    </dgm:fillClrLst>
-    <dgm:linClrLst>
-      <a:schemeClr val="accent1">
-        <a:shade val="80000"/>
-      </a:schemeClr>
-      <a:schemeClr val="accent1">
-        <a:tint val="70000"/>
-      </a:schemeClr>
-    </dgm:linClrLst>
-    <dgm:effectClrLst/>
-    <dgm:txLinClrLst/>
-    <dgm:txFillClrLst/>
-    <dgm:txEffectClrLst/>
-  </dgm:styleLbl>
   <dgm:styleLbl name="node1">
     <dgm:fillClrLst>
-      <a:schemeClr val="accent1">
-        <a:shade val="80000"/>
-      </a:schemeClr>
-      <a:schemeClr val="accent1">
-        <a:tint val="70000"/>
-      </a:schemeClr>
+      <a:schemeClr val="accent5"/>
+      <a:schemeClr val="accent6"/>
     </dgm:fillClrLst>
     <dgm:linClrLst meth="repeat">
       <a:schemeClr val="lt1"/>
@@ -5715,14 +5687,24 @@
     <dgm:txFillClrLst/>
     <dgm:txEffectClrLst/>
   </dgm:styleLbl>
+  <dgm:styleLbl name="alignNode1">
+    <dgm:fillClrLst>
+      <a:schemeClr val="accent5"/>
+      <a:schemeClr val="accent6"/>
+    </dgm:fillClrLst>
+    <dgm:linClrLst>
+      <a:schemeClr val="accent5"/>
+      <a:schemeClr val="accent6"/>
+    </dgm:linClrLst>
+    <dgm:effectClrLst/>
+    <dgm:txLinClrLst/>
+    <dgm:txFillClrLst/>
+    <dgm:txEffectClrLst/>
+  </dgm:styleLbl>
   <dgm:styleLbl name="lnNode1">
     <dgm:fillClrLst>
-      <a:schemeClr val="accent1">
-        <a:shade val="80000"/>
-      </a:schemeClr>
-      <a:schemeClr val="accent1">
-        <a:tint val="70000"/>
-      </a:schemeClr>
+      <a:schemeClr val="accent5"/>
+      <a:schemeClr val="accent6"/>
     </dgm:fillClrLst>
     <dgm:linClrLst meth="repeat">
       <a:schemeClr val="lt1"/>
@@ -5734,12 +5716,10 @@
   </dgm:styleLbl>
   <dgm:styleLbl name="vennNode1">
     <dgm:fillClrLst>
-      <a:schemeClr val="accent1">
-        <a:shade val="80000"/>
+      <a:schemeClr val="accent5">
         <a:alpha val="50000"/>
       </a:schemeClr>
-      <a:schemeClr val="accent1">
-        <a:tint val="70000"/>
+      <a:schemeClr val="accent6">
         <a:alpha val="50000"/>
       </a:schemeClr>
     </dgm:fillClrLst>
@@ -5753,9 +5733,7 @@
   </dgm:styleLbl>
   <dgm:styleLbl name="node2">
     <dgm:fillClrLst>
-      <a:schemeClr val="accent1">
-        <a:tint val="99000"/>
-      </a:schemeClr>
+      <a:schemeClr val="accent6"/>
     </dgm:fillClrLst>
     <dgm:linClrLst meth="repeat">
       <a:schemeClr val="lt1"/>
@@ -5767,9 +5745,7 @@
   </dgm:styleLbl>
   <dgm:styleLbl name="node3">
     <dgm:fillClrLst>
-      <a:schemeClr val="accent1">
-        <a:tint val="80000"/>
-      </a:schemeClr>
+      <a:schemeClr val="accent1"/>
     </dgm:fillClrLst>
     <dgm:linClrLst meth="repeat">
       <a:schemeClr val="lt1"/>
@@ -5781,9 +5757,7 @@
   </dgm:styleLbl>
   <dgm:styleLbl name="node4">
     <dgm:fillClrLst>
-      <a:schemeClr val="accent1">
-        <a:tint val="70000"/>
-      </a:schemeClr>
+      <a:schemeClr val="accent2"/>
     </dgm:fillClrLst>
     <dgm:linClrLst meth="repeat">
       <a:schemeClr val="lt1"/>
@@ -5795,10 +5769,29 @@
   </dgm:styleLbl>
   <dgm:styleLbl name="fgImgPlace1">
     <dgm:fillClrLst>
-      <a:schemeClr val="accent1">
+      <a:schemeClr val="accent5">
         <a:tint val="50000"/>
       </a:schemeClr>
-      <a:schemeClr val="accent1">
+      <a:schemeClr val="accent6">
+        <a:tint val="50000"/>
+      </a:schemeClr>
+    </dgm:fillClrLst>
+    <dgm:linClrLst meth="repeat">
+      <a:schemeClr val="lt1"/>
+    </dgm:linClrLst>
+    <dgm:effectClrLst/>
+    <dgm:txLinClrLst/>
+    <dgm:txFillClrLst meth="repeat">
+      <a:schemeClr val="lt1"/>
+    </dgm:txFillClrLst>
+    <dgm:txEffectClrLst/>
+  </dgm:styleLbl>
+  <dgm:styleLbl name="alignImgPlace1">
+    <dgm:fillClrLst>
+      <a:schemeClr val="accent5">
+        <a:tint val="50000"/>
+      </a:schemeClr>
+      <a:schemeClr val="accent6">
         <a:tint val="20000"/>
       </a:schemeClr>
     </dgm:fillClrLst>
@@ -5812,12 +5805,12 @@
     </dgm:txFillClrLst>
     <dgm:txEffectClrLst/>
   </dgm:styleLbl>
-  <dgm:styleLbl name="alignImgPlace1">
+  <dgm:styleLbl name="bgImgPlace1">
     <dgm:fillClrLst>
-      <a:schemeClr val="accent1">
+      <a:schemeClr val="accent5">
         <a:tint val="50000"/>
       </a:schemeClr>
-      <a:schemeClr val="accent1">
+      <a:schemeClr val="accent6">
         <a:tint val="20000"/>
       </a:schemeClr>
     </dgm:fillClrLst>
@@ -5831,14 +5824,23 @@
     </dgm:txFillClrLst>
     <dgm:txEffectClrLst/>
   </dgm:styleLbl>
-  <dgm:styleLbl name="bgImgPlace1">
+  <dgm:styleLbl name="sibTrans2D1">
     <dgm:fillClrLst>
-      <a:schemeClr val="accent1">
-        <a:tint val="50000"/>
-      </a:schemeClr>
-      <a:schemeClr val="accent1">
-        <a:tint val="20000"/>
-      </a:schemeClr>
+      <a:schemeClr val="accent5"/>
+      <a:schemeClr val="accent6"/>
+    </dgm:fillClrLst>
+    <dgm:linClrLst meth="repeat">
+      <a:schemeClr val="lt1"/>
+    </dgm:linClrLst>
+    <dgm:effectClrLst/>
+    <dgm:txLinClrLst/>
+    <dgm:txFillClrLst/>
+    <dgm:txEffectClrLst/>
+  </dgm:styleLbl>
+  <dgm:styleLbl name="fgSibTrans2D1">
+    <dgm:fillClrLst>
+      <a:schemeClr val="accent5"/>
+      <a:schemeClr val="accent6"/>
     </dgm:fillClrLst>
     <dgm:linClrLst meth="repeat">
       <a:schemeClr val="lt1"/>
@@ -5850,44 +5852,13 @@
     </dgm:txFillClrLst>
     <dgm:txEffectClrLst/>
   </dgm:styleLbl>
-  <dgm:styleLbl name="sibTrans2D1">
+  <dgm:styleLbl name="bgSibTrans2D1">
     <dgm:fillClrLst>
-      <a:schemeClr val="accent1">
-        <a:shade val="90000"/>
-      </a:schemeClr>
-      <a:schemeClr val="accent1">
-        <a:tint val="70000"/>
-      </a:schemeClr>
+      <a:schemeClr val="accent5"/>
+      <a:schemeClr val="accent6"/>
     </dgm:fillClrLst>
-    <dgm:linClrLst>
-      <a:schemeClr val="accent1">
-        <a:shade val="90000"/>
-      </a:schemeClr>
-      <a:schemeClr val="accent1">
-        <a:tint val="70000"/>
-      </a:schemeClr>
-    </dgm:linClrLst>
-    <dgm:effectClrLst/>
-    <dgm:txLinClrLst/>
-    <dgm:txFillClrLst/>
-    <dgm:txEffectClrLst/>
-  </dgm:styleLbl>
-  <dgm:styleLbl name="fgSibTrans2D1">
-    <dgm:fillClrLst>
-      <a:schemeClr val="accent1">
-        <a:shade val="90000"/>
-      </a:schemeClr>
-      <a:schemeClr val="accent1">
-        <a:tint val="70000"/>
-      </a:schemeClr>
-    </dgm:fillClrLst>
-    <dgm:linClrLst>
-      <a:schemeClr val="accent1">
-        <a:shade val="90000"/>
-      </a:schemeClr>
-      <a:schemeClr val="accent1">
-        <a:tint val="70000"/>
-      </a:schemeClr>
+    <dgm:linClrLst meth="repeat">
+      <a:schemeClr val="lt1"/>
     </dgm:linClrLst>
     <dgm:effectClrLst/>
     <dgm:txLinClrLst/>
@@ -5896,45 +5867,26 @@
     </dgm:txFillClrLst>
     <dgm:txEffectClrLst/>
   </dgm:styleLbl>
-  <dgm:styleLbl name="bgSibTrans2D1">
-    <dgm:fillClrLst>
-      <a:schemeClr val="accent1">
-        <a:shade val="90000"/>
-      </a:schemeClr>
-      <a:schemeClr val="accent1">
-        <a:tint val="70000"/>
-      </a:schemeClr>
-    </dgm:fillClrLst>
+  <dgm:styleLbl name="sibTrans1D1">
+    <dgm:fillClrLst/>
     <dgm:linClrLst>
-      <a:schemeClr val="accent1">
-        <a:shade val="90000"/>
-      </a:schemeClr>
-      <a:schemeClr val="accent1">
-        <a:tint val="70000"/>
-      </a:schemeClr>
+      <a:schemeClr val="accent5"/>
+      <a:schemeClr val="accent6"/>
     </dgm:linClrLst>
     <dgm:effectClrLst/>
     <dgm:txLinClrLst/>
     <dgm:txFillClrLst meth="repeat">
-      <a:schemeClr val="lt1"/>
+      <a:schemeClr val="tx1"/>
     </dgm:txFillClrLst>
     <dgm:txEffectClrLst/>
   </dgm:styleLbl>
-  <dgm:styleLbl name="sibTrans1D1">
-    <dgm:fillClrLst>
-      <a:schemeClr val="accent1">
-        <a:shade val="90000"/>
-      </a:schemeClr>
-      <a:schemeClr val="accent1">
-        <a:tint val="70000"/>
-      </a:schemeClr>
+  <dgm:styleLbl name="callout">
+    <dgm:fillClrLst meth="repeat">
+      <a:schemeClr val="accent5"/>
     </dgm:fillClrLst>
-    <dgm:linClrLst>
-      <a:schemeClr val="accent1">
-        <a:shade val="90000"/>
-      </a:schemeClr>
-      <a:schemeClr val="accent1">
-        <a:tint val="70000"/>
+    <dgm:linClrLst meth="repeat">
+      <a:schemeClr val="accent5">
+        <a:tint val="50000"/>
       </a:schemeClr>
     </dgm:linClrLst>
     <dgm:effectClrLst/>
@@ -5944,9 +5896,157 @@
     </dgm:txFillClrLst>
     <dgm:txEffectClrLst/>
   </dgm:styleLbl>
-  <dgm:styleLbl name="callout">
+  <dgm:styleLbl name="asst0">
+    <dgm:fillClrLst meth="repeat">
+      <a:schemeClr val="accent5"/>
+    </dgm:fillClrLst>
+    <dgm:linClrLst meth="repeat">
+      <a:schemeClr val="lt1">
+        <a:shade val="80000"/>
+      </a:schemeClr>
+    </dgm:linClrLst>
+    <dgm:effectClrLst/>
+    <dgm:txLinClrLst/>
+    <dgm:txFillClrLst/>
+    <dgm:txEffectClrLst/>
+  </dgm:styleLbl>
+  <dgm:styleLbl name="asst1">
+    <dgm:fillClrLst meth="repeat">
+      <a:schemeClr val="accent6"/>
+    </dgm:fillClrLst>
+    <dgm:linClrLst meth="repeat">
+      <a:schemeClr val="lt1">
+        <a:shade val="80000"/>
+      </a:schemeClr>
+    </dgm:linClrLst>
+    <dgm:effectClrLst/>
+    <dgm:txLinClrLst/>
+    <dgm:txFillClrLst/>
+    <dgm:txEffectClrLst/>
+  </dgm:styleLbl>
+  <dgm:styleLbl name="asst2">
+    <dgm:fillClrLst>
+      <a:schemeClr val="accent1"/>
+    </dgm:fillClrLst>
+    <dgm:linClrLst meth="repeat">
+      <a:schemeClr val="lt1"/>
+    </dgm:linClrLst>
+    <dgm:effectClrLst/>
+    <dgm:txLinClrLst/>
+    <dgm:txFillClrLst/>
+    <dgm:txEffectClrLst/>
+  </dgm:styleLbl>
+  <dgm:styleLbl name="asst3">
+    <dgm:fillClrLst>
+      <a:schemeClr val="accent2"/>
+    </dgm:fillClrLst>
+    <dgm:linClrLst meth="repeat">
+      <a:schemeClr val="lt1"/>
+    </dgm:linClrLst>
+    <dgm:effectClrLst/>
+    <dgm:txLinClrLst/>
+    <dgm:txFillClrLst/>
+    <dgm:txEffectClrLst/>
+  </dgm:styleLbl>
+  <dgm:styleLbl name="asst4">
+    <dgm:fillClrLst>
+      <a:schemeClr val="accent3"/>
+    </dgm:fillClrLst>
+    <dgm:linClrLst meth="repeat">
+      <a:schemeClr val="lt1"/>
+    </dgm:linClrLst>
+    <dgm:effectClrLst/>
+    <dgm:txLinClrLst/>
+    <dgm:txFillClrLst/>
+    <dgm:txEffectClrLst/>
+  </dgm:styleLbl>
+  <dgm:styleLbl name="parChTrans2D1">
+    <dgm:fillClrLst meth="repeat">
+      <a:schemeClr val="accent5"/>
+    </dgm:fillClrLst>
+    <dgm:linClrLst meth="repeat">
+      <a:schemeClr val="lt1"/>
+    </dgm:linClrLst>
+    <dgm:effectClrLst/>
+    <dgm:txLinClrLst/>
+    <dgm:txFillClrLst meth="repeat">
+      <a:schemeClr val="lt1"/>
+    </dgm:txFillClrLst>
+    <dgm:txEffectClrLst/>
+  </dgm:styleLbl>
+  <dgm:styleLbl name="parChTrans2D2">
+    <dgm:fillClrLst meth="repeat">
+      <a:schemeClr val="accent6"/>
+    </dgm:fillClrLst>
+    <dgm:linClrLst meth="repeat">
+      <a:schemeClr val="lt1"/>
+    </dgm:linClrLst>
+    <dgm:effectClrLst/>
+    <dgm:txLinClrLst/>
+    <dgm:txFillClrLst/>
+    <dgm:txEffectClrLst/>
+  </dgm:styleLbl>
+  <dgm:styleLbl name="parChTrans2D3">
+    <dgm:fillClrLst meth="repeat">
+      <a:schemeClr val="accent6"/>
+    </dgm:fillClrLst>
+    <dgm:linClrLst meth="repeat">
+      <a:schemeClr val="lt1"/>
+    </dgm:linClrLst>
+    <dgm:effectClrLst/>
+    <dgm:txLinClrLst/>
+    <dgm:txFillClrLst/>
+    <dgm:txEffectClrLst/>
+  </dgm:styleLbl>
+  <dgm:styleLbl name="parChTrans2D4">
     <dgm:fillClrLst meth="repeat">
       <a:schemeClr val="accent1"/>
+    </dgm:fillClrLst>
+    <dgm:linClrLst meth="repeat">
+      <a:schemeClr val="lt1"/>
+    </dgm:linClrLst>
+    <dgm:effectClrLst/>
+    <dgm:txLinClrLst/>
+    <dgm:txFillClrLst meth="repeat">
+      <a:schemeClr val="lt1"/>
+    </dgm:txFillClrLst>
+    <dgm:txEffectClrLst/>
+  </dgm:styleLbl>
+  <dgm:styleLbl name="parChTrans1D1">
+    <dgm:fillClrLst meth="repeat">
+      <a:schemeClr val="accent5"/>
+    </dgm:fillClrLst>
+    <dgm:linClrLst meth="repeat">
+      <a:schemeClr val="accent5"/>
+    </dgm:linClrLst>
+    <dgm:effectClrLst/>
+    <dgm:txLinClrLst/>
+    <dgm:txFillClrLst meth="repeat">
+      <a:schemeClr val="tx1"/>
+    </dgm:txFillClrLst>
+    <dgm:txEffectClrLst/>
+  </dgm:styleLbl>
+  <dgm:styleLbl name="parChTrans1D2">
+    <dgm:fillClrLst meth="repeat">
+      <a:schemeClr val="accent6">
+        <a:tint val="90000"/>
+      </a:schemeClr>
+    </dgm:fillClrLst>
+    <dgm:linClrLst meth="repeat">
+      <a:schemeClr val="accent6"/>
+    </dgm:linClrLst>
+    <dgm:effectClrLst/>
+    <dgm:txLinClrLst/>
+    <dgm:txFillClrLst meth="repeat">
+      <a:schemeClr val="tx1"/>
+    </dgm:txFillClrLst>
+    <dgm:txEffectClrLst/>
+  </dgm:styleLbl>
+  <dgm:styleLbl name="parChTrans1D3">
+    <dgm:fillClrLst meth="repeat">
+      <a:schemeClr val="accent6">
+        <a:tint val="70000"/>
+      </a:schemeClr>
     </dgm:fillClrLst>
     <dgm:linClrLst meth="repeat">
       <a:schemeClr val="accent1"/>
@@ -5958,154 +6058,14 @@
     </dgm:txFillClrLst>
     <dgm:txEffectClrLst/>
   </dgm:styleLbl>
-  <dgm:styleLbl name="asst0">
+  <dgm:styleLbl name="parChTrans1D4">
     <dgm:fillClrLst meth="repeat">
-      <a:schemeClr val="accent1">
-        <a:shade val="80000"/>
-      </a:schemeClr>
-    </dgm:fillClrLst>
-    <dgm:linClrLst meth="repeat">
-      <a:schemeClr val="lt1"/>
-    </dgm:linClrLst>
-    <dgm:effectClrLst/>
-    <dgm:txLinClrLst/>
-    <dgm:txFillClrLst/>
-    <dgm:txEffectClrLst/>
-  </dgm:styleLbl>
-  <dgm:styleLbl name="asst1">
-    <dgm:fillClrLst meth="repeat">
-      <a:schemeClr val="accent1">
-        <a:shade val="80000"/>
-      </a:schemeClr>
-    </dgm:fillClrLst>
-    <dgm:linClrLst meth="repeat">
-      <a:schemeClr val="lt1"/>
-    </dgm:linClrLst>
-    <dgm:effectClrLst/>
-    <dgm:txLinClrLst/>
-    <dgm:txFillClrLst/>
-    <dgm:txEffectClrLst/>
-  </dgm:styleLbl>
-  <dgm:styleLbl name="asst2">
-    <dgm:fillClrLst>
-      <a:schemeClr val="accent1">
-        <a:tint val="99000"/>
-      </a:schemeClr>
-    </dgm:fillClrLst>
-    <dgm:linClrLst meth="repeat">
-      <a:schemeClr val="lt1"/>
-    </dgm:linClrLst>
-    <dgm:effectClrLst/>
-    <dgm:txLinClrLst/>
-    <dgm:txFillClrLst/>
-    <dgm:txEffectClrLst/>
-  </dgm:styleLbl>
-  <dgm:styleLbl name="asst3">
-    <dgm:fillClrLst>
-      <a:schemeClr val="accent1">
-        <a:tint val="80000"/>
-      </a:schemeClr>
-    </dgm:fillClrLst>
-    <dgm:linClrLst meth="repeat">
-      <a:schemeClr val="lt1"/>
-    </dgm:linClrLst>
-    <dgm:effectClrLst/>
-    <dgm:txLinClrLst/>
-    <dgm:txFillClrLst/>
-    <dgm:txEffectClrLst/>
-  </dgm:styleLbl>
-  <dgm:styleLbl name="asst4">
-    <dgm:fillClrLst>
-      <a:schemeClr val="accent1">
-        <a:tint val="70000"/>
-      </a:schemeClr>
-    </dgm:fillClrLst>
-    <dgm:linClrLst meth="repeat">
-      <a:schemeClr val="lt1"/>
-    </dgm:linClrLst>
-    <dgm:effectClrLst/>
-    <dgm:txLinClrLst/>
-    <dgm:txFillClrLst/>
-    <dgm:txEffectClrLst/>
-  </dgm:styleLbl>
-  <dgm:styleLbl name="parChTrans2D1">
-    <dgm:fillClrLst meth="repeat">
-      <a:schemeClr val="accent1">
-        <a:tint val="60000"/>
-      </a:schemeClr>
-    </dgm:fillClrLst>
-    <dgm:linClrLst meth="repeat">
-      <a:schemeClr val="accent1">
-        <a:tint val="60000"/>
-      </a:schemeClr>
-    </dgm:linClrLst>
-    <dgm:effectClrLst/>
-    <dgm:txLinClrLst/>
-    <dgm:txFillClrLst meth="repeat">
-      <a:schemeClr val="lt1"/>
-    </dgm:txFillClrLst>
-    <dgm:txEffectClrLst/>
-  </dgm:styleLbl>
-  <dgm:styleLbl name="parChTrans2D2">
-    <dgm:fillClrLst meth="repeat">
-      <a:schemeClr val="accent1">
-        <a:tint val="90000"/>
-      </a:schemeClr>
-    </dgm:fillClrLst>
-    <dgm:linClrLst meth="repeat">
-      <a:schemeClr val="accent1">
-        <a:tint val="90000"/>
-      </a:schemeClr>
-    </dgm:linClrLst>
-    <dgm:effectClrLst/>
-    <dgm:txLinClrLst/>
-    <dgm:txFillClrLst/>
-    <dgm:txEffectClrLst/>
-  </dgm:styleLbl>
-  <dgm:styleLbl name="parChTrans2D3">
-    <dgm:fillClrLst meth="repeat">
-      <a:schemeClr val="accent1">
-        <a:tint val="70000"/>
-      </a:schemeClr>
-    </dgm:fillClrLst>
-    <dgm:linClrLst meth="repeat">
-      <a:schemeClr val="accent1">
-        <a:tint val="70000"/>
-      </a:schemeClr>
-    </dgm:linClrLst>
-    <dgm:effectClrLst/>
-    <dgm:txLinClrLst/>
-    <dgm:txFillClrLst/>
-    <dgm:txEffectClrLst/>
-  </dgm:styleLbl>
-  <dgm:styleLbl name="parChTrans2D4">
-    <dgm:fillClrLst meth="repeat">
-      <a:schemeClr val="accent1">
+      <a:schemeClr val="accent6">
         <a:tint val="50000"/>
       </a:schemeClr>
     </dgm:fillClrLst>
     <dgm:linClrLst meth="repeat">
-      <a:schemeClr val="accent1">
-        <a:tint val="50000"/>
-      </a:schemeClr>
-    </dgm:linClrLst>
-    <dgm:effectClrLst/>
-    <dgm:txLinClrLst/>
-    <dgm:txFillClrLst meth="repeat">
-      <a:schemeClr val="lt1"/>
-    </dgm:txFillClrLst>
-    <dgm:txEffectClrLst/>
-  </dgm:styleLbl>
-  <dgm:styleLbl name="parChTrans1D1">
-    <dgm:fillClrLst meth="repeat">
-      <a:schemeClr val="accent1">
-        <a:shade val="80000"/>
-      </a:schemeClr>
-    </dgm:fillClrLst>
-    <dgm:linClrLst meth="repeat">
-      <a:schemeClr val="accent1">
-        <a:shade val="80000"/>
-      </a:schemeClr>
+      <a:schemeClr val="accent2"/>
     </dgm:linClrLst>
     <dgm:effectClrLst/>
     <dgm:txLinClrLst/>
@@ -6114,60 +6074,6 @@
     </dgm:txFillClrLst>
     <dgm:txEffectClrLst/>
   </dgm:styleLbl>
-  <dgm:styleLbl name="parChTrans1D2">
-    <dgm:fillClrLst meth="repeat">
-      <a:schemeClr val="accent1">
-        <a:tint val="99000"/>
-      </a:schemeClr>
-    </dgm:fillClrLst>
-    <dgm:linClrLst meth="repeat">
-      <a:schemeClr val="accent1">
-        <a:tint val="99000"/>
-      </a:schemeClr>
-    </dgm:linClrLst>
-    <dgm:effectClrLst/>
-    <dgm:txLinClrLst/>
-    <dgm:txFillClrLst meth="repeat">
-      <a:schemeClr val="tx1"/>
-    </dgm:txFillClrLst>
-    <dgm:txEffectClrLst/>
-  </dgm:styleLbl>
-  <dgm:styleLbl name="parChTrans1D3">
-    <dgm:fillClrLst meth="repeat">
-      <a:schemeClr val="accent1">
-        <a:tint val="80000"/>
-      </a:schemeClr>
-    </dgm:fillClrLst>
-    <dgm:linClrLst meth="repeat">
-      <a:schemeClr val="accent1">
-        <a:tint val="80000"/>
-      </a:schemeClr>
-    </dgm:linClrLst>
-    <dgm:effectClrLst/>
-    <dgm:txLinClrLst/>
-    <dgm:txFillClrLst meth="repeat">
-      <a:schemeClr val="tx1"/>
-    </dgm:txFillClrLst>
-    <dgm:txEffectClrLst/>
-  </dgm:styleLbl>
-  <dgm:styleLbl name="parChTrans1D4">
-    <dgm:fillClrLst meth="repeat">
-      <a:schemeClr val="accent1">
-        <a:tint val="70000"/>
-      </a:schemeClr>
-    </dgm:fillClrLst>
-    <dgm:linClrLst meth="repeat">
-      <a:schemeClr val="accent1">
-        <a:tint val="70000"/>
-      </a:schemeClr>
-    </dgm:linClrLst>
-    <dgm:effectClrLst/>
-    <dgm:txLinClrLst/>
-    <dgm:txFillClrLst meth="repeat">
-      <a:schemeClr val="tx1"/>
-    </dgm:txFillClrLst>
-    <dgm:txEffectClrLst/>
-  </dgm:styleLbl>
   <dgm:styleLbl name="fgAcc1">
     <dgm:fillClrLst meth="repeat">
       <a:schemeClr val="lt1">
@@ -6175,11 +6081,147 @@
       </a:schemeClr>
     </dgm:fillClrLst>
     <dgm:linClrLst>
-      <a:schemeClr val="accent1">
-        <a:shade val="80000"/>
+      <a:schemeClr val="accent5"/>
+      <a:schemeClr val="accent6"/>
+    </dgm:linClrLst>
+    <dgm:effectClrLst/>
+    <dgm:txLinClrLst/>
+    <dgm:txFillClrLst meth="repeat">
+      <a:schemeClr val="dk1"/>
+    </dgm:txFillClrLst>
+    <dgm:txEffectClrLst/>
+  </dgm:styleLbl>
+  <dgm:styleLbl name="conFgAcc1">
+    <dgm:fillClrLst meth="repeat">
+      <a:schemeClr val="lt1">
+        <a:alpha val="90000"/>
       </a:schemeClr>
-      <a:schemeClr val="accent1">
-        <a:tint val="70000"/>
+    </dgm:fillClrLst>
+    <dgm:linClrLst>
+      <a:schemeClr val="accent5"/>
+      <a:schemeClr val="accent6"/>
+    </dgm:linClrLst>
+    <dgm:effectClrLst/>
+    <dgm:txLinClrLst/>
+    <dgm:txFillClrLst meth="repeat">
+      <a:schemeClr val="dk1"/>
+    </dgm:txFillClrLst>
+    <dgm:txEffectClrLst/>
+  </dgm:styleLbl>
+  <dgm:styleLbl name="alignAcc1">
+    <dgm:fillClrLst meth="repeat">
+      <a:schemeClr val="lt1">
+        <a:alpha val="90000"/>
+      </a:schemeClr>
+    </dgm:fillClrLst>
+    <dgm:linClrLst>
+      <a:schemeClr val="accent5"/>
+      <a:schemeClr val="accent6"/>
+    </dgm:linClrLst>
+    <dgm:effectClrLst/>
+    <dgm:txLinClrLst/>
+    <dgm:txFillClrLst meth="repeat">
+      <a:schemeClr val="dk1"/>
+    </dgm:txFillClrLst>
+    <dgm:txEffectClrLst/>
+  </dgm:styleLbl>
+  <dgm:styleLbl name="trAlignAcc1">
+    <dgm:fillClrLst meth="repeat">
+      <a:schemeClr val="lt1">
+        <a:alpha val="40000"/>
+      </a:schemeClr>
+    </dgm:fillClrLst>
+    <dgm:linClrLst meth="repeat">
+      <a:schemeClr val="accent5"/>
+    </dgm:linClrLst>
+    <dgm:effectClrLst/>
+    <dgm:txLinClrLst/>
+    <dgm:txFillClrLst meth="repeat">
+      <a:schemeClr val="dk1"/>
+    </dgm:txFillClrLst>
+    <dgm:txEffectClrLst/>
+  </dgm:styleLbl>
+  <dgm:styleLbl name="bgAcc1">
+    <dgm:fillClrLst meth="repeat">
+      <a:schemeClr val="lt1">
+        <a:alpha val="90000"/>
+      </a:schemeClr>
+    </dgm:fillClrLst>
+    <dgm:linClrLst>
+      <a:schemeClr val="accent5"/>
+      <a:schemeClr val="accent6"/>
+    </dgm:linClrLst>
+    <dgm:effectClrLst/>
+    <dgm:txLinClrLst/>
+    <dgm:txFillClrLst meth="repeat">
+      <a:schemeClr val="dk1"/>
+    </dgm:txFillClrLst>
+    <dgm:txEffectClrLst/>
+  </dgm:styleLbl>
+  <dgm:styleLbl name="solidFgAcc1">
+    <dgm:fillClrLst meth="repeat">
+      <a:schemeClr val="lt1"/>
+    </dgm:fillClrLst>
+    <dgm:linClrLst>
+      <a:schemeClr val="accent5"/>
+      <a:schemeClr val="accent6"/>
+    </dgm:linClrLst>
+    <dgm:effectClrLst/>
+    <dgm:txLinClrLst/>
+    <dgm:txFillClrLst meth="repeat">
+      <a:schemeClr val="dk1"/>
+    </dgm:txFillClrLst>
+    <dgm:txEffectClrLst/>
+  </dgm:styleLbl>
+  <dgm:styleLbl name="solidAlignAcc1">
+    <dgm:fillClrLst meth="repeat">
+      <a:schemeClr val="lt1"/>
+    </dgm:fillClrLst>
+    <dgm:linClrLst>
+      <a:schemeClr val="accent5"/>
+      <a:schemeClr val="accent6"/>
+    </dgm:linClrLst>
+    <dgm:effectClrLst/>
+    <dgm:txLinClrLst/>
+    <dgm:txFillClrLst meth="repeat">
+      <a:schemeClr val="dk1"/>
+    </dgm:txFillClrLst>
+    <dgm:txEffectClrLst/>
+  </dgm:styleLbl>
+  <dgm:styleLbl name="solidBgAcc1">
+    <dgm:fillClrLst meth="repeat">
+      <a:schemeClr val="lt1"/>
+    </dgm:fillClrLst>
+    <dgm:linClrLst>
+      <a:schemeClr val="accent5"/>
+      <a:schemeClr val="accent6"/>
+    </dgm:linClrLst>
+    <dgm:effectClrLst/>
+    <dgm:txLinClrLst/>
+    <dgm:txFillClrLst meth="repeat">
+      <a:schemeClr val="dk1"/>
+    </dgm:txFillClrLst>
+    <dgm:txEffectClrLst/>
+  </dgm:styleLbl>
+  <dgm:styleLbl name="fgAccFollowNode1">
+    <dgm:fillClrLst>
+      <a:schemeClr val="accent5">
+        <a:tint val="40000"/>
+        <a:alpha val="90000"/>
+      </a:schemeClr>
+      <a:schemeClr val="accent6">
+        <a:tint val="40000"/>
+        <a:alpha val="90000"/>
+      </a:schemeClr>
+    </dgm:fillClrLst>
+    <dgm:linClrLst>
+      <a:schemeClr val="accent5">
+        <a:tint val="40000"/>
+        <a:alpha val="90000"/>
+      </a:schemeClr>
+      <a:schemeClr val="accent5">
+        <a:tint val="40000"/>
+        <a:alpha val="90000"/>
       </a:schemeClr>
     </dgm:linClrLst>
     <dgm:effectClrLst/>
@@ -6189,18 +6231,25 @@
     </dgm:txFillClrLst>
     <dgm:txEffectClrLst/>
   </dgm:styleLbl>
-  <dgm:styleLbl name="conFgAcc1">
-    <dgm:fillClrLst meth="repeat">
-      <a:schemeClr val="lt1">
+  <dgm:styleLbl name="alignAccFollowNode1">
+    <dgm:fillClrLst>
+      <a:schemeClr val="accent5">
+        <a:tint val="40000"/>
+        <a:alpha val="90000"/>
+      </a:schemeClr>
+      <a:schemeClr val="accent6">
+        <a:tint val="40000"/>
         <a:alpha val="90000"/>
       </a:schemeClr>
     </dgm:fillClrLst>
     <dgm:linClrLst>
-      <a:schemeClr val="accent1">
-        <a:shade val="80000"/>
+      <a:schemeClr val="accent5">
+        <a:tint val="40000"/>
+        <a:alpha val="90000"/>
       </a:schemeClr>
-      <a:schemeClr val="accent1">
-        <a:tint val="70000"/>
+      <a:schemeClr val="accent6">
+        <a:tint val="40000"/>
+        <a:alpha val="90000"/>
       </a:schemeClr>
     </dgm:linClrLst>
     <dgm:effectClrLst/>
@@ -6210,18 +6259,25 @@
     </dgm:txFillClrLst>
     <dgm:txEffectClrLst/>
   </dgm:styleLbl>
-  <dgm:styleLbl name="alignAcc1">
-    <dgm:fillClrLst meth="repeat">
-      <a:schemeClr val="lt1">
+  <dgm:styleLbl name="bgAccFollowNode1">
+    <dgm:fillClrLst>
+      <a:schemeClr val="accent5">
+        <a:tint val="40000"/>
+        <a:alpha val="90000"/>
+      </a:schemeClr>
+      <a:schemeClr val="accent6">
+        <a:tint val="40000"/>
         <a:alpha val="90000"/>
       </a:schemeClr>
     </dgm:fillClrLst>
     <dgm:linClrLst>
-      <a:schemeClr val="accent1">
-        <a:shade val="80000"/>
+      <a:schemeClr val="accent5">
+        <a:tint val="40000"/>
+        <a:alpha val="90000"/>
       </a:schemeClr>
-      <a:schemeClr val="accent1">
-        <a:tint val="70000"/>
+      <a:schemeClr val="accent6">
+        <a:tint val="40000"/>
+        <a:alpha val="90000"/>
       </a:schemeClr>
     </dgm:linClrLst>
     <dgm:effectClrLst/>
@@ -6231,13 +6287,45 @@
     </dgm:txFillClrLst>
     <dgm:txEffectClrLst/>
   </dgm:styleLbl>
-  <dgm:styleLbl name="trAlignAcc1">
+  <dgm:styleLbl name="fgAcc0">
     <dgm:fillClrLst meth="repeat">
       <a:schemeClr val="lt1">
-        <a:alpha val="40000"/>
+        <a:alpha val="90000"/>
       </a:schemeClr>
     </dgm:fillClrLst>
-    <dgm:linClrLst meth="repeat">
+    <dgm:linClrLst>
+      <a:schemeClr val="accent4"/>
+    </dgm:linClrLst>
+    <dgm:effectClrLst/>
+    <dgm:txLinClrLst/>
+    <dgm:txFillClrLst meth="repeat">
+      <a:schemeClr val="dk1"/>
+    </dgm:txFillClrLst>
+    <dgm:txEffectClrLst/>
+  </dgm:styleLbl>
+  <dgm:styleLbl name="fgAcc2">
+    <dgm:fillClrLst meth="repeat">
+      <a:schemeClr val="lt1">
+        <a:alpha val="90000"/>
+      </a:schemeClr>
+    </dgm:fillClrLst>
+    <dgm:linClrLst>
+      <a:schemeClr val="accent6"/>
+    </dgm:linClrLst>
+    <dgm:effectClrLst/>
+    <dgm:txLinClrLst/>
+    <dgm:txFillClrLst meth="repeat">
+      <a:schemeClr val="dk1"/>
+    </dgm:txFillClrLst>
+    <dgm:txEffectClrLst/>
+  </dgm:styleLbl>
+  <dgm:styleLbl name="fgAcc3">
+    <dgm:fillClrLst meth="repeat">
+      <a:schemeClr val="lt1">
+        <a:alpha val="90000"/>
+      </a:schemeClr>
+    </dgm:fillClrLst>
+    <dgm:linClrLst>
       <a:schemeClr val="accent1"/>
     </dgm:linClrLst>
     <dgm:effectClrLst/>
@@ -6247,19 +6335,14 @@
     </dgm:txFillClrLst>
     <dgm:txEffectClrLst/>
   </dgm:styleLbl>
-  <dgm:styleLbl name="bgAcc1">
+  <dgm:styleLbl name="fgAcc4">
     <dgm:fillClrLst meth="repeat">
       <a:schemeClr val="lt1">
         <a:alpha val="90000"/>
       </a:schemeClr>
     </dgm:fillClrLst>
     <dgm:linClrLst>
-      <a:schemeClr val="accent1">
-        <a:shade val="80000"/>
-      </a:schemeClr>
-      <a:schemeClr val="accent1">
-        <a:tint val="70000"/>
-      </a:schemeClr>
+      <a:schemeClr val="accent2"/>
     </dgm:linClrLst>
     <dgm:effectClrLst/>
     <dgm:txLinClrLst/>
@@ -6268,185 +6351,9 @@
     </dgm:txFillClrLst>
     <dgm:txEffectClrLst/>
   </dgm:styleLbl>
-  <dgm:styleLbl name="solidFgAcc1">
-    <dgm:fillClrLst meth="repeat">
-      <a:schemeClr val="lt1"/>
-    </dgm:fillClrLst>
-    <dgm:linClrLst>
-      <a:schemeClr val="accent1">
-        <a:shade val="80000"/>
-      </a:schemeClr>
-      <a:schemeClr val="accent1">
-        <a:tint val="70000"/>
-      </a:schemeClr>
-    </dgm:linClrLst>
-    <dgm:effectClrLst/>
-    <dgm:txLinClrLst/>
-    <dgm:txFillClrLst meth="repeat">
-      <a:schemeClr val="dk1"/>
-    </dgm:txFillClrLst>
-    <dgm:txEffectClrLst/>
-  </dgm:styleLbl>
-  <dgm:styleLbl name="solidAlignAcc1">
-    <dgm:fillClrLst meth="repeat">
-      <a:schemeClr val="lt1"/>
-    </dgm:fillClrLst>
-    <dgm:linClrLst meth="repeat">
-      <a:schemeClr val="accent1"/>
-    </dgm:linClrLst>
-    <dgm:effectClrLst/>
-    <dgm:txLinClrLst/>
-    <dgm:txFillClrLst meth="repeat">
-      <a:schemeClr val="dk1"/>
-    </dgm:txFillClrLst>
-    <dgm:txEffectClrLst/>
-  </dgm:styleLbl>
-  <dgm:styleLbl name="solidBgAcc1">
-    <dgm:fillClrLst meth="repeat">
-      <a:schemeClr val="lt1"/>
-    </dgm:fillClrLst>
-    <dgm:linClrLst meth="repeat">
-      <a:schemeClr val="accent1"/>
-    </dgm:linClrLst>
-    <dgm:effectClrLst/>
-    <dgm:txLinClrLst/>
-    <dgm:txFillClrLst meth="repeat">
-      <a:schemeClr val="dk1"/>
-    </dgm:txFillClrLst>
-    <dgm:txEffectClrLst/>
-  </dgm:styleLbl>
-  <dgm:styleLbl name="fgAccFollowNode1">
-    <dgm:fillClrLst meth="repeat">
-      <a:schemeClr val="accent1">
-        <a:alpha val="90000"/>
-        <a:tint val="40000"/>
-      </a:schemeClr>
-    </dgm:fillClrLst>
-    <dgm:linClrLst meth="repeat">
-      <a:schemeClr val="accent1">
-        <a:alpha val="90000"/>
-        <a:tint val="40000"/>
-      </a:schemeClr>
-    </dgm:linClrLst>
-    <dgm:effectClrLst/>
-    <dgm:txLinClrLst/>
-    <dgm:txFillClrLst meth="repeat">
-      <a:schemeClr val="dk1"/>
-    </dgm:txFillClrLst>
-    <dgm:txEffectClrLst/>
-  </dgm:styleLbl>
-  <dgm:styleLbl name="alignAccFollowNode1">
-    <dgm:fillClrLst meth="repeat">
-      <a:schemeClr val="accent1">
-        <a:alpha val="90000"/>
-        <a:tint val="40000"/>
-      </a:schemeClr>
-    </dgm:fillClrLst>
-    <dgm:linClrLst meth="repeat">
-      <a:schemeClr val="accent1">
-        <a:alpha val="90000"/>
-        <a:tint val="40000"/>
-      </a:schemeClr>
-    </dgm:linClrLst>
-    <dgm:effectClrLst/>
-    <dgm:txLinClrLst/>
-    <dgm:txFillClrLst meth="repeat">
-      <a:schemeClr val="dk1"/>
-    </dgm:txFillClrLst>
-    <dgm:txEffectClrLst/>
-  </dgm:styleLbl>
-  <dgm:styleLbl name="bgAccFollowNode1">
-    <dgm:fillClrLst meth="repeat">
-      <a:schemeClr val="accent1">
-        <a:alpha val="90000"/>
-        <a:tint val="40000"/>
-      </a:schemeClr>
-    </dgm:fillClrLst>
-    <dgm:linClrLst meth="repeat">
-      <a:schemeClr val="lt1"/>
-    </dgm:linClrLst>
-    <dgm:effectClrLst/>
-    <dgm:txLinClrLst/>
-    <dgm:txFillClrLst meth="repeat">
-      <a:schemeClr val="dk1"/>
-    </dgm:txFillClrLst>
-    <dgm:txEffectClrLst/>
-  </dgm:styleLbl>
-  <dgm:styleLbl name="fgAcc0">
-    <dgm:fillClrLst meth="repeat">
-      <a:schemeClr val="lt1">
-        <a:alpha val="90000"/>
-      </a:schemeClr>
-    </dgm:fillClrLst>
-    <dgm:linClrLst meth="repeat">
-      <a:schemeClr val="accent1">
-        <a:shade val="80000"/>
-      </a:schemeClr>
-    </dgm:linClrLst>
-    <dgm:effectClrLst/>
-    <dgm:txLinClrLst/>
-    <dgm:txFillClrLst meth="repeat">
-      <a:schemeClr val="dk1"/>
-    </dgm:txFillClrLst>
-    <dgm:txEffectClrLst/>
-  </dgm:styleLbl>
-  <dgm:styleLbl name="fgAcc2">
-    <dgm:fillClrLst meth="repeat">
-      <a:schemeClr val="lt1">
-        <a:alpha val="90000"/>
-      </a:schemeClr>
-    </dgm:fillClrLst>
-    <dgm:linClrLst meth="repeat">
-      <a:schemeClr val="accent1">
-        <a:tint val="99000"/>
-      </a:schemeClr>
-    </dgm:linClrLst>
-    <dgm:effectClrLst/>
-    <dgm:txLinClrLst/>
-    <dgm:txFillClrLst meth="repeat">
-      <a:schemeClr val="dk1"/>
-    </dgm:txFillClrLst>
-    <dgm:txEffectClrLst/>
-  </dgm:styleLbl>
-  <dgm:styleLbl name="fgAcc3">
-    <dgm:fillClrLst meth="repeat">
-      <a:schemeClr val="lt1">
-        <a:alpha val="90000"/>
-      </a:schemeClr>
-    </dgm:fillClrLst>
-    <dgm:linClrLst meth="repeat">
-      <a:schemeClr val="accent1">
-        <a:tint val="80000"/>
-      </a:schemeClr>
-    </dgm:linClrLst>
-    <dgm:effectClrLst/>
-    <dgm:txLinClrLst/>
-    <dgm:txFillClrLst meth="repeat">
-      <a:schemeClr val="dk1"/>
-    </dgm:txFillClrLst>
-    <dgm:txEffectClrLst/>
-  </dgm:styleLbl>
-  <dgm:styleLbl name="fgAcc4">
-    <dgm:fillClrLst meth="repeat">
-      <a:schemeClr val="lt1">
-        <a:alpha val="90000"/>
-      </a:schemeClr>
-    </dgm:fillClrLst>
-    <dgm:linClrLst meth="repeat">
-      <a:schemeClr val="accent1">
-        <a:tint val="70000"/>
-      </a:schemeClr>
-    </dgm:linClrLst>
-    <dgm:effectClrLst/>
-    <dgm:txLinClrLst/>
-    <dgm:txFillClrLst meth="repeat">
-      <a:schemeClr val="dk1"/>
-    </dgm:txFillClrLst>
-    <dgm:txEffectClrLst/>
-  </dgm:styleLbl>
   <dgm:styleLbl name="bgShp">
     <dgm:fillClrLst meth="repeat">
-      <a:schemeClr val="accent1">
+      <a:schemeClr val="accent5">
         <a:tint val="40000"/>
       </a:schemeClr>
     </dgm:fillClrLst>
@@ -6462,7 +6369,7 @@
   </dgm:styleLbl>
   <dgm:styleLbl name="dkBgShp">
     <dgm:fillClrLst meth="repeat">
-      <a:schemeClr val="accent1">
+      <a:schemeClr val="accent5">
         <a:shade val="90000"/>
       </a:schemeClr>
     </dgm:fillClrLst>
@@ -6478,13 +6385,13 @@
   </dgm:styleLbl>
   <dgm:styleLbl name="trBgShp">
     <dgm:fillClrLst meth="repeat">
-      <a:schemeClr val="accent1">
+      <a:schemeClr val="accent5">
         <a:tint val="50000"/>
         <a:alpha val="40000"/>
       </a:schemeClr>
     </dgm:fillClrLst>
     <dgm:linClrLst meth="repeat">
-      <a:schemeClr val="accent1"/>
+      <a:schemeClr val="accent5"/>
     </dgm:linClrLst>
     <dgm:effectClrLst/>
     <dgm:txLinClrLst/>
@@ -6495,7 +6402,7 @@
   </dgm:styleLbl>
   <dgm:styleLbl name="fgShp">
     <dgm:fillClrLst meth="repeat">
-      <a:schemeClr val="accent1">
+      <a:schemeClr val="accent5">
         <a:tint val="40000"/>
       </a:schemeClr>
     </dgm:fillClrLst>
@@ -10907,22 +10814,7 @@
                 <a:srgbClr val="800080"/>
               </a:solidFill>
             </a:rPr>
-            <a:t>Clínica JA-02 Implementación del paradigma de objetos en JAVA  </a:t>
-          </a:r>
-          <a:br>
-            <a:rPr lang="es-ES" sz="1800" kern="1200" dirty="0">
-              <a:solidFill>
-                <a:srgbClr val="800080"/>
-              </a:solidFill>
-            </a:rPr>
-          </a:br>
-          <a:r>
-            <a:rPr lang="es-ES" sz="1800" kern="1200" dirty="0">
-              <a:solidFill>
-                <a:srgbClr val="800080"/>
-              </a:solidFill>
-            </a:rPr>
-            <a:t>   Nivel 2</a:t>
+            <a:t>Clínica JA-02 Implementación del paradigma de objetos en JAVA Nivel 2</a:t>
           </a:r>
           <a:endParaRPr lang="es-ES" sz="1800" kern="1200" dirty="0">
             <a:solidFill>
@@ -11218,7 +11110,7 @@
     <dgm:cxn modelId="{C6C78948-53D4-47B2-8F3D-D78D438E8751}" srcId="{6B637486-6A60-4B60-917A-6BCCEB862702}" destId="{0A7E6464-B7AB-4535-8E30-359D766FF601}" srcOrd="1" destOrd="0" parTransId="{3028F3A7-AF12-47BB-8210-9AE8E7C09568}" sibTransId="{58879FE2-C7EA-4809-82C1-24432E22AB52}"/>
     <dgm:cxn modelId="{292EDB73-89A5-4887-9283-73F1C64250BE}" type="presOf" srcId="{63739A10-56EF-41D1-AA0E-DDC58EB37E01}" destId="{51B8FA60-C21F-4FED-B207-BF7ABD7B0D70}" srcOrd="0" destOrd="0" presId="urn:microsoft.com/office/officeart/2005/8/layout/chevron2"/>
     <dgm:cxn modelId="{9BEB1079-A0B0-48C9-85ED-A35557668174}" type="presOf" srcId="{551A8092-7EAF-481D-AD00-0B09C711501C}" destId="{817DB3CD-EA5A-4BA6-9BA5-E4105782A7BA}" srcOrd="0" destOrd="0" presId="urn:microsoft.com/office/officeart/2005/8/layout/chevron2"/>
-    <dgm:cxn modelId="{E980DA79-B751-46DD-953E-54C9C3E88FFC}" srcId="{0A7E6464-B7AB-4535-8E30-359D766FF601}" destId="{1A63CEB3-2F87-47C0-BEAC-6460BBBC2B11}" srcOrd="1" destOrd="0" parTransId="{48EA9F2D-24C3-4663-9015-3D4B76B18A2C}" sibTransId="{DB3BEF70-B1F0-4DC7-8472-5450AD185DF1}"/>
+    <dgm:cxn modelId="{E980DA79-B751-46DD-953E-54C9C3E88FFC}" srcId="{2B0AAC06-01E5-4C8D-8DD7-F94A18834B43}" destId="{1A63CEB3-2F87-47C0-BEAC-6460BBBC2B11}" srcOrd="0" destOrd="0" parTransId="{48EA9F2D-24C3-4663-9015-3D4B76B18A2C}" sibTransId="{DB3BEF70-B1F0-4DC7-8472-5450AD185DF1}"/>
     <dgm:cxn modelId="{1D0FE496-6510-4455-BB28-5B15852DA6F7}" srcId="{6B637486-6A60-4B60-917A-6BCCEB862702}" destId="{BF5FD847-C975-446E-86AE-26F76B512AF4}" srcOrd="2" destOrd="0" parTransId="{3A5513CD-7E38-40BC-B105-FA9DBDF4E347}" sibTransId="{DEBB9789-2CD8-4FEB-91E5-A5F647BB7C97}"/>
     <dgm:cxn modelId="{0579DFA8-E87A-4517-802F-16AB4CE36379}" srcId="{81042D87-44DB-41D5-874F-432CB6A9CB40}" destId="{40FAC27E-4947-4CB1-AD9B-076EC3A92826}" srcOrd="0" destOrd="0" parTransId="{CB4185DB-8685-4FFF-A21E-CE0925CC8B85}" sibTransId="{E7425D87-24DE-4007-844A-5AB9A6BCCA75}"/>
     <dgm:cxn modelId="{A1C729CD-CB34-4C10-9138-CA666D3C9ACC}" type="presOf" srcId="{0A7E6464-B7AB-4535-8E30-359D766FF601}" destId="{A9B15383-9A36-4085-A095-524CD0698BA7}" srcOrd="0" destOrd="0" presId="urn:microsoft.com/office/officeart/2005/8/layout/chevron2"/>
@@ -11525,7 +11417,7 @@
                 <a:srgbClr val="800080"/>
               </a:solidFill>
             </a:rPr>
-            <a:t>Clínica JA-03 Interfaces Visuales con JAVA Swing</a:t>
+            <a:t>Clínica JA-01 Implementación del paradigma de objetos en JAVA Nivel 1</a:t>
           </a:r>
           <a:endParaRPr lang="es-AR" sz="1800" kern="1200" dirty="0">
             <a:solidFill>
@@ -12366,7 +12258,22 @@
                 <a:srgbClr val="800080"/>
               </a:solidFill>
             </a:rPr>
-            <a:t>Clínica JA-02 Implementación del paradigma de objetos en JAVA Nivel 2</a:t>
+            <a:t>Clínica JA-02 Implementación del paradigma de objetos en </a:t>
+          </a:r>
+          <a:br>
+            <a:rPr lang="es-ES" sz="1800" kern="1200" dirty="0">
+              <a:solidFill>
+                <a:srgbClr val="800080"/>
+              </a:solidFill>
+            </a:rPr>
+          </a:br>
+          <a:r>
+            <a:rPr lang="es-ES" sz="1800" kern="1200" dirty="0">
+              <a:solidFill>
+                <a:srgbClr val="800080"/>
+              </a:solidFill>
+            </a:rPr>
+            <a:t>JAVA Nivel 2</a:t>
           </a:r>
           <a:endParaRPr lang="es-ES" sz="1800" kern="1200" dirty="0">
             <a:solidFill>
@@ -12496,49 +12403,6 @@
         </a:p>
       </dgm:t>
     </dgm:pt>
-    <dgm:pt modelId="{1A63CEB3-2F87-47C0-BEAC-6460BBBC2B11}">
-      <dgm:prSet custT="1"/>
-      <dgm:spPr/>
-      <dgm:t>
-        <a:bodyPr/>
-        <a:lstStyle/>
-        <a:p>
-          <a:r>
-            <a:rPr lang="es-ES" sz="1800" kern="1200" dirty="0">
-              <a:solidFill>
-                <a:srgbClr val="800080"/>
-              </a:solidFill>
-              <a:latin typeface="Calibri" panose="020F0502020204030204"/>
-              <a:ea typeface="+mn-ea"/>
-              <a:cs typeface="+mn-cs"/>
-            </a:rPr>
-            <a:t>Clínica MO-02 Diagrama de Clases y su mapeo a Diagrama de Entidad Relación</a:t>
-          </a:r>
-        </a:p>
-      </dgm:t>
-    </dgm:pt>
-    <dgm:pt modelId="{48EA9F2D-24C3-4663-9015-3D4B76B18A2C}" type="parTrans" cxnId="{E980DA79-B751-46DD-953E-54C9C3E88FFC}">
-      <dgm:prSet/>
-      <dgm:spPr/>
-      <dgm:t>
-        <a:bodyPr/>
-        <a:lstStyle/>
-        <a:p>
-          <a:endParaRPr lang="es-AR"/>
-        </a:p>
-      </dgm:t>
-    </dgm:pt>
-    <dgm:pt modelId="{DB3BEF70-B1F0-4DC7-8472-5450AD185DF1}" type="sibTrans" cxnId="{E980DA79-B751-46DD-953E-54C9C3E88FFC}">
-      <dgm:prSet/>
-      <dgm:spPr/>
-      <dgm:t>
-        <a:bodyPr/>
-        <a:lstStyle/>
-        <a:p>
-          <a:endParaRPr lang="es-AR"/>
-        </a:p>
-      </dgm:t>
-    </dgm:pt>
     <dgm:pt modelId="{3E494050-6C63-4B24-A1A5-7F10C34AB399}">
       <dgm:prSet custT="1"/>
       <dgm:spPr/>
@@ -12589,7 +12453,7 @@
         <a:lstStyle/>
         <a:p>
           <a:r>
-            <a:rPr lang="es-ES" sz="1800" dirty="0">
+            <a:rPr lang="es-ES" sz="1800" kern="1200" dirty="0">
               <a:solidFill>
                 <a:schemeClr val="tx1"/>
               </a:solidFill>
@@ -12612,52 +12476,6 @@
       </dgm:t>
     </dgm:pt>
     <dgm:pt modelId="{1D942958-5F5B-4098-AF20-4FB5E4DE32AA}" type="sibTrans" cxnId="{23A4BF43-F4CA-4977-A7B7-589B8D2D16CD}">
-      <dgm:prSet/>
-      <dgm:spPr/>
-      <dgm:t>
-        <a:bodyPr/>
-        <a:lstStyle/>
-        <a:p>
-          <a:endParaRPr lang="es-AR"/>
-        </a:p>
-      </dgm:t>
-    </dgm:pt>
-    <dgm:pt modelId="{E8500331-CBFB-4EBF-8B0D-84780E74E5B3}">
-      <dgm:prSet custT="1"/>
-      <dgm:spPr/>
-      <dgm:t>
-        <a:bodyPr/>
-        <a:lstStyle/>
-        <a:p>
-          <a:r>
-            <a:rPr lang="es-ES" sz="1800" dirty="0">
-              <a:solidFill>
-                <a:srgbClr val="800080"/>
-              </a:solidFill>
-            </a:rPr>
-            <a:t>Clínica MO-05 Diagrama de Clases y Diagrama de Secuencia</a:t>
-          </a:r>
-          <a:endParaRPr lang="es-ES" sz="1800" dirty="0">
-            <a:solidFill>
-              <a:srgbClr val="800080"/>
-            </a:solidFill>
-            <a:latin typeface="+mn-lt"/>
-          </a:endParaRPr>
-        </a:p>
-      </dgm:t>
-    </dgm:pt>
-    <dgm:pt modelId="{9D3B64FC-7A53-40E8-8018-3A61A7FE5D0D}" type="parTrans" cxnId="{06603080-1911-40E9-9021-9CACA60BBE10}">
-      <dgm:prSet/>
-      <dgm:spPr/>
-      <dgm:t>
-        <a:bodyPr/>
-        <a:lstStyle/>
-        <a:p>
-          <a:endParaRPr lang="es-AR"/>
-        </a:p>
-      </dgm:t>
-    </dgm:pt>
-    <dgm:pt modelId="{10938B62-79D1-47CC-9767-80796BF23817}" type="sibTrans" cxnId="{06603080-1911-40E9-9021-9CACA60BBE10}">
       <dgm:prSet/>
       <dgm:spPr/>
       <dgm:t>
@@ -12757,7 +12575,7 @@
         <a:lstStyle/>
         <a:p>
           <a:r>
-            <a:rPr lang="es-ES" sz="1800" dirty="0">
+            <a:rPr lang="es-ES" sz="1800" kern="1200" dirty="0">
               <a:solidFill>
                 <a:schemeClr val="tx1"/>
               </a:solidFill>
@@ -12765,7 +12583,7 @@
             </a:rPr>
             <a:t>30 de Julio de 10 a 13 horas</a:t>
           </a:r>
-          <a:endParaRPr lang="es-ES" sz="1800" dirty="0">
+          <a:endParaRPr lang="es-ES" sz="1800" kern="1200" dirty="0">
             <a:solidFill>
               <a:srgbClr val="800080"/>
             </a:solidFill>
@@ -12804,14 +12622,46 @@
         <a:lstStyle/>
         <a:p>
           <a:r>
-            <a:rPr lang="es-ES" sz="1800" dirty="0">
+            <a:rPr lang="es-ES" sz="1800" kern="1200" dirty="0">
               <a:solidFill>
                 <a:srgbClr val="800080"/>
               </a:solidFill>
             </a:rPr>
-            <a:t>Clínica JA-03 Interfaces Visuales con JAVA Swing</a:t>
+            <a:t>Clínica BD-01 </a:t>
           </a:r>
-          <a:endParaRPr lang="es-AR" sz="1800" dirty="0">
+          <a:r>
+            <a:rPr lang="es-ES" sz="1800" kern="1200" dirty="0" err="1">
+              <a:solidFill>
+                <a:srgbClr val="800080"/>
+              </a:solidFill>
+            </a:rPr>
+            <a:t>MySQL</a:t>
+          </a:r>
+          <a:r>
+            <a:rPr lang="es-ES" sz="1800" kern="1200" dirty="0">
+              <a:solidFill>
+                <a:srgbClr val="800080"/>
+              </a:solidFill>
+            </a:rPr>
+            <a:t> </a:t>
+          </a:r>
+          <a:r>
+            <a:rPr lang="es-ES" sz="1800" kern="1200" dirty="0" err="1">
+              <a:solidFill>
+                <a:srgbClr val="800080"/>
+              </a:solidFill>
+            </a:rPr>
+            <a:t>Workbench</a:t>
+          </a:r>
+          <a:r>
+            <a:rPr lang="es-ES" sz="1800" kern="1200" dirty="0">
+              <a:solidFill>
+                <a:srgbClr val="800080"/>
+              </a:solidFill>
+            </a:rPr>
+            <a:t> con DER</a:t>
+          </a:r>
+          <a:endParaRPr lang="es-AR" sz="1800" kern="1200" dirty="0">
             <a:solidFill>
               <a:srgbClr val="800080"/>
             </a:solidFill>
@@ -12834,6 +12684,92 @@
       </dgm:t>
     </dgm:pt>
     <dgm:pt modelId="{658C8342-F951-4F3D-806F-2BA40FF427BA}" type="sibTrans" cxnId="{29F95B1F-7BCE-439D-A4CE-5C8AA111EBFF}">
+      <dgm:prSet/>
+      <dgm:spPr/>
+      <dgm:t>
+        <a:bodyPr/>
+        <a:lstStyle/>
+        <a:p>
+          <a:endParaRPr lang="es-AR"/>
+        </a:p>
+      </dgm:t>
+    </dgm:pt>
+    <dgm:pt modelId="{471092CB-B448-4E06-9DB4-8AE9EF3B1968}">
+      <dgm:prSet custT="1"/>
+      <dgm:spPr/>
+      <dgm:t>
+        <a:bodyPr/>
+        <a:lstStyle/>
+        <a:p>
+          <a:r>
+            <a:rPr lang="es-ES" sz="1800" kern="1200" dirty="0">
+              <a:solidFill>
+                <a:srgbClr val="800080"/>
+              </a:solidFill>
+              <a:latin typeface="Calibri" panose="020F0502020204030204"/>
+              <a:ea typeface="+mn-ea"/>
+              <a:cs typeface="+mn-cs"/>
+            </a:rPr>
+            <a:t>Clínica MO-05 Diagrama de Clases y Diagrama de Secuencia</a:t>
+          </a:r>
+        </a:p>
+      </dgm:t>
+    </dgm:pt>
+    <dgm:pt modelId="{73AE1F49-4652-4A72-8C10-63583CC94AC9}" type="parTrans" cxnId="{779411F8-F498-40AD-A4E7-E555CBE29B87}">
+      <dgm:prSet/>
+      <dgm:spPr/>
+      <dgm:t>
+        <a:bodyPr/>
+        <a:lstStyle/>
+        <a:p>
+          <a:endParaRPr lang="es-AR"/>
+        </a:p>
+      </dgm:t>
+    </dgm:pt>
+    <dgm:pt modelId="{AFFEA64D-0117-4C8D-AEEE-37B98D88B23A}" type="sibTrans" cxnId="{779411F8-F498-40AD-A4E7-E555CBE29B87}">
+      <dgm:prSet/>
+      <dgm:spPr/>
+      <dgm:t>
+        <a:bodyPr/>
+        <a:lstStyle/>
+        <a:p>
+          <a:endParaRPr lang="es-AR"/>
+        </a:p>
+      </dgm:t>
+    </dgm:pt>
+    <dgm:pt modelId="{08C6396F-7429-46BE-863D-0F595E4CC21A}">
+      <dgm:prSet phldrT="[Texto]" custT="1"/>
+      <dgm:spPr/>
+      <dgm:t>
+        <a:bodyPr/>
+        <a:lstStyle/>
+        <a:p>
+          <a:r>
+            <a:rPr lang="es-ES" sz="1800" kern="1200" dirty="0">
+              <a:solidFill>
+                <a:srgbClr val="800080"/>
+              </a:solidFill>
+              <a:latin typeface="Calibri" panose="020F0502020204030204"/>
+              <a:ea typeface="+mn-ea"/>
+              <a:cs typeface="+mn-cs"/>
+            </a:rPr>
+            <a:t>Clínica MO-04 Modelado de Clases con Generalización, Realización y Composición</a:t>
+          </a:r>
+        </a:p>
+      </dgm:t>
+    </dgm:pt>
+    <dgm:pt modelId="{8DF68441-0E5F-444E-B4C1-1DC431398FCA}" type="parTrans" cxnId="{EA15E2AC-4DEB-4B72-A4D0-59B7EA286AFC}">
+      <dgm:prSet/>
+      <dgm:spPr/>
+      <dgm:t>
+        <a:bodyPr/>
+        <a:lstStyle/>
+        <a:p>
+          <a:endParaRPr lang="es-AR"/>
+        </a:p>
+      </dgm:t>
+    </dgm:pt>
+    <dgm:pt modelId="{4E691DE2-D80D-4AE1-86EB-CEFDDB8CDA29}" type="sibTrans" cxnId="{EA15E2AC-4DEB-4B72-A4D0-59B7EA286AFC}">
       <dgm:prSet/>
       <dgm:spPr/>
       <dgm:t>
@@ -12893,7 +12829,7 @@
       <dgm:spPr/>
     </dgm:pt>
     <dgm:pt modelId="{C1AEAA9F-ACE1-40A1-8DC3-F7330ECB2233}" type="pres">
-      <dgm:prSet presAssocID="{0A7E6464-B7AB-4535-8E30-359D766FF601}" presName="descendantText" presStyleLbl="alignAcc1" presStyleIdx="1" presStyleCnt="4" custScaleY="227214" custLinFactNeighborY="-4209">
+      <dgm:prSet presAssocID="{0A7E6464-B7AB-4535-8E30-359D766FF601}" presName="descendantText" presStyleLbl="alignAcc1" presStyleIdx="1" presStyleCnt="4" custScaleX="100064" custScaleY="160856" custLinFactNeighborX="1436" custLinFactNeighborY="-4703">
         <dgm:presLayoutVars>
           <dgm:bulletEnabled val="1"/>
         </dgm:presLayoutVars>
@@ -12918,7 +12854,7 @@
       <dgm:spPr/>
     </dgm:pt>
     <dgm:pt modelId="{817DB3CD-EA5A-4BA6-9BA5-E4105782A7BA}" type="pres">
-      <dgm:prSet presAssocID="{BF5FD847-C975-446E-86AE-26F76B512AF4}" presName="descendantText" presStyleLbl="alignAcc1" presStyleIdx="2" presStyleCnt="4" custScaleY="165448" custLinFactNeighborY="14876">
+      <dgm:prSet presAssocID="{BF5FD847-C975-446E-86AE-26F76B512AF4}" presName="descendantText" presStyleLbl="alignAcc1" presStyleIdx="2" presStyleCnt="4" custScaleY="121992" custLinFactNeighborY="14876">
         <dgm:presLayoutVars>
           <dgm:bulletEnabled val="1"/>
         </dgm:presLayoutVars>
@@ -12943,7 +12879,7 @@
       <dgm:spPr/>
     </dgm:pt>
     <dgm:pt modelId="{FF91D5B6-B368-4BB5-9390-CF6377E6C789}" type="pres">
-      <dgm:prSet presAssocID="{A5ABD4BF-220F-4CE1-81BB-525FD6976B7E}" presName="descendantText" presStyleLbl="alignAcc1" presStyleIdx="3" presStyleCnt="4" custScaleY="161406" custLinFactNeighborY="20950">
+      <dgm:prSet presAssocID="{A5ABD4BF-220F-4CE1-81BB-525FD6976B7E}" presName="descendantText" presStyleLbl="alignAcc1" presStyleIdx="3" presStyleCnt="4" custScaleX="99281" custScaleY="161406" custLinFactNeighborY="20950">
         <dgm:presLayoutVars>
           <dgm:bulletEnabled val="1"/>
         </dgm:presLayoutVars>
@@ -12960,9 +12896,9 @@
     <dgm:cxn modelId="{C9E97415-84BE-4C39-99C6-62300A8510D7}" type="presOf" srcId="{15650750-D465-4450-B304-DD2B8EF7DDE0}" destId="{C1AEAA9F-ACE1-40A1-8DC3-F7330ECB2233}" srcOrd="0" destOrd="3" presId="urn:microsoft.com/office/officeart/2005/8/layout/chevron2"/>
     <dgm:cxn modelId="{BA8F5417-27E0-4627-A0FD-9BF0DD0970F1}" type="presOf" srcId="{648A64C3-A420-40FC-9719-44936D3B870E}" destId="{C1AEAA9F-ACE1-40A1-8DC3-F7330ECB2233}" srcOrd="0" destOrd="2" presId="urn:microsoft.com/office/officeart/2005/8/layout/chevron2"/>
     <dgm:cxn modelId="{29F95B1F-7BCE-439D-A4CE-5C8AA111EBFF}" srcId="{A5ABD4BF-220F-4CE1-81BB-525FD6976B7E}" destId="{EB405AFD-9EA7-420C-A860-7C43DE1FA3B4}" srcOrd="3" destOrd="0" parTransId="{3D3C6BCE-8574-4424-AC22-33C4BCB3EA41}" sibTransId="{658C8342-F951-4F3D-806F-2BA40FF427BA}"/>
+    <dgm:cxn modelId="{0EE4B62B-42C3-4F96-A1D8-C3C629E66C2B}" type="presOf" srcId="{08C6396F-7429-46BE-863D-0F595E4CC21A}" destId="{FF91D5B6-B368-4BB5-9390-CF6377E6C789}" srcOrd="0" destOrd="1" presId="urn:microsoft.com/office/officeart/2005/8/layout/chevron2"/>
     <dgm:cxn modelId="{9955FA32-D1C3-4C76-8E2A-4E229CC6DF39}" type="presOf" srcId="{2B0AAC06-01E5-4C8D-8DD7-F94A18834B43}" destId="{C1AEAA9F-ACE1-40A1-8DC3-F7330ECB2233}" srcOrd="0" destOrd="0" presId="urn:microsoft.com/office/officeart/2005/8/layout/chevron2"/>
     <dgm:cxn modelId="{66DBAB34-B48E-44D8-8987-6EACA6678A00}" srcId="{0A7E6464-B7AB-4535-8E30-359D766FF601}" destId="{15650750-D465-4450-B304-DD2B8EF7DDE0}" srcOrd="3" destOrd="0" parTransId="{D477E3B8-80B3-4F19-A9BC-10351DEAB11B}" sibTransId="{89E58282-69CB-4A27-B988-F3B729F81DDC}"/>
-    <dgm:cxn modelId="{8A43A838-A99B-4428-9124-C8EDFB5CD6B0}" type="presOf" srcId="{1A63CEB3-2F87-47C0-BEAC-6460BBBC2B11}" destId="{C1AEAA9F-ACE1-40A1-8DC3-F7330ECB2233}" srcOrd="0" destOrd="1" presId="urn:microsoft.com/office/officeart/2005/8/layout/chevron2"/>
     <dgm:cxn modelId="{4C886860-ACCC-45E4-8465-D33FE5222F50}" srcId="{6B637486-6A60-4B60-917A-6BCCEB862702}" destId="{63739A10-56EF-41D1-AA0E-DDC58EB37E01}" srcOrd="0" destOrd="0" parTransId="{02FD7113-C670-4813-96C1-DF855B257F0B}" sibTransId="{80187421-673A-46BE-BBDD-696A8152BD71}"/>
     <dgm:cxn modelId="{CFDE5B43-3A25-42BA-922E-EBD81F41DFC3}" srcId="{0A7E6464-B7AB-4535-8E30-359D766FF601}" destId="{2B0AAC06-01E5-4C8D-8DD7-F94A18834B43}" srcOrd="0" destOrd="0" parTransId="{75B8A71B-BA89-4C70-AA23-71166CC2836C}" sibTransId="{53B8C30E-7E63-4B34-86DF-F95B2CDA0C10}"/>
     <dgm:cxn modelId="{23A4BF43-F4CA-4977-A7B7-589B8D2D16CD}" srcId="{A5ABD4BF-220F-4CE1-81BB-525FD6976B7E}" destId="{FD76488D-C2F8-4AF8-B3A1-1A4167E52A9C}" srcOrd="0" destOrd="0" parTransId="{66FE63E1-4792-4B5F-A45C-A8ACC7D58CE2}" sibTransId="{1D942958-5F5B-4098-AF20-4FB5E4DE32AA}"/>
@@ -12973,18 +12909,18 @@
     <dgm:cxn modelId="{0B73756A-E5DC-4D93-AE60-659CE3D1A995}" type="presOf" srcId="{FD76488D-C2F8-4AF8-B3A1-1A4167E52A9C}" destId="{FF91D5B6-B368-4BB5-9390-CF6377E6C789}" srcOrd="0" destOrd="0" presId="urn:microsoft.com/office/officeart/2005/8/layout/chevron2"/>
     <dgm:cxn modelId="{292EDB73-89A5-4887-9283-73F1C64250BE}" type="presOf" srcId="{63739A10-56EF-41D1-AA0E-DDC58EB37E01}" destId="{51B8FA60-C21F-4FED-B207-BF7ABD7B0D70}" srcOrd="0" destOrd="0" presId="urn:microsoft.com/office/officeart/2005/8/layout/chevron2"/>
     <dgm:cxn modelId="{52771658-B313-4E35-9677-1B8C94C7EDDB}" type="presOf" srcId="{8E7CA453-4F7E-4D24-ABB7-31FDF1817E61}" destId="{FF91D5B6-B368-4BB5-9390-CF6377E6C789}" srcOrd="0" destOrd="2" presId="urn:microsoft.com/office/officeart/2005/8/layout/chevron2"/>
-    <dgm:cxn modelId="{E980DA79-B751-46DD-953E-54C9C3E88FFC}" srcId="{0A7E6464-B7AB-4535-8E30-359D766FF601}" destId="{1A63CEB3-2F87-47C0-BEAC-6460BBBC2B11}" srcOrd="1" destOrd="0" parTransId="{48EA9F2D-24C3-4663-9015-3D4B76B18A2C}" sibTransId="{DB3BEF70-B1F0-4DC7-8472-5450AD185DF1}"/>
-    <dgm:cxn modelId="{06603080-1911-40E9-9021-9CACA60BBE10}" srcId="{A5ABD4BF-220F-4CE1-81BB-525FD6976B7E}" destId="{E8500331-CBFB-4EBF-8B0D-84780E74E5B3}" srcOrd="1" destOrd="0" parTransId="{9D3B64FC-7A53-40E8-8018-3A61A7FE5D0D}" sibTransId="{10938B62-79D1-47CC-9767-80796BF23817}"/>
     <dgm:cxn modelId="{1D0FE496-6510-4455-BB28-5B15852DA6F7}" srcId="{6B637486-6A60-4B60-917A-6BCCEB862702}" destId="{BF5FD847-C975-446E-86AE-26F76B512AF4}" srcOrd="2" destOrd="0" parTransId="{3A5513CD-7E38-40BC-B105-FA9DBDF4E347}" sibTransId="{DEBB9789-2CD8-4FEB-91E5-A5F647BB7C97}"/>
-    <dgm:cxn modelId="{2AC8A99E-B534-4FF7-AA2A-6197962DA145}" type="presOf" srcId="{E8500331-CBFB-4EBF-8B0D-84780E74E5B3}" destId="{FF91D5B6-B368-4BB5-9390-CF6377E6C789}" srcOrd="0" destOrd="1" presId="urn:microsoft.com/office/officeart/2005/8/layout/chevron2"/>
     <dgm:cxn modelId="{4029C99E-FC25-4B70-933B-2DDB510BD4E1}" type="presOf" srcId="{3E494050-6C63-4B24-A1A5-7F10C34AB399}" destId="{817DB3CD-EA5A-4BA6-9BA5-E4105782A7BA}" srcOrd="0" destOrd="0" presId="urn:microsoft.com/office/officeart/2005/8/layout/chevron2"/>
+    <dgm:cxn modelId="{EA15E2AC-4DEB-4B72-A4D0-59B7EA286AFC}" srcId="{A5ABD4BF-220F-4CE1-81BB-525FD6976B7E}" destId="{08C6396F-7429-46BE-863D-0F595E4CC21A}" srcOrd="1" destOrd="0" parTransId="{8DF68441-0E5F-444E-B4C1-1DC431398FCA}" sibTransId="{4E691DE2-D80D-4AE1-86EB-CEFDDB8CDA29}"/>
     <dgm:cxn modelId="{086C8BB0-13C2-4824-8455-DB4CA1E02785}" srcId="{A5ABD4BF-220F-4CE1-81BB-525FD6976B7E}" destId="{8E7CA453-4F7E-4D24-ABB7-31FDF1817E61}" srcOrd="2" destOrd="0" parTransId="{4522FA02-11B7-4B99-B398-EE189510E000}" sibTransId="{71FF3782-1046-4EAD-81FE-D5D027B1BA4C}"/>
+    <dgm:cxn modelId="{573CB7C7-4510-4343-A0C1-48E20BF6C76B}" type="presOf" srcId="{471092CB-B448-4E06-9DB4-8AE9EF3B1968}" destId="{C1AEAA9F-ACE1-40A1-8DC3-F7330ECB2233}" srcOrd="0" destOrd="1" presId="urn:microsoft.com/office/officeart/2005/8/layout/chevron2"/>
     <dgm:cxn modelId="{3F9A63CA-3C16-4E43-ADA7-E7267ABB1F27}" srcId="{0A7E6464-B7AB-4535-8E30-359D766FF601}" destId="{648A64C3-A420-40FC-9719-44936D3B870E}" srcOrd="2" destOrd="0" parTransId="{6A730D53-1557-4CA9-A704-1F1EAA397855}" sibTransId="{1BD8674D-EE3F-4FED-A950-1EA1AEBD87D1}"/>
     <dgm:cxn modelId="{E13868CC-BED6-4BF5-A54E-045BFD2A1B2D}" type="presOf" srcId="{7674FA94-8C9D-4E9F-BA77-5ACF08064200}" destId="{817DB3CD-EA5A-4BA6-9BA5-E4105782A7BA}" srcOrd="0" destOrd="1" presId="urn:microsoft.com/office/officeart/2005/8/layout/chevron2"/>
     <dgm:cxn modelId="{A1C729CD-CB34-4C10-9138-CA666D3C9ACC}" type="presOf" srcId="{0A7E6464-B7AB-4535-8E30-359D766FF601}" destId="{A9B15383-9A36-4085-A095-524CD0698BA7}" srcOrd="0" destOrd="0" presId="urn:microsoft.com/office/officeart/2005/8/layout/chevron2"/>
     <dgm:cxn modelId="{FC1648CE-C134-4174-BDCC-E19C5849FE85}" type="presOf" srcId="{6DE01EEB-F2D1-4BCA-AE4A-F8AD8A15D080}" destId="{0938595A-BF2F-4244-9125-F411A68F82D2}" srcOrd="0" destOrd="1" presId="urn:microsoft.com/office/officeart/2005/8/layout/chevron2"/>
     <dgm:cxn modelId="{1B8795F1-B1C5-4E84-A2F5-4561D5AD9C04}" srcId="{6B637486-6A60-4B60-917A-6BCCEB862702}" destId="{A5ABD4BF-220F-4CE1-81BB-525FD6976B7E}" srcOrd="3" destOrd="0" parTransId="{E640AF8C-FA7D-4F17-AF09-1C191D56B455}" sibTransId="{68178C32-CA6A-43B4-BCFB-FD7A371A53EB}"/>
     <dgm:cxn modelId="{24AF2AF7-816D-41EA-8061-D8AA79E41A02}" type="presOf" srcId="{EB405AFD-9EA7-420C-A860-7C43DE1FA3B4}" destId="{FF91D5B6-B368-4BB5-9390-CF6377E6C789}" srcOrd="0" destOrd="3" presId="urn:microsoft.com/office/officeart/2005/8/layout/chevron2"/>
+    <dgm:cxn modelId="{779411F8-F498-40AD-A4E7-E555CBE29B87}" srcId="{0A7E6464-B7AB-4535-8E30-359D766FF601}" destId="{471092CB-B448-4E06-9DB4-8AE9EF3B1968}" srcOrd="1" destOrd="0" parTransId="{73AE1F49-4652-4A72-8C10-63583CC94AC9}" sibTransId="{AFFEA64D-0117-4C8D-AEEE-37B98D88B23A}"/>
     <dgm:cxn modelId="{4DCF3DCD-94CE-4710-BF31-DF1305C586B0}" type="presParOf" srcId="{A634132D-0529-4A8D-8A7F-2495ADDB397E}" destId="{3FEABA9D-7BE1-4C8C-8C23-AB35C4FF5584}" srcOrd="0" destOrd="0" presId="urn:microsoft.com/office/officeart/2005/8/layout/chevron2"/>
     <dgm:cxn modelId="{CEFFC120-F894-4FB2-B6A7-3E531DA7012C}" type="presParOf" srcId="{3FEABA9D-7BE1-4C8C-8C23-AB35C4FF5584}" destId="{51B8FA60-C21F-4FED-B207-BF7ABD7B0D70}" srcOrd="0" destOrd="0" presId="urn:microsoft.com/office/officeart/2005/8/layout/chevron2"/>
     <dgm:cxn modelId="{49F42647-A048-4E11-AA64-A03344C1A5A0}" type="presParOf" srcId="{3FEABA9D-7BE1-4C8C-8C23-AB35C4FF5584}" destId="{0938595A-BF2F-4244-9125-F411A68F82D2}" srcOrd="1" destOrd="0" presId="urn:microsoft.com/office/officeart/2005/8/layout/chevron2"/>
@@ -13015,7 +12951,7 @@
 <dgm:dataModel xmlns:dgm="http://schemas.openxmlformats.org/drawingml/2006/diagram" xmlns:a="http://schemas.openxmlformats.org/drawingml/2006/main">
   <dgm:ptLst>
     <dgm:pt modelId="{3873061D-6DEC-483A-9624-F7B795CAD3A8}" type="doc">
-      <dgm:prSet loTypeId="urn:microsoft.com/office/officeart/2005/8/layout/hierarchy2" loCatId="hierarchy" qsTypeId="urn:microsoft.com/office/officeart/2005/8/quickstyle/simple1" qsCatId="simple" csTypeId="urn:microsoft.com/office/officeart/2005/8/colors/accent1_3" csCatId="accent1" phldr="1"/>
+      <dgm:prSet loTypeId="urn:microsoft.com/office/officeart/2005/8/layout/hierarchy2" loCatId="hierarchy" qsTypeId="urn:microsoft.com/office/officeart/2005/8/quickstyle/simple1" qsCatId="simple" csTypeId="urn:microsoft.com/office/officeart/2005/8/colors/colorful5" csCatId="colorful" phldr="1"/>
       <dgm:spPr/>
       <dgm:t>
         <a:bodyPr/>
@@ -13086,13 +13022,18 @@
         <a:lstStyle/>
         <a:p>
           <a:r>
-            <a:rPr lang="es-AR" sz="1200" b="1" dirty="0">
+            <a:rPr lang="es-AR" sz="1200" b="1">
               <a:solidFill>
                 <a:schemeClr val="tx1"/>
               </a:solidFill>
             </a:rPr>
             <a:t>BD-02 Hibernate</a:t>
           </a:r>
+          <a:endParaRPr lang="es-AR" sz="1200" b="1" dirty="0">
+            <a:solidFill>
+              <a:schemeClr val="tx1"/>
+            </a:solidFill>
+          </a:endParaRPr>
         </a:p>
       </dgm:t>
     </dgm:pt>
@@ -13112,59 +13053,6 @@
       </dgm:t>
     </dgm:pt>
     <dgm:pt modelId="{8D20633E-4177-442D-AE96-D07FF8AF9C53}" type="sibTrans" cxnId="{169B139B-B209-47BA-B29D-EF229A50A3FC}">
-      <dgm:prSet/>
-      <dgm:spPr/>
-      <dgm:t>
-        <a:bodyPr/>
-        <a:lstStyle/>
-        <a:p>
-          <a:endParaRPr lang="es-AR" sz="3600" b="1">
-            <a:solidFill>
-              <a:schemeClr val="tx1"/>
-            </a:solidFill>
-          </a:endParaRPr>
-        </a:p>
-      </dgm:t>
-    </dgm:pt>
-    <dgm:pt modelId="{6A5CBD22-4C12-4AD7-93CF-F51A3FAE426E}">
-      <dgm:prSet phldrT="[Texto]" custT="1"/>
-      <dgm:spPr/>
-      <dgm:t>
-        <a:bodyPr/>
-        <a:lstStyle/>
-        <a:p>
-          <a:r>
-            <a:rPr lang="es-US" sz="1200" b="1" dirty="0">
-              <a:solidFill>
-                <a:schemeClr val="tx1"/>
-              </a:solidFill>
-            </a:rPr>
-            <a:t>DI-01 Didáctica en la Enseñanza de Objetos </a:t>
-          </a:r>
-          <a:endParaRPr lang="es-AR" sz="1200" b="1" dirty="0">
-            <a:solidFill>
-              <a:schemeClr val="tx1"/>
-            </a:solidFill>
-          </a:endParaRPr>
-        </a:p>
-      </dgm:t>
-    </dgm:pt>
-    <dgm:pt modelId="{37E28136-4E85-4708-8729-929B43DA8451}" type="parTrans" cxnId="{A2F3117B-8889-424B-8B08-5ED9E7478E0F}">
-      <dgm:prSet custT="1"/>
-      <dgm:spPr/>
-      <dgm:t>
-        <a:bodyPr/>
-        <a:lstStyle/>
-        <a:p>
-          <a:endParaRPr lang="es-AR" sz="1000" b="1">
-            <a:solidFill>
-              <a:schemeClr val="tx1"/>
-            </a:solidFill>
-          </a:endParaRPr>
-        </a:p>
-      </dgm:t>
-    </dgm:pt>
-    <dgm:pt modelId="{BEC757B5-D6B3-4859-8241-D21ADD6E4683}" type="sibTrans" cxnId="{A2F3117B-8889-424B-8B08-5ED9E7478E0F}">
       <dgm:prSet/>
       <dgm:spPr/>
       <dgm:t>
@@ -13460,74 +13348,6 @@
         </a:p>
       </dgm:t>
     </dgm:pt>
-    <dgm:pt modelId="{83C3E2DD-273B-4159-A124-52F41F65373D}">
-      <dgm:prSet phldrT="[Texto]" custT="1"/>
-      <dgm:spPr/>
-      <dgm:t>
-        <a:bodyPr/>
-        <a:lstStyle/>
-        <a:p>
-          <a:r>
-            <a:rPr lang="es-ES" sz="1200" b="1" dirty="0">
-              <a:solidFill>
-                <a:schemeClr val="tx1"/>
-              </a:solidFill>
-            </a:rPr>
-            <a:t>MO-03Diagrama de Clases y </a:t>
-          </a:r>
-          <a:br>
-            <a:rPr lang="es-ES" sz="1200" b="1" dirty="0">
-              <a:solidFill>
-                <a:schemeClr val="tx1"/>
-              </a:solidFill>
-            </a:rPr>
-          </a:br>
-          <a:r>
-            <a:rPr lang="es-ES" sz="1200" b="1" dirty="0">
-              <a:solidFill>
-                <a:schemeClr val="tx1"/>
-              </a:solidFill>
-            </a:rPr>
-            <a:t>Diagrama de Máquina de Estados</a:t>
-          </a:r>
-          <a:endParaRPr lang="es-AR" sz="1200" b="1" dirty="0">
-            <a:solidFill>
-              <a:schemeClr val="tx1"/>
-            </a:solidFill>
-          </a:endParaRPr>
-        </a:p>
-      </dgm:t>
-    </dgm:pt>
-    <dgm:pt modelId="{5ADA8698-B657-42AD-9F6C-E6C76814F8EA}" type="parTrans" cxnId="{3BA1FD64-E2B5-4C89-A7C8-6B02694D5D47}">
-      <dgm:prSet custT="1"/>
-      <dgm:spPr/>
-      <dgm:t>
-        <a:bodyPr/>
-        <a:lstStyle/>
-        <a:p>
-          <a:endParaRPr lang="es-AR" sz="1000" b="1">
-            <a:solidFill>
-              <a:schemeClr val="tx1"/>
-            </a:solidFill>
-          </a:endParaRPr>
-        </a:p>
-      </dgm:t>
-    </dgm:pt>
-    <dgm:pt modelId="{6A822E67-B212-478D-984D-A89279B7847A}" type="sibTrans" cxnId="{3BA1FD64-E2B5-4C89-A7C8-6B02694D5D47}">
-      <dgm:prSet/>
-      <dgm:spPr/>
-      <dgm:t>
-        <a:bodyPr/>
-        <a:lstStyle/>
-        <a:p>
-          <a:endParaRPr lang="es-AR" sz="3600" b="1">
-            <a:solidFill>
-              <a:schemeClr val="tx1"/>
-            </a:solidFill>
-          </a:endParaRPr>
-        </a:p>
-      </dgm:t>
-    </dgm:pt>
     <dgm:pt modelId="{598C30CA-82A4-488F-900B-5C58B3DCE83D}">
       <dgm:prSet phldrT="[Texto]" custT="1"/>
       <dgm:spPr/>
@@ -13536,12 +13356,12 @@
         <a:lstStyle/>
         <a:p>
           <a:r>
-            <a:rPr lang="es-ES" sz="1200" b="1" dirty="0">
+            <a:rPr lang="es-US" sz="1200" b="1" dirty="0">
               <a:solidFill>
                 <a:schemeClr val="tx1"/>
               </a:solidFill>
             </a:rPr>
-            <a:t>MO-04 Modelado de Clases con Generalización, Realización y Composición</a:t>
+            <a:t>DI-01 Didáctica en la Enseñanza de Objetos </a:t>
           </a:r>
           <a:endParaRPr lang="es-AR" sz="1200" b="1" dirty="0">
             <a:solidFill>
@@ -13647,23 +13467,7 @@
                 <a:schemeClr val="tx1"/>
               </a:solidFill>
             </a:rPr>
-            <a:t>BD-03 Clínica sobre </a:t>
-          </a:r>
-          <a:r>
-            <a:rPr lang="es-AR" sz="1200" b="1" dirty="0" err="1">
-              <a:solidFill>
-                <a:schemeClr val="tx1"/>
-              </a:solidFill>
-            </a:rPr>
-            <a:t>Generaci</a:t>
-          </a:r>
-          <a:r>
-            <a:rPr lang="en-US" sz="1200" b="1" dirty="0" err="1">
-              <a:solidFill>
-                <a:schemeClr val="tx1"/>
-              </a:solidFill>
-            </a:rPr>
-            <a:t>ón</a:t>
+            <a:t>BD-03 Clínica sobre Generación</a:t>
           </a:r>
           <a:r>
             <a:rPr lang="en-US" sz="1200" b="1" dirty="0">
@@ -13735,7 +13539,7 @@
         <a:lstStyle/>
         <a:p>
           <a:r>
-            <a:rPr lang="es-AR" sz="1200" b="1" dirty="0">
+            <a:rPr lang="es-AR" sz="1200" b="1">
               <a:solidFill>
                 <a:schemeClr val="tx1"/>
               </a:solidFill>
@@ -13743,14 +13547,14 @@
             <a:t>JA-04 Integración de JAVA con MySQL </a:t>
           </a:r>
           <a:br>
-            <a:rPr lang="es-AR" sz="1200" b="1" dirty="0">
+            <a:rPr lang="es-AR" sz="1200" b="1">
               <a:solidFill>
                 <a:schemeClr val="tx1"/>
               </a:solidFill>
             </a:rPr>
           </a:br>
           <a:r>
-            <a:rPr lang="es-AR" sz="1200" b="1" dirty="0">
+            <a:rPr lang="es-AR" sz="1200" b="1">
               <a:solidFill>
                 <a:schemeClr val="tx1"/>
               </a:solidFill>
@@ -13878,7 +13682,11 @@
         <a:bodyPr/>
         <a:lstStyle/>
         <a:p>
-          <a:endParaRPr lang="es-AR"/>
+          <a:endParaRPr lang="es-AR">
+            <a:solidFill>
+              <a:schemeClr val="tx1"/>
+            </a:solidFill>
+          </a:endParaRPr>
         </a:p>
       </dgm:t>
     </dgm:pt>
@@ -13889,7 +13697,11 @@
         <a:bodyPr/>
         <a:lstStyle/>
         <a:p>
-          <a:endParaRPr lang="es-AR"/>
+          <a:endParaRPr lang="es-AR">
+            <a:solidFill>
+              <a:schemeClr val="tx1"/>
+            </a:solidFill>
+          </a:endParaRPr>
         </a:p>
       </dgm:t>
     </dgm:pt>
@@ -13901,7 +13713,7 @@
         <a:lstStyle/>
         <a:p>
           <a:r>
-            <a:rPr lang="es-US" sz="1200" b="1" dirty="0">
+            <a:rPr lang="es-US" sz="1200" b="1">
               <a:solidFill>
                 <a:schemeClr val="tx1"/>
               </a:solidFill>
@@ -13923,11 +13735,120 @@
         <a:bodyPr/>
         <a:lstStyle/>
         <a:p>
+          <a:endParaRPr lang="es-AR">
+            <a:solidFill>
+              <a:schemeClr val="tx1"/>
+            </a:solidFill>
+          </a:endParaRPr>
+        </a:p>
+      </dgm:t>
+    </dgm:pt>
+    <dgm:pt modelId="{AB65AF1F-7016-4121-8494-0D49B9CAE4B2}" type="sibTrans" cxnId="{A942F8F2-5DA3-4988-91DD-DE999277939C}">
+      <dgm:prSet/>
+      <dgm:spPr/>
+      <dgm:t>
+        <a:bodyPr/>
+        <a:lstStyle/>
+        <a:p>
+          <a:endParaRPr lang="es-AR">
+            <a:solidFill>
+              <a:schemeClr val="tx1"/>
+            </a:solidFill>
+          </a:endParaRPr>
+        </a:p>
+      </dgm:t>
+    </dgm:pt>
+    <dgm:pt modelId="{0480398E-55FF-4BA3-944E-7AC21ADE8B81}">
+      <dgm:prSet phldrT="[Texto]" custT="1"/>
+      <dgm:spPr/>
+      <dgm:t>
+        <a:bodyPr/>
+        <a:lstStyle/>
+        <a:p>
+          <a:r>
+            <a:rPr lang="es-ES" sz="1200" b="1" dirty="0">
+              <a:solidFill>
+                <a:schemeClr val="tx1"/>
+              </a:solidFill>
+            </a:rPr>
+            <a:t>MO-03 Diagrama de Clases y </a:t>
+          </a:r>
+          <a:br>
+            <a:rPr lang="es-ES" sz="1200" b="1" dirty="0">
+              <a:solidFill>
+                <a:schemeClr val="tx1"/>
+              </a:solidFill>
+            </a:rPr>
+          </a:br>
+          <a:r>
+            <a:rPr lang="es-ES" sz="1200" b="1" dirty="0">
+              <a:solidFill>
+                <a:schemeClr val="tx1"/>
+              </a:solidFill>
+            </a:rPr>
+            <a:t>Diagrama de Máquina de Estados</a:t>
+          </a:r>
+          <a:endParaRPr lang="es-AR" sz="1200" b="1" dirty="0">
+            <a:solidFill>
+              <a:schemeClr val="tx1"/>
+            </a:solidFill>
+          </a:endParaRPr>
+        </a:p>
+      </dgm:t>
+    </dgm:pt>
+    <dgm:pt modelId="{89171826-7EA3-46C8-8809-CFAF2773B130}" type="parTrans" cxnId="{872D12CA-35DF-46CD-9C24-67C5D9E88098}">
+      <dgm:prSet/>
+      <dgm:spPr/>
+      <dgm:t>
+        <a:bodyPr/>
+        <a:lstStyle/>
+        <a:p>
           <a:endParaRPr lang="es-AR"/>
         </a:p>
       </dgm:t>
     </dgm:pt>
-    <dgm:pt modelId="{AB65AF1F-7016-4121-8494-0D49B9CAE4B2}" type="sibTrans" cxnId="{A942F8F2-5DA3-4988-91DD-DE999277939C}">
+    <dgm:pt modelId="{36F6146E-F038-4097-9118-E4FC118E9D78}" type="sibTrans" cxnId="{872D12CA-35DF-46CD-9C24-67C5D9E88098}">
+      <dgm:prSet/>
+      <dgm:spPr/>
+      <dgm:t>
+        <a:bodyPr/>
+        <a:lstStyle/>
+        <a:p>
+          <a:endParaRPr lang="es-AR"/>
+        </a:p>
+      </dgm:t>
+    </dgm:pt>
+    <dgm:pt modelId="{C807E162-25A6-44C5-AEEF-E7DC1BB48291}">
+      <dgm:prSet phldrT="[Texto]" custT="1"/>
+      <dgm:spPr/>
+      <dgm:t>
+        <a:bodyPr/>
+        <a:lstStyle/>
+        <a:p>
+          <a:r>
+            <a:rPr lang="es-ES" sz="1200" b="1" dirty="0">
+              <a:solidFill>
+                <a:schemeClr val="tx1"/>
+              </a:solidFill>
+            </a:rPr>
+            <a:t>MO-04 Modelado de Clases con Generalización, Realización y Composición</a:t>
+          </a:r>
+          <a:endParaRPr lang="es-AR" sz="1200" dirty="0"/>
+        </a:p>
+      </dgm:t>
+    </dgm:pt>
+    <dgm:pt modelId="{7AB6B4C9-2AF8-4708-9B01-5FD61AA84113}" type="parTrans" cxnId="{2EBF7B49-81BE-4E23-9076-964133AB3040}">
+      <dgm:prSet/>
+      <dgm:spPr/>
+      <dgm:t>
+        <a:bodyPr/>
+        <a:lstStyle/>
+        <a:p>
+          <a:endParaRPr lang="es-AR"/>
+        </a:p>
+      </dgm:t>
+    </dgm:pt>
+    <dgm:pt modelId="{18BB8A59-CA34-40A1-86CB-219731653AA0}" type="sibTrans" cxnId="{2EBF7B49-81BE-4E23-9076-964133AB3040}">
       <dgm:prSet/>
       <dgm:spPr/>
       <dgm:t>
@@ -13955,7 +13876,7 @@
       <dgm:spPr/>
     </dgm:pt>
     <dgm:pt modelId="{2EE739FB-2FEA-4F47-8B4C-F04C9BD81CD2}" type="pres">
-      <dgm:prSet presAssocID="{B208289C-C0BF-4513-A83C-8BFC4FA02E86}" presName="LevelOneTextNode" presStyleLbl="node0" presStyleIdx="0" presStyleCnt="1">
+      <dgm:prSet presAssocID="{B208289C-C0BF-4513-A83C-8BFC4FA02E86}" presName="LevelOneTextNode" presStyleLbl="node0" presStyleIdx="0" presStyleCnt="1" custLinFactNeighborX="-17413" custLinFactNeighborY="-58297">
         <dgm:presLayoutVars>
           <dgm:chPref val="3"/>
         </dgm:presLayoutVars>
@@ -13979,7 +13900,7 @@
       <dgm:spPr/>
     </dgm:pt>
     <dgm:pt modelId="{3BDB36BE-223C-4BF0-A564-F2BD6C1743E4}" type="pres">
-      <dgm:prSet presAssocID="{125231D9-4D65-4554-8C9D-9A05F81A0FA3}" presName="LevelTwoTextNode" presStyleLbl="node2" presStyleIdx="0" presStyleCnt="1" custScaleX="126898">
+      <dgm:prSet presAssocID="{125231D9-4D65-4554-8C9D-9A05F81A0FA3}" presName="LevelTwoTextNode" presStyleLbl="node2" presStyleIdx="0" presStyleCnt="1" custScaleX="126898" custLinFactNeighborX="-22348" custLinFactNeighborY="-52126">
         <dgm:presLayoutVars>
           <dgm:chPref val="3"/>
         </dgm:presLayoutVars>
@@ -13991,11 +13912,11 @@
       <dgm:spPr/>
     </dgm:pt>
     <dgm:pt modelId="{FBB38B8E-507A-4248-BD57-FFFFBE166AEA}" type="pres">
-      <dgm:prSet presAssocID="{0F1195BD-0829-4B97-B93A-E923D3636052}" presName="conn2-1" presStyleLbl="parChTrans1D3" presStyleIdx="0" presStyleCnt="7"/>
+      <dgm:prSet presAssocID="{0F1195BD-0829-4B97-B93A-E923D3636052}" presName="conn2-1" presStyleLbl="parChTrans1D3" presStyleIdx="0" presStyleCnt="5"/>
       <dgm:spPr/>
     </dgm:pt>
     <dgm:pt modelId="{8C4C24DB-105B-490B-B9F0-096BB8F5F6E7}" type="pres">
-      <dgm:prSet presAssocID="{0F1195BD-0829-4B97-B93A-E923D3636052}" presName="connTx" presStyleLbl="parChTrans1D3" presStyleIdx="0" presStyleCnt="7"/>
+      <dgm:prSet presAssocID="{0F1195BD-0829-4B97-B93A-E923D3636052}" presName="connTx" presStyleLbl="parChTrans1D3" presStyleIdx="0" presStyleCnt="5"/>
       <dgm:spPr/>
     </dgm:pt>
     <dgm:pt modelId="{01B4626E-15EC-40A7-A923-AF64511B2656}" type="pres">
@@ -14003,7 +13924,7 @@
       <dgm:spPr/>
     </dgm:pt>
     <dgm:pt modelId="{9299130D-4FF0-4BAA-B7D5-84481393B614}" type="pres">
-      <dgm:prSet presAssocID="{F9A24432-ED29-4EF3-BEBB-F3ECC0077F33}" presName="LevelTwoTextNode" presStyleLbl="node3" presStyleIdx="0" presStyleCnt="7" custScaleX="130844">
+      <dgm:prSet presAssocID="{F9A24432-ED29-4EF3-BEBB-F3ECC0077F33}" presName="LevelTwoTextNode" presStyleLbl="node3" presStyleIdx="0" presStyleCnt="5" custScaleX="130844" custLinFactNeighborX="-27900" custLinFactNeighborY="-15714">
         <dgm:presLayoutVars>
           <dgm:chPref val="3"/>
         </dgm:presLayoutVars>
@@ -14015,11 +13936,11 @@
       <dgm:spPr/>
     </dgm:pt>
     <dgm:pt modelId="{DA39F9D5-93C7-478D-A409-83598DBFEAE3}" type="pres">
-      <dgm:prSet presAssocID="{43FE33A2-BEBA-4D8E-B6D9-4199F65CD869}" presName="conn2-1" presStyleLbl="parChTrans1D4" presStyleIdx="0" presStyleCnt="7"/>
+      <dgm:prSet presAssocID="{43FE33A2-BEBA-4D8E-B6D9-4199F65CD869}" presName="conn2-1" presStyleLbl="parChTrans1D4" presStyleIdx="0" presStyleCnt="9"/>
       <dgm:spPr/>
     </dgm:pt>
     <dgm:pt modelId="{EE2C633A-89B3-4F75-A4C4-8FCB426D0139}" type="pres">
-      <dgm:prSet presAssocID="{43FE33A2-BEBA-4D8E-B6D9-4199F65CD869}" presName="connTx" presStyleLbl="parChTrans1D4" presStyleIdx="0" presStyleCnt="7"/>
+      <dgm:prSet presAssocID="{43FE33A2-BEBA-4D8E-B6D9-4199F65CD869}" presName="connTx" presStyleLbl="parChTrans1D4" presStyleIdx="0" presStyleCnt="9"/>
       <dgm:spPr/>
     </dgm:pt>
     <dgm:pt modelId="{4CC6A9E4-F325-40E9-AD24-472B121C9FE4}" type="pres">
@@ -14027,7 +13948,7 @@
       <dgm:spPr/>
     </dgm:pt>
     <dgm:pt modelId="{4A9521A1-870B-4233-808C-C7FE6969BEFC}" type="pres">
-      <dgm:prSet presAssocID="{EA10627A-736D-4928-BBBB-246CA9419A70}" presName="LevelTwoTextNode" presStyleLbl="node4" presStyleIdx="0" presStyleCnt="7" custScaleX="129360">
+      <dgm:prSet presAssocID="{EA10627A-736D-4928-BBBB-246CA9419A70}" presName="LevelTwoTextNode" presStyleLbl="node4" presStyleIdx="0" presStyleCnt="9" custScaleX="129360" custLinFactNeighborX="28524" custLinFactNeighborY="-20442">
         <dgm:presLayoutVars>
           <dgm:chPref val="3"/>
         </dgm:presLayoutVars>
@@ -14039,11 +13960,11 @@
       <dgm:spPr/>
     </dgm:pt>
     <dgm:pt modelId="{E9E4D06E-67A1-43A3-800A-FA04194B9B93}" type="pres">
-      <dgm:prSet presAssocID="{8484AD76-197E-4712-AD0F-91FD2E2DF1D7}" presName="conn2-1" presStyleLbl="parChTrans1D4" presStyleIdx="1" presStyleCnt="7"/>
+      <dgm:prSet presAssocID="{8484AD76-197E-4712-AD0F-91FD2E2DF1D7}" presName="conn2-1" presStyleLbl="parChTrans1D4" presStyleIdx="1" presStyleCnt="9"/>
       <dgm:spPr/>
     </dgm:pt>
     <dgm:pt modelId="{A049FAE9-EC86-4E0C-BFEC-0E70521F35AA}" type="pres">
-      <dgm:prSet presAssocID="{8484AD76-197E-4712-AD0F-91FD2E2DF1D7}" presName="connTx" presStyleLbl="parChTrans1D4" presStyleIdx="1" presStyleCnt="7"/>
+      <dgm:prSet presAssocID="{8484AD76-197E-4712-AD0F-91FD2E2DF1D7}" presName="connTx" presStyleLbl="parChTrans1D4" presStyleIdx="1" presStyleCnt="9"/>
       <dgm:spPr/>
     </dgm:pt>
     <dgm:pt modelId="{EEBF103D-01E6-461C-A9D9-E0A0DADAE7A7}" type="pres">
@@ -14051,7 +13972,7 @@
       <dgm:spPr/>
     </dgm:pt>
     <dgm:pt modelId="{9CCEDB0B-BCA3-4B5D-A23F-83A5DA31E84C}" type="pres">
-      <dgm:prSet presAssocID="{78C5998D-FE26-43F7-9877-5C21257A60B1}" presName="LevelTwoTextNode" presStyleLbl="node4" presStyleIdx="1" presStyleCnt="7" custScaleX="114343" custLinFactNeighborX="-10256" custLinFactNeighborY="-24175">
+      <dgm:prSet presAssocID="{78C5998D-FE26-43F7-9877-5C21257A60B1}" presName="LevelTwoTextNode" presStyleLbl="node4" presStyleIdx="1" presStyleCnt="9" custScaleX="114343" custLinFactNeighborX="76849" custLinFactNeighborY="-12847">
         <dgm:presLayoutVars>
           <dgm:chPref val="3"/>
         </dgm:presLayoutVars>
@@ -14063,11 +13984,11 @@
       <dgm:spPr/>
     </dgm:pt>
     <dgm:pt modelId="{4579FB1D-6B60-48B0-915D-DC5D0BD6A88D}" type="pres">
-      <dgm:prSet presAssocID="{50137255-07A9-495A-9CC3-41904E44E7EC}" presName="conn2-1" presStyleLbl="parChTrans1D4" presStyleIdx="2" presStyleCnt="7"/>
+      <dgm:prSet presAssocID="{50137255-07A9-495A-9CC3-41904E44E7EC}" presName="conn2-1" presStyleLbl="parChTrans1D4" presStyleIdx="2" presStyleCnt="9"/>
       <dgm:spPr/>
     </dgm:pt>
     <dgm:pt modelId="{B9D7ECF8-6AD6-4148-A693-2B258DF2319D}" type="pres">
-      <dgm:prSet presAssocID="{50137255-07A9-495A-9CC3-41904E44E7EC}" presName="connTx" presStyleLbl="parChTrans1D4" presStyleIdx="2" presStyleCnt="7"/>
+      <dgm:prSet presAssocID="{50137255-07A9-495A-9CC3-41904E44E7EC}" presName="connTx" presStyleLbl="parChTrans1D4" presStyleIdx="2" presStyleCnt="9"/>
       <dgm:spPr/>
     </dgm:pt>
     <dgm:pt modelId="{B0E07E24-5B31-4D6F-8FEE-B12D41EA99CB}" type="pres">
@@ -14075,7 +13996,7 @@
       <dgm:spPr/>
     </dgm:pt>
     <dgm:pt modelId="{E8FC3EEB-BF60-4D63-BC5B-CDABA61101FA}" type="pres">
-      <dgm:prSet presAssocID="{AEB86B3C-107F-4A64-96C1-5BCE42D7EE9E}" presName="LevelTwoTextNode" presStyleLbl="node4" presStyleIdx="2" presStyleCnt="7" custScaleX="138181">
+      <dgm:prSet presAssocID="{AEB86B3C-107F-4A64-96C1-5BCE42D7EE9E}" presName="LevelTwoTextNode" presStyleLbl="node4" presStyleIdx="2" presStyleCnt="9" custScaleX="102991" custScaleY="118177" custLinFactY="100000" custLinFactNeighborX="2900" custLinFactNeighborY="184930">
         <dgm:presLayoutVars>
           <dgm:chPref val="3"/>
         </dgm:presLayoutVars>
@@ -14087,11 +14008,11 @@
       <dgm:spPr/>
     </dgm:pt>
     <dgm:pt modelId="{D7CABE18-EABB-493F-BDDC-65D65FCDCB6A}" type="pres">
-      <dgm:prSet presAssocID="{CFB257AE-5AF0-4FA5-B21D-56B54F676CED}" presName="conn2-1" presStyleLbl="parChTrans1D3" presStyleIdx="1" presStyleCnt="7"/>
+      <dgm:prSet presAssocID="{CFB257AE-5AF0-4FA5-B21D-56B54F676CED}" presName="conn2-1" presStyleLbl="parChTrans1D3" presStyleIdx="1" presStyleCnt="5"/>
       <dgm:spPr/>
     </dgm:pt>
     <dgm:pt modelId="{B255946B-0C0D-4CA9-B087-53448E695232}" type="pres">
-      <dgm:prSet presAssocID="{CFB257AE-5AF0-4FA5-B21D-56B54F676CED}" presName="connTx" presStyleLbl="parChTrans1D3" presStyleIdx="1" presStyleCnt="7"/>
+      <dgm:prSet presAssocID="{CFB257AE-5AF0-4FA5-B21D-56B54F676CED}" presName="connTx" presStyleLbl="parChTrans1D3" presStyleIdx="1" presStyleCnt="5"/>
       <dgm:spPr/>
     </dgm:pt>
     <dgm:pt modelId="{C68464CD-4CFF-48A8-89FB-E90BB6BE3329}" type="pres">
@@ -14099,7 +14020,7 @@
       <dgm:spPr/>
     </dgm:pt>
     <dgm:pt modelId="{6FB2F0C7-2C0C-4C85-9A5E-BE8C477DAFE0}" type="pres">
-      <dgm:prSet presAssocID="{FA9910B9-E649-42E8-868B-273289D0E353}" presName="LevelTwoTextNode" presStyleLbl="node3" presStyleIdx="1" presStyleCnt="7" custScaleX="130601">
+      <dgm:prSet presAssocID="{FA9910B9-E649-42E8-868B-273289D0E353}" presName="LevelTwoTextNode" presStyleLbl="node3" presStyleIdx="1" presStyleCnt="5" custScaleX="144215" custLinFactNeighborX="-35519" custLinFactNeighborY="18070">
         <dgm:presLayoutVars>
           <dgm:chPref val="3"/>
         </dgm:presLayoutVars>
@@ -14111,11 +14032,11 @@
       <dgm:spPr/>
     </dgm:pt>
     <dgm:pt modelId="{6318FFFC-B2AA-4D33-BEA8-9F482648507E}" type="pres">
-      <dgm:prSet presAssocID="{F28CE0D4-BD0E-411B-A00F-C1FFCE753D8F}" presName="conn2-1" presStyleLbl="parChTrans1D4" presStyleIdx="3" presStyleCnt="7"/>
+      <dgm:prSet presAssocID="{F28CE0D4-BD0E-411B-A00F-C1FFCE753D8F}" presName="conn2-1" presStyleLbl="parChTrans1D4" presStyleIdx="3" presStyleCnt="9"/>
       <dgm:spPr/>
     </dgm:pt>
     <dgm:pt modelId="{44F24B01-1B90-4B48-AB46-FA2F1A3F243D}" type="pres">
-      <dgm:prSet presAssocID="{F28CE0D4-BD0E-411B-A00F-C1FFCE753D8F}" presName="connTx" presStyleLbl="parChTrans1D4" presStyleIdx="3" presStyleCnt="7"/>
+      <dgm:prSet presAssocID="{F28CE0D4-BD0E-411B-A00F-C1FFCE753D8F}" presName="connTx" presStyleLbl="parChTrans1D4" presStyleIdx="3" presStyleCnt="9"/>
       <dgm:spPr/>
     </dgm:pt>
     <dgm:pt modelId="{AC793A0C-007B-494C-A07E-0608B0D20FFA}" type="pres">
@@ -14123,7 +14044,7 @@
       <dgm:spPr/>
     </dgm:pt>
     <dgm:pt modelId="{6AD2A1DC-ACB3-4433-B28A-ACE2F755AB21}" type="pres">
-      <dgm:prSet presAssocID="{C1CCFCBE-4A5A-479B-BF3F-AD8C9FE711A2}" presName="LevelTwoTextNode" presStyleLbl="node4" presStyleIdx="3" presStyleCnt="7" custScaleX="128871">
+      <dgm:prSet presAssocID="{C1CCFCBE-4A5A-479B-BF3F-AD8C9FE711A2}" presName="LevelTwoTextNode" presStyleLbl="node4" presStyleIdx="3" presStyleCnt="9" custScaleX="128871" custLinFactNeighborX="-43374" custLinFactNeighborY="24298">
         <dgm:presLayoutVars>
           <dgm:chPref val="3"/>
         </dgm:presLayoutVars>
@@ -14134,12 +14055,60 @@
       <dgm:prSet presAssocID="{C1CCFCBE-4A5A-479B-BF3F-AD8C9FE711A2}" presName="level3hierChild" presStyleCnt="0"/>
       <dgm:spPr/>
     </dgm:pt>
+    <dgm:pt modelId="{026A437B-4BA4-4DB5-BB5D-82D7AE24A551}" type="pres">
+      <dgm:prSet presAssocID="{89171826-7EA3-46C8-8809-CFAF2773B130}" presName="conn2-1" presStyleLbl="parChTrans1D4" presStyleIdx="4" presStyleCnt="9"/>
+      <dgm:spPr/>
+    </dgm:pt>
+    <dgm:pt modelId="{99C56D26-CAAC-49E5-A28D-6A5226D0479C}" type="pres">
+      <dgm:prSet presAssocID="{89171826-7EA3-46C8-8809-CFAF2773B130}" presName="connTx" presStyleLbl="parChTrans1D4" presStyleIdx="4" presStyleCnt="9"/>
+      <dgm:spPr/>
+    </dgm:pt>
+    <dgm:pt modelId="{974957FC-8E57-4AD1-80F9-2041FC73EA19}" type="pres">
+      <dgm:prSet presAssocID="{0480398E-55FF-4BA3-944E-7AC21ADE8B81}" presName="root2" presStyleCnt="0"/>
+      <dgm:spPr/>
+    </dgm:pt>
+    <dgm:pt modelId="{EA1DA6F6-97C6-4A40-A79F-5701C4FE8A69}" type="pres">
+      <dgm:prSet presAssocID="{0480398E-55FF-4BA3-944E-7AC21ADE8B81}" presName="LevelTwoTextNode" presStyleLbl="node4" presStyleIdx="4" presStyleCnt="9" custScaleX="156934" custScaleY="120650" custLinFactNeighborX="-59021" custLinFactNeighborY="51283">
+        <dgm:presLayoutVars>
+          <dgm:chPref val="3"/>
+        </dgm:presLayoutVars>
+      </dgm:prSet>
+      <dgm:spPr/>
+    </dgm:pt>
+    <dgm:pt modelId="{FFFC672F-50A3-442D-BAC8-9420A4FF5877}" type="pres">
+      <dgm:prSet presAssocID="{0480398E-55FF-4BA3-944E-7AC21ADE8B81}" presName="level3hierChild" presStyleCnt="0"/>
+      <dgm:spPr/>
+    </dgm:pt>
+    <dgm:pt modelId="{536D7B88-7DBF-4428-BCB6-BB77019910C1}" type="pres">
+      <dgm:prSet presAssocID="{7AB6B4C9-2AF8-4708-9B01-5FD61AA84113}" presName="conn2-1" presStyleLbl="parChTrans1D4" presStyleIdx="5" presStyleCnt="9"/>
+      <dgm:spPr/>
+    </dgm:pt>
+    <dgm:pt modelId="{C7D39ADA-0AA2-442A-B997-2AF9F39436A8}" type="pres">
+      <dgm:prSet presAssocID="{7AB6B4C9-2AF8-4708-9B01-5FD61AA84113}" presName="connTx" presStyleLbl="parChTrans1D4" presStyleIdx="5" presStyleCnt="9"/>
+      <dgm:spPr/>
+    </dgm:pt>
+    <dgm:pt modelId="{46C6667B-04F5-4BBA-8224-6E60A56AF6E7}" type="pres">
+      <dgm:prSet presAssocID="{C807E162-25A6-44C5-AEEF-E7DC1BB48291}" presName="root2" presStyleCnt="0"/>
+      <dgm:spPr/>
+    </dgm:pt>
+    <dgm:pt modelId="{B4C5BA19-B763-4003-B638-93EC469CF86F}" type="pres">
+      <dgm:prSet presAssocID="{C807E162-25A6-44C5-AEEF-E7DC1BB48291}" presName="LevelTwoTextNode" presStyleLbl="node4" presStyleIdx="5" presStyleCnt="9" custScaleX="167702" custLinFactNeighborX="-60717" custLinFactNeighborY="60863">
+        <dgm:presLayoutVars>
+          <dgm:chPref val="3"/>
+        </dgm:presLayoutVars>
+      </dgm:prSet>
+      <dgm:spPr/>
+    </dgm:pt>
+    <dgm:pt modelId="{087CE427-2E1C-43CC-B2D2-7DC3B3AFAA53}" type="pres">
+      <dgm:prSet presAssocID="{C807E162-25A6-44C5-AEEF-E7DC1BB48291}" presName="level3hierChild" presStyleCnt="0"/>
+      <dgm:spPr/>
+    </dgm:pt>
     <dgm:pt modelId="{9FC7FC1F-D961-490E-AE2C-D2E1CA5585C2}" type="pres">
-      <dgm:prSet presAssocID="{89DDAC0F-841C-47A8-80D5-54A3CA3B96C1}" presName="conn2-1" presStyleLbl="parChTrans1D3" presStyleIdx="2" presStyleCnt="7"/>
+      <dgm:prSet presAssocID="{89DDAC0F-841C-47A8-80D5-54A3CA3B96C1}" presName="conn2-1" presStyleLbl="parChTrans1D3" presStyleIdx="2" presStyleCnt="5"/>
       <dgm:spPr/>
     </dgm:pt>
     <dgm:pt modelId="{A8A4E30E-E73B-4020-B4A9-8C69EB391EB4}" type="pres">
-      <dgm:prSet presAssocID="{89DDAC0F-841C-47A8-80D5-54A3CA3B96C1}" presName="connTx" presStyleLbl="parChTrans1D3" presStyleIdx="2" presStyleCnt="7"/>
+      <dgm:prSet presAssocID="{89DDAC0F-841C-47A8-80D5-54A3CA3B96C1}" presName="connTx" presStyleLbl="parChTrans1D3" presStyleIdx="2" presStyleCnt="5"/>
       <dgm:spPr/>
     </dgm:pt>
     <dgm:pt modelId="{56D0D165-749A-4168-8093-47F14B93ECCE}" type="pres">
@@ -14147,7 +14116,7 @@
       <dgm:spPr/>
     </dgm:pt>
     <dgm:pt modelId="{307F28A0-ABE5-4572-9908-38856F3D8B63}" type="pres">
-      <dgm:prSet presAssocID="{C1FFE42D-DBAA-484A-82CB-1CE8E98519CA}" presName="LevelTwoTextNode" presStyleLbl="node3" presStyleIdx="2" presStyleCnt="7" custScaleX="130215" custScaleY="123749">
+      <dgm:prSet presAssocID="{C1FFE42D-DBAA-484A-82CB-1CE8E98519CA}" presName="LevelTwoTextNode" presStyleLbl="node3" presStyleIdx="2" presStyleCnt="5" custScaleX="163044" custScaleY="123749" custLinFactNeighborX="-39643" custLinFactNeighborY="-47836">
         <dgm:presLayoutVars>
           <dgm:chPref val="3"/>
         </dgm:presLayoutVars>
@@ -14159,11 +14128,11 @@
       <dgm:spPr/>
     </dgm:pt>
     <dgm:pt modelId="{A409E438-D312-40D9-BF72-7F329091FAB1}" type="pres">
-      <dgm:prSet presAssocID="{5D4D6E3C-1F98-4C83-821B-B37FC7F00235}" presName="conn2-1" presStyleLbl="parChTrans1D4" presStyleIdx="4" presStyleCnt="7"/>
+      <dgm:prSet presAssocID="{5D4D6E3C-1F98-4C83-821B-B37FC7F00235}" presName="conn2-1" presStyleLbl="parChTrans1D4" presStyleIdx="6" presStyleCnt="9"/>
       <dgm:spPr/>
     </dgm:pt>
     <dgm:pt modelId="{EBCBB933-A1B2-48FD-BE44-8B6B7EA64FFF}" type="pres">
-      <dgm:prSet presAssocID="{5D4D6E3C-1F98-4C83-821B-B37FC7F00235}" presName="connTx" presStyleLbl="parChTrans1D4" presStyleIdx="4" presStyleCnt="7"/>
+      <dgm:prSet presAssocID="{5D4D6E3C-1F98-4C83-821B-B37FC7F00235}" presName="connTx" presStyleLbl="parChTrans1D4" presStyleIdx="6" presStyleCnt="9"/>
       <dgm:spPr/>
     </dgm:pt>
     <dgm:pt modelId="{1D3764E2-B540-48F1-9A37-0D006611745A}" type="pres">
@@ -14171,7 +14140,7 @@
       <dgm:spPr/>
     </dgm:pt>
     <dgm:pt modelId="{429C267D-3B2F-4BAD-A287-3DFA4209626C}" type="pres">
-      <dgm:prSet presAssocID="{C4F531C4-52C9-4D02-A25D-50ED06DE68F9}" presName="LevelTwoTextNode" presStyleLbl="node4" presStyleIdx="4" presStyleCnt="7" custScaleX="126965">
+      <dgm:prSet presAssocID="{C4F531C4-52C9-4D02-A25D-50ED06DE68F9}" presName="LevelTwoTextNode" presStyleLbl="node4" presStyleIdx="6" presStyleCnt="9" custScaleX="126965" custLinFactNeighborX="-43817" custLinFactNeighborY="32118">
         <dgm:presLayoutVars>
           <dgm:chPref val="3"/>
         </dgm:presLayoutVars>
@@ -14183,11 +14152,11 @@
       <dgm:spPr/>
     </dgm:pt>
     <dgm:pt modelId="{2F598430-8117-4D1E-B150-CF62666F75C1}" type="pres">
-      <dgm:prSet presAssocID="{78D91BEE-FD50-49A4-B7C2-2B5C804B169D}" presName="conn2-1" presStyleLbl="parChTrans1D4" presStyleIdx="5" presStyleCnt="7"/>
+      <dgm:prSet presAssocID="{78D91BEE-FD50-49A4-B7C2-2B5C804B169D}" presName="conn2-1" presStyleLbl="parChTrans1D4" presStyleIdx="7" presStyleCnt="9"/>
       <dgm:spPr/>
     </dgm:pt>
     <dgm:pt modelId="{36061A6A-E5BB-4709-97F7-151DBE9D9481}" type="pres">
-      <dgm:prSet presAssocID="{78D91BEE-FD50-49A4-B7C2-2B5C804B169D}" presName="connTx" presStyleLbl="parChTrans1D4" presStyleIdx="5" presStyleCnt="7"/>
+      <dgm:prSet presAssocID="{78D91BEE-FD50-49A4-B7C2-2B5C804B169D}" presName="connTx" presStyleLbl="parChTrans1D4" presStyleIdx="7" presStyleCnt="9"/>
       <dgm:spPr/>
     </dgm:pt>
     <dgm:pt modelId="{04097DCD-9E0D-4C51-8A93-6CBC16EE764F}" type="pres">
@@ -14195,7 +14164,7 @@
       <dgm:spPr/>
     </dgm:pt>
     <dgm:pt modelId="{7D93B95D-C265-46D8-83EC-2A0C7D265526}" type="pres">
-      <dgm:prSet presAssocID="{AF27A531-FF0F-4D4C-A6B8-988F852100EA}" presName="LevelTwoTextNode" presStyleLbl="node4" presStyleIdx="5" presStyleCnt="7" custScaleX="116275">
+      <dgm:prSet presAssocID="{AF27A531-FF0F-4D4C-A6B8-988F852100EA}" presName="LevelTwoTextNode" presStyleLbl="node4" presStyleIdx="7" presStyleCnt="9" custScaleX="116275" custLinFactNeighborX="-36095" custLinFactNeighborY="59426">
         <dgm:presLayoutVars>
           <dgm:chPref val="3"/>
         </dgm:presLayoutVars>
@@ -14207,11 +14176,11 @@
       <dgm:spPr/>
     </dgm:pt>
     <dgm:pt modelId="{499D2DC4-C19C-4933-BDED-BD0DC511D0BD}" type="pres">
-      <dgm:prSet presAssocID="{8EAD749C-82B1-401B-A5CA-81642422899F}" presName="conn2-1" presStyleLbl="parChTrans1D4" presStyleIdx="6" presStyleCnt="7"/>
+      <dgm:prSet presAssocID="{8EAD749C-82B1-401B-A5CA-81642422899F}" presName="conn2-1" presStyleLbl="parChTrans1D4" presStyleIdx="8" presStyleCnt="9"/>
       <dgm:spPr/>
     </dgm:pt>
     <dgm:pt modelId="{0F7764CD-6201-4FBA-80F0-2B6157E73D9D}" type="pres">
-      <dgm:prSet presAssocID="{8EAD749C-82B1-401B-A5CA-81642422899F}" presName="connTx" presStyleLbl="parChTrans1D4" presStyleIdx="6" presStyleCnt="7"/>
+      <dgm:prSet presAssocID="{8EAD749C-82B1-401B-A5CA-81642422899F}" presName="connTx" presStyleLbl="parChTrans1D4" presStyleIdx="8" presStyleCnt="9"/>
       <dgm:spPr/>
     </dgm:pt>
     <dgm:pt modelId="{C928CD19-0297-4F09-9C9F-6722660F334C}" type="pres">
@@ -14219,7 +14188,7 @@
       <dgm:spPr/>
     </dgm:pt>
     <dgm:pt modelId="{BD334316-DD7D-458C-9D46-E4FC13309E18}" type="pres">
-      <dgm:prSet presAssocID="{D8F496C0-6701-4FE7-9490-C4D0480B6ABF}" presName="LevelTwoTextNode" presStyleLbl="node4" presStyleIdx="6" presStyleCnt="7" custScaleX="150910">
+      <dgm:prSet presAssocID="{D8F496C0-6701-4FE7-9490-C4D0480B6ABF}" presName="LevelTwoTextNode" presStyleLbl="node4" presStyleIdx="8" presStyleCnt="9" custScaleX="150910" custLinFactY="18028" custLinFactNeighborX="-44405" custLinFactNeighborY="100000">
         <dgm:presLayoutVars>
           <dgm:chPref val="3"/>
         </dgm:presLayoutVars>
@@ -14230,36 +14199,12 @@
       <dgm:prSet presAssocID="{D8F496C0-6701-4FE7-9490-C4D0480B6ABF}" presName="level3hierChild" presStyleCnt="0"/>
       <dgm:spPr/>
     </dgm:pt>
-    <dgm:pt modelId="{BA31AFBF-81A5-44D4-AC4C-EAA30BD97607}" type="pres">
-      <dgm:prSet presAssocID="{5ADA8698-B657-42AD-9F6C-E6C76814F8EA}" presName="conn2-1" presStyleLbl="parChTrans1D3" presStyleIdx="3" presStyleCnt="7"/>
-      <dgm:spPr/>
-    </dgm:pt>
-    <dgm:pt modelId="{BD2CFC8C-F14A-431D-99DD-65B8FE63CCA7}" type="pres">
-      <dgm:prSet presAssocID="{5ADA8698-B657-42AD-9F6C-E6C76814F8EA}" presName="connTx" presStyleLbl="parChTrans1D3" presStyleIdx="3" presStyleCnt="7"/>
-      <dgm:spPr/>
-    </dgm:pt>
-    <dgm:pt modelId="{454D75A7-25DB-4731-8B48-7DE9BF01933D}" type="pres">
-      <dgm:prSet presAssocID="{83C3E2DD-273B-4159-A124-52F41F65373D}" presName="root2" presStyleCnt="0"/>
-      <dgm:spPr/>
-    </dgm:pt>
-    <dgm:pt modelId="{AAEAF31D-8120-4F68-AE2A-C69AA7AF3413}" type="pres">
-      <dgm:prSet presAssocID="{83C3E2DD-273B-4159-A124-52F41F65373D}" presName="LevelTwoTextNode" presStyleLbl="node3" presStyleIdx="3" presStyleCnt="7" custScaleX="136005" custScaleY="120650">
-        <dgm:presLayoutVars>
-          <dgm:chPref val="3"/>
-        </dgm:presLayoutVars>
-      </dgm:prSet>
-      <dgm:spPr/>
-    </dgm:pt>
-    <dgm:pt modelId="{18DC188E-8240-48C9-9606-6683F0EECB2C}" type="pres">
-      <dgm:prSet presAssocID="{83C3E2DD-273B-4159-A124-52F41F65373D}" presName="level3hierChild" presStyleCnt="0"/>
-      <dgm:spPr/>
-    </dgm:pt>
     <dgm:pt modelId="{E33A1BC1-C3F9-48B2-85CD-7CFEF1033CF0}" type="pres">
-      <dgm:prSet presAssocID="{9225D294-100A-4C18-87D8-C462B91CE79D}" presName="conn2-1" presStyleLbl="parChTrans1D3" presStyleIdx="4" presStyleCnt="7"/>
+      <dgm:prSet presAssocID="{9225D294-100A-4C18-87D8-C462B91CE79D}" presName="conn2-1" presStyleLbl="parChTrans1D3" presStyleIdx="3" presStyleCnt="5"/>
       <dgm:spPr/>
     </dgm:pt>
     <dgm:pt modelId="{8FAE8F5A-8B43-4490-994F-46632FBC8E81}" type="pres">
-      <dgm:prSet presAssocID="{9225D294-100A-4C18-87D8-C462B91CE79D}" presName="connTx" presStyleLbl="parChTrans1D3" presStyleIdx="4" presStyleCnt="7"/>
+      <dgm:prSet presAssocID="{9225D294-100A-4C18-87D8-C462B91CE79D}" presName="connTx" presStyleLbl="parChTrans1D3" presStyleIdx="3" presStyleCnt="5"/>
       <dgm:spPr/>
     </dgm:pt>
     <dgm:pt modelId="{0BE7C14B-570C-45CF-A826-C661591A650D}" type="pres">
@@ -14267,7 +14212,7 @@
       <dgm:spPr/>
     </dgm:pt>
     <dgm:pt modelId="{12AEAC9B-0A26-4B0D-A122-A6A2669046EF}" type="pres">
-      <dgm:prSet presAssocID="{598C30CA-82A4-488F-900B-5C58B3DCE83D}" presName="LevelTwoTextNode" presStyleLbl="node3" presStyleIdx="4" presStyleCnt="7" custScaleX="139623">
+      <dgm:prSet presAssocID="{598C30CA-82A4-488F-900B-5C58B3DCE83D}" presName="LevelTwoTextNode" presStyleLbl="node3" presStyleIdx="3" presStyleCnt="5" custScaleX="167702" custLinFactNeighborX="-42123" custLinFactNeighborY="-16375">
         <dgm:presLayoutVars>
           <dgm:chPref val="3"/>
         </dgm:presLayoutVars>
@@ -14278,36 +14223,12 @@
       <dgm:prSet presAssocID="{598C30CA-82A4-488F-900B-5C58B3DCE83D}" presName="level3hierChild" presStyleCnt="0"/>
       <dgm:spPr/>
     </dgm:pt>
-    <dgm:pt modelId="{BE77D2EB-921B-4646-95AF-DAF066B44D90}" type="pres">
-      <dgm:prSet presAssocID="{37E28136-4E85-4708-8729-929B43DA8451}" presName="conn2-1" presStyleLbl="parChTrans1D3" presStyleIdx="5" presStyleCnt="7"/>
-      <dgm:spPr/>
-    </dgm:pt>
-    <dgm:pt modelId="{46D7795F-DCFC-4A13-9AFA-4B6903F6BB72}" type="pres">
-      <dgm:prSet presAssocID="{37E28136-4E85-4708-8729-929B43DA8451}" presName="connTx" presStyleLbl="parChTrans1D3" presStyleIdx="5" presStyleCnt="7"/>
-      <dgm:spPr/>
-    </dgm:pt>
-    <dgm:pt modelId="{43836257-942A-4A8C-8BFB-1D16B1C5B56A}" type="pres">
-      <dgm:prSet presAssocID="{6A5CBD22-4C12-4AD7-93CF-F51A3FAE426E}" presName="root2" presStyleCnt="0"/>
-      <dgm:spPr/>
-    </dgm:pt>
-    <dgm:pt modelId="{4F3C1AB7-372D-441C-8D51-C18D9E478C8C}" type="pres">
-      <dgm:prSet presAssocID="{6A5CBD22-4C12-4AD7-93CF-F51A3FAE426E}" presName="LevelTwoTextNode" presStyleLbl="node3" presStyleIdx="5" presStyleCnt="7" custScaleX="141794">
-        <dgm:presLayoutVars>
-          <dgm:chPref val="3"/>
-        </dgm:presLayoutVars>
-      </dgm:prSet>
-      <dgm:spPr/>
-    </dgm:pt>
-    <dgm:pt modelId="{4C0882D2-F673-4AA6-BA44-6F75B3D1C50E}" type="pres">
-      <dgm:prSet presAssocID="{6A5CBD22-4C12-4AD7-93CF-F51A3FAE426E}" presName="level3hierChild" presStyleCnt="0"/>
-      <dgm:spPr/>
-    </dgm:pt>
     <dgm:pt modelId="{B1D2D873-DDC4-4E5A-80D4-0C215CB7B964}" type="pres">
-      <dgm:prSet presAssocID="{FD6CF6E8-CDA6-415B-8ACD-25D0B8239B7A}" presName="conn2-1" presStyleLbl="parChTrans1D3" presStyleIdx="6" presStyleCnt="7"/>
+      <dgm:prSet presAssocID="{FD6CF6E8-CDA6-415B-8ACD-25D0B8239B7A}" presName="conn2-1" presStyleLbl="parChTrans1D3" presStyleIdx="4" presStyleCnt="5"/>
       <dgm:spPr/>
     </dgm:pt>
     <dgm:pt modelId="{3CD71F22-2B66-405B-80E8-DF1AD636F0D5}" type="pres">
-      <dgm:prSet presAssocID="{FD6CF6E8-CDA6-415B-8ACD-25D0B8239B7A}" presName="connTx" presStyleLbl="parChTrans1D3" presStyleIdx="6" presStyleCnt="7"/>
+      <dgm:prSet presAssocID="{FD6CF6E8-CDA6-415B-8ACD-25D0B8239B7A}" presName="connTx" presStyleLbl="parChTrans1D3" presStyleIdx="4" presStyleCnt="5"/>
       <dgm:spPr/>
     </dgm:pt>
     <dgm:pt modelId="{C754876D-25F3-4B9A-9C82-497A163A0C08}" type="pres">
@@ -14315,7 +14236,7 @@
       <dgm:spPr/>
     </dgm:pt>
     <dgm:pt modelId="{EB5649EF-3EFE-4EFD-ACEB-9AA0CF61005D}" type="pres">
-      <dgm:prSet presAssocID="{3AF01E80-F91C-48DA-8CDE-60ACB4858751}" presName="LevelTwoTextNode" presStyleLbl="node3" presStyleIdx="6" presStyleCnt="7" custScaleX="138873">
+      <dgm:prSet presAssocID="{3AF01E80-F91C-48DA-8CDE-60ACB4858751}" presName="LevelTwoTextNode" presStyleLbl="node3" presStyleIdx="4" presStyleCnt="5" custScaleX="166938" custLinFactNeighborX="-39778" custLinFactNeighborY="-4727">
         <dgm:presLayoutVars>
           <dgm:chPref val="3"/>
         </dgm:presLayoutVars>
@@ -14329,38 +14250,38 @@
   </dgm:ptLst>
   <dgm:cxnLst>
     <dgm:cxn modelId="{75BCAB00-3A6F-4463-A8F4-E745E027579E}" type="presOf" srcId="{78D91BEE-FD50-49A4-B7C2-2B5C804B169D}" destId="{36061A6A-E5BB-4709-97F7-151DBE9D9481}" srcOrd="1" destOrd="0" presId="urn:microsoft.com/office/officeart/2005/8/layout/hierarchy2"/>
-    <dgm:cxn modelId="{63BCBB01-7487-477C-BAD6-510656EF910A}" type="presOf" srcId="{5ADA8698-B657-42AD-9F6C-E6C76814F8EA}" destId="{BA31AFBF-81A5-44D4-AC4C-EAA30BD97607}" srcOrd="0" destOrd="0" presId="urn:microsoft.com/office/officeart/2005/8/layout/hierarchy2"/>
+    <dgm:cxn modelId="{F69B2E06-EBDA-4455-AE62-60330A7FB5D0}" type="presOf" srcId="{89171826-7EA3-46C8-8809-CFAF2773B130}" destId="{99C56D26-CAAC-49E5-A28D-6A5226D0479C}" srcOrd="1" destOrd="0" presId="urn:microsoft.com/office/officeart/2005/8/layout/hierarchy2"/>
     <dgm:cxn modelId="{6829CD08-FE6A-4892-A1B1-ABBD246318A8}" type="presOf" srcId="{CFB257AE-5AF0-4FA5-B21D-56B54F676CED}" destId="{D7CABE18-EABB-493F-BDDC-65D65FCDCB6A}" srcOrd="0" destOrd="0" presId="urn:microsoft.com/office/officeart/2005/8/layout/hierarchy2"/>
     <dgm:cxn modelId="{0FA7260A-1B21-4CFC-B3EF-45B5455B9EA7}" srcId="{FA9910B9-E649-42E8-868B-273289D0E353}" destId="{C1CCFCBE-4A5A-479B-BF3F-AD8C9FE711A2}" srcOrd="0" destOrd="0" parTransId="{F28CE0D4-BD0E-411B-A00F-C1FFCE753D8F}" sibTransId="{33C01F75-226B-4CA5-BFD6-25B55A5C231F}"/>
     <dgm:cxn modelId="{2A0E800F-076C-4BAA-846D-2B6D6ACC7BCD}" type="presOf" srcId="{8484AD76-197E-4712-AD0F-91FD2E2DF1D7}" destId="{A049FAE9-EC86-4E0C-BFEC-0E70521F35AA}" srcOrd="1" destOrd="0" presId="urn:microsoft.com/office/officeart/2005/8/layout/hierarchy2"/>
     <dgm:cxn modelId="{A9F2AD0F-7369-4689-B922-3874CB565230}" type="presOf" srcId="{C1CCFCBE-4A5A-479B-BF3F-AD8C9FE711A2}" destId="{6AD2A1DC-ACB3-4433-B28A-ACE2F755AB21}" srcOrd="0" destOrd="0" presId="urn:microsoft.com/office/officeart/2005/8/layout/hierarchy2"/>
     <dgm:cxn modelId="{5DE5FB10-F22D-4925-B511-63BED41E252D}" srcId="{125231D9-4D65-4554-8C9D-9A05F81A0FA3}" destId="{C1FFE42D-DBAA-484A-82CB-1CE8E98519CA}" srcOrd="2" destOrd="0" parTransId="{89DDAC0F-841C-47A8-80D5-54A3CA3B96C1}" sibTransId="{E3D0A2AE-6B38-415C-AE43-51DCFB6CF823}"/>
+    <dgm:cxn modelId="{52A0451B-00F7-4545-876B-999767EC51CC}" type="presOf" srcId="{7AB6B4C9-2AF8-4708-9B01-5FD61AA84113}" destId="{536D7B88-7DBF-4428-BCB6-BB77019910C1}" srcOrd="0" destOrd="0" presId="urn:microsoft.com/office/officeart/2005/8/layout/hierarchy2"/>
     <dgm:cxn modelId="{80F10222-E55F-4680-96DE-5174FC8C6DF8}" type="presOf" srcId="{4481C7DC-8A9A-4802-8EAE-8B96C927BFE0}" destId="{AA3920F3-A1B9-4439-8A55-165970809E80}" srcOrd="1" destOrd="0" presId="urn:microsoft.com/office/officeart/2005/8/layout/hierarchy2"/>
     <dgm:cxn modelId="{6234B528-4714-49F2-908E-3A5293F25979}" srcId="{125231D9-4D65-4554-8C9D-9A05F81A0FA3}" destId="{FA9910B9-E649-42E8-868B-273289D0E353}" srcOrd="1" destOrd="0" parTransId="{CFB257AE-5AF0-4FA5-B21D-56B54F676CED}" sibTransId="{A7AE395E-FBE9-4552-946C-723B7582E04A}"/>
     <dgm:cxn modelId="{8DD44829-1D57-4859-A788-C0DC39C7E76B}" type="presOf" srcId="{8EAD749C-82B1-401B-A5CA-81642422899F}" destId="{0F7764CD-6201-4FBA-80F0-2B6157E73D9D}" srcOrd="1" destOrd="0" presId="urn:microsoft.com/office/officeart/2005/8/layout/hierarchy2"/>
     <dgm:cxn modelId="{686FB62F-8148-40BC-A4BD-074FD9AF5CAB}" type="presOf" srcId="{78C5998D-FE26-43F7-9877-5C21257A60B1}" destId="{9CCEDB0B-BCA3-4B5D-A23F-83A5DA31E84C}" srcOrd="0" destOrd="0" presId="urn:microsoft.com/office/officeart/2005/8/layout/hierarchy2"/>
+    <dgm:cxn modelId="{1717FA33-A618-4E6D-B9AB-D9DB4E73FB98}" type="presOf" srcId="{0480398E-55FF-4BA3-944E-7AC21ADE8B81}" destId="{EA1DA6F6-97C6-4A40-A79F-5701C4FE8A69}" srcOrd="0" destOrd="0" presId="urn:microsoft.com/office/officeart/2005/8/layout/hierarchy2"/>
     <dgm:cxn modelId="{38303D3D-AB15-463E-8076-3AB7C4FAB1FB}" type="presOf" srcId="{C4F531C4-52C9-4D02-A25D-50ED06DE68F9}" destId="{429C267D-3B2F-4BAD-A287-3DFA4209626C}" srcOrd="0" destOrd="0" presId="urn:microsoft.com/office/officeart/2005/8/layout/hierarchy2"/>
     <dgm:cxn modelId="{4938C75C-7ED1-4C18-8A20-3E827D6B1691}" type="presOf" srcId="{FD6CF6E8-CDA6-415B-8ACD-25D0B8239B7A}" destId="{3CD71F22-2B66-405B-80E8-DF1AD636F0D5}" srcOrd="1" destOrd="0" presId="urn:microsoft.com/office/officeart/2005/8/layout/hierarchy2"/>
     <dgm:cxn modelId="{175D385E-2D98-43FD-98FE-41D70A540381}" type="presOf" srcId="{FA9910B9-E649-42E8-868B-273289D0E353}" destId="{6FB2F0C7-2C0C-4C85-9A5E-BE8C477DAFE0}" srcOrd="0" destOrd="0" presId="urn:microsoft.com/office/officeart/2005/8/layout/hierarchy2"/>
     <dgm:cxn modelId="{A7C8BB5F-B189-47D8-AE2F-52B36449F469}" type="presOf" srcId="{5D4D6E3C-1F98-4C83-821B-B37FC7F00235}" destId="{EBCBB933-A1B2-48FD-BE44-8B6B7EA64FFF}" srcOrd="1" destOrd="0" presId="urn:microsoft.com/office/officeart/2005/8/layout/hierarchy2"/>
     <dgm:cxn modelId="{F467DF41-99A4-4529-A18E-932A287F07DC}" type="presOf" srcId="{0F1195BD-0829-4B97-B93A-E923D3636052}" destId="{8C4C24DB-105B-490B-B9F0-096BB8F5F6E7}" srcOrd="1" destOrd="0" presId="urn:microsoft.com/office/officeart/2005/8/layout/hierarchy2"/>
-    <dgm:cxn modelId="{3BA1FD64-E2B5-4C89-A7C8-6B02694D5D47}" srcId="{125231D9-4D65-4554-8C9D-9A05F81A0FA3}" destId="{83C3E2DD-273B-4159-A124-52F41F65373D}" srcOrd="3" destOrd="0" parTransId="{5ADA8698-B657-42AD-9F6C-E6C76814F8EA}" sibTransId="{6A822E67-B212-478D-984D-A89279B7847A}"/>
-    <dgm:cxn modelId="{3F2A1F4B-80A3-4C2D-8065-CA9C35943E27}" type="presOf" srcId="{37E28136-4E85-4708-8729-929B43DA8451}" destId="{46D7795F-DCFC-4A13-9AFA-4B6903F6BB72}" srcOrd="1" destOrd="0" presId="urn:microsoft.com/office/officeart/2005/8/layout/hierarchy2"/>
+    <dgm:cxn modelId="{2EBF7B49-81BE-4E23-9076-964133AB3040}" srcId="{C1CCFCBE-4A5A-479B-BF3F-AD8C9FE711A2}" destId="{C807E162-25A6-44C5-AEEF-E7DC1BB48291}" srcOrd="1" destOrd="0" parTransId="{7AB6B4C9-2AF8-4708-9B01-5FD61AA84113}" sibTransId="{18BB8A59-CA34-40A1-86CB-219731653AA0}"/>
     <dgm:cxn modelId="{62C4894D-3491-4225-8B6D-9E100C77E762}" type="presOf" srcId="{50137255-07A9-495A-9CC3-41904E44E7EC}" destId="{B9D7ECF8-6AD6-4148-A693-2B258DF2319D}" srcOrd="1" destOrd="0" presId="urn:microsoft.com/office/officeart/2005/8/layout/hierarchy2"/>
+    <dgm:cxn modelId="{C8A3A154-2CE4-4711-8CFD-4579F83E01C1}" type="presOf" srcId="{89171826-7EA3-46C8-8809-CFAF2773B130}" destId="{026A437B-4BA4-4DB5-BB5D-82D7AE24A551}" srcOrd="0" destOrd="0" presId="urn:microsoft.com/office/officeart/2005/8/layout/hierarchy2"/>
     <dgm:cxn modelId="{CCB8E154-014A-4A87-9CEA-70AF54F3147C}" type="presOf" srcId="{50137255-07A9-495A-9CC3-41904E44E7EC}" destId="{4579FB1D-6B60-48B0-915D-DC5D0BD6A88D}" srcOrd="0" destOrd="0" presId="urn:microsoft.com/office/officeart/2005/8/layout/hierarchy2"/>
     <dgm:cxn modelId="{20035255-4CCF-4F44-9049-645E0AD0E213}" type="presOf" srcId="{AF27A531-FF0F-4D4C-A6B8-988F852100EA}" destId="{7D93B95D-C265-46D8-83EC-2A0C7D265526}" srcOrd="0" destOrd="0" presId="urn:microsoft.com/office/officeart/2005/8/layout/hierarchy2"/>
     <dgm:cxn modelId="{3F71A955-DAC1-4897-A0CC-A8549031C383}" type="presOf" srcId="{F28CE0D4-BD0E-411B-A00F-C1FFCE753D8F}" destId="{44F24B01-1B90-4B48-AB46-FA2F1A3F243D}" srcOrd="1" destOrd="0" presId="urn:microsoft.com/office/officeart/2005/8/layout/hierarchy2"/>
-    <dgm:cxn modelId="{A2F3117B-8889-424B-8B08-5ED9E7478E0F}" srcId="{125231D9-4D65-4554-8C9D-9A05F81A0FA3}" destId="{6A5CBD22-4C12-4AD7-93CF-F51A3FAE426E}" srcOrd="5" destOrd="0" parTransId="{37E28136-4E85-4708-8729-929B43DA8451}" sibTransId="{BEC757B5-D6B3-4859-8241-D21ADD6E4683}"/>
     <dgm:cxn modelId="{0AFD917C-6462-4F23-B775-CBBB26C6F9AF}" type="presOf" srcId="{3873061D-6DEC-483A-9624-F7B795CAD3A8}" destId="{D1C65CDF-4F3F-4122-9AC4-93A7C9FF5F2F}" srcOrd="0" destOrd="0" presId="urn:microsoft.com/office/officeart/2005/8/layout/hierarchy2"/>
     <dgm:cxn modelId="{735FCF85-124D-4C6D-9FA7-BBC0270FC859}" type="presOf" srcId="{89DDAC0F-841C-47A8-80D5-54A3CA3B96C1}" destId="{9FC7FC1F-D961-490E-AE2C-D2E1CA5585C2}" srcOrd="0" destOrd="0" presId="urn:microsoft.com/office/officeart/2005/8/layout/hierarchy2"/>
-    <dgm:cxn modelId="{D83CA886-E46C-4182-9E7C-E55ACD334B25}" type="presOf" srcId="{5ADA8698-B657-42AD-9F6C-E6C76814F8EA}" destId="{BD2CFC8C-F14A-431D-99DD-65B8FE63CCA7}" srcOrd="1" destOrd="0" presId="urn:microsoft.com/office/officeart/2005/8/layout/hierarchy2"/>
     <dgm:cxn modelId="{D4B6C889-F114-456C-8A24-33CBBC350E56}" type="presOf" srcId="{43FE33A2-BEBA-4D8E-B6D9-4199F65CD869}" destId="{EE2C633A-89B3-4F75-A4C4-8FCB426D0139}" srcOrd="1" destOrd="0" presId="urn:microsoft.com/office/officeart/2005/8/layout/hierarchy2"/>
     <dgm:cxn modelId="{D627FA8C-59F5-4C97-9ED8-91C7CD2EBB48}" type="presOf" srcId="{D8F496C0-6701-4FE7-9490-C4D0480B6ABF}" destId="{BD334316-DD7D-458C-9D46-E4FC13309E18}" srcOrd="0" destOrd="0" presId="urn:microsoft.com/office/officeart/2005/8/layout/hierarchy2"/>
     <dgm:cxn modelId="{3DC7D093-218A-43A7-A123-3A2819125CA3}" type="presOf" srcId="{0F1195BD-0829-4B97-B93A-E923D3636052}" destId="{FBB38B8E-507A-4248-BD57-FFFFBE166AEA}" srcOrd="0" destOrd="0" presId="urn:microsoft.com/office/officeart/2005/8/layout/hierarchy2"/>
     <dgm:cxn modelId="{95F60995-C357-49C0-AD5F-DB5F6B710A0D}" type="presOf" srcId="{89DDAC0F-841C-47A8-80D5-54A3CA3B96C1}" destId="{A8A4E30E-E73B-4020-B4A9-8C69EB391EB4}" srcOrd="1" destOrd="0" presId="urn:microsoft.com/office/officeart/2005/8/layout/hierarchy2"/>
     <dgm:cxn modelId="{8991E898-FEAD-4387-B486-4D5ED1B35CE3}" srcId="{B208289C-C0BF-4513-A83C-8BFC4FA02E86}" destId="{125231D9-4D65-4554-8C9D-9A05F81A0FA3}" srcOrd="0" destOrd="0" parTransId="{4481C7DC-8A9A-4802-8EAE-8B96C927BFE0}" sibTransId="{D7EA1DA6-B4D1-472C-AF51-EC8F8666E28C}"/>
     <dgm:cxn modelId="{66DD9A9A-F261-48E9-A2D2-00D6189EDB4E}" type="presOf" srcId="{43FE33A2-BEBA-4D8E-B6D9-4199F65CD869}" destId="{DA39F9D5-93C7-478D-A409-83598DBFEAE3}" srcOrd="0" destOrd="0" presId="urn:microsoft.com/office/officeart/2005/8/layout/hierarchy2"/>
-    <dgm:cxn modelId="{2B6F139B-5462-43B2-81DD-EB683C79C430}" srcId="{125231D9-4D65-4554-8C9D-9A05F81A0FA3}" destId="{598C30CA-82A4-488F-900B-5C58B3DCE83D}" srcOrd="4" destOrd="0" parTransId="{9225D294-100A-4C18-87D8-C462B91CE79D}" sibTransId="{63D63E95-DE76-4F54-B17F-BF2F5693B1E4}"/>
+    <dgm:cxn modelId="{2B6F139B-5462-43B2-81DD-EB683C79C430}" srcId="{125231D9-4D65-4554-8C9D-9A05F81A0FA3}" destId="{598C30CA-82A4-488F-900B-5C58B3DCE83D}" srcOrd="3" destOrd="0" parTransId="{9225D294-100A-4C18-87D8-C462B91CE79D}" sibTransId="{63D63E95-DE76-4F54-B17F-BF2F5693B1E4}"/>
     <dgm:cxn modelId="{169B139B-B209-47BA-B29D-EF229A50A3FC}" srcId="{C4F531C4-52C9-4D02-A25D-50ED06DE68F9}" destId="{AF27A531-FF0F-4D4C-A6B8-988F852100EA}" srcOrd="0" destOrd="0" parTransId="{78D91BEE-FD50-49A4-B7C2-2B5C804B169D}" sibTransId="{8D20633E-4177-442D-AE96-D07FF8AF9C53}"/>
     <dgm:cxn modelId="{73DF639C-6D30-4A64-B78A-24EF9A84A6F9}" srcId="{C1FFE42D-DBAA-484A-82CB-1CE8E98519CA}" destId="{C4F531C4-52C9-4D02-A25D-50ED06DE68F9}" srcOrd="0" destOrd="0" parTransId="{5D4D6E3C-1F98-4C83-821B-B37FC7F00235}" sibTransId="{42590B5E-BAE4-4277-869F-E112C8512197}"/>
     <dgm:cxn modelId="{EFA208AC-CE10-4FCF-9206-2BEB2F8245C8}" type="presOf" srcId="{5D4D6E3C-1F98-4C83-821B-B37FC7F00235}" destId="{A409E438-D312-40D9-BF72-7F329091FAB1}" srcOrd="0" destOrd="0" presId="urn:microsoft.com/office/officeart/2005/8/layout/hierarchy2"/>
@@ -14369,25 +14290,25 @@
     <dgm:cxn modelId="{FB3FCBB1-89C5-45B1-A682-15996B2FE5B2}" type="presOf" srcId="{9225D294-100A-4C18-87D8-C462B91CE79D}" destId="{8FAE8F5A-8B43-4490-994F-46632FBC8E81}" srcOrd="1" destOrd="0" presId="urn:microsoft.com/office/officeart/2005/8/layout/hierarchy2"/>
     <dgm:cxn modelId="{29A1C2B2-DEEE-4000-B136-B5F3306CA7F3}" type="presOf" srcId="{CFB257AE-5AF0-4FA5-B21D-56B54F676CED}" destId="{B255946B-0C0D-4CA9-B087-53448E695232}" srcOrd="1" destOrd="0" presId="urn:microsoft.com/office/officeart/2005/8/layout/hierarchy2"/>
     <dgm:cxn modelId="{F182A7BA-EB89-489B-8F39-E29971198CE6}" type="presOf" srcId="{AEB86B3C-107F-4A64-96C1-5BCE42D7EE9E}" destId="{E8FC3EEB-BF60-4D63-BC5B-CDABA61101FA}" srcOrd="0" destOrd="0" presId="urn:microsoft.com/office/officeart/2005/8/layout/hierarchy2"/>
-    <dgm:cxn modelId="{AF5EF4BA-61C8-4D71-BA36-942F693AB9A5}" type="presOf" srcId="{83C3E2DD-273B-4159-A124-52F41F65373D}" destId="{AAEAF31D-8120-4F68-AE2A-C69AA7AF3413}" srcOrd="0" destOrd="0" presId="urn:microsoft.com/office/officeart/2005/8/layout/hierarchy2"/>
     <dgm:cxn modelId="{90F712C8-E4FE-42E0-9D8E-EC9E5351C369}" srcId="{EA10627A-736D-4928-BBBB-246CA9419A70}" destId="{78C5998D-FE26-43F7-9877-5C21257A60B1}" srcOrd="0" destOrd="0" parTransId="{8484AD76-197E-4712-AD0F-91FD2E2DF1D7}" sibTransId="{14509EA2-3605-403A-9F71-1539AE853CD4}"/>
+    <dgm:cxn modelId="{872D12CA-35DF-46CD-9C24-67C5D9E88098}" srcId="{C1CCFCBE-4A5A-479B-BF3F-AD8C9FE711A2}" destId="{0480398E-55FF-4BA3-944E-7AC21ADE8B81}" srcOrd="0" destOrd="0" parTransId="{89171826-7EA3-46C8-8809-CFAF2773B130}" sibTransId="{36F6146E-F038-4097-9118-E4FC118E9D78}"/>
     <dgm:cxn modelId="{8BAE50D1-EC44-4111-A7A1-542034309937}" srcId="{125231D9-4D65-4554-8C9D-9A05F81A0FA3}" destId="{F9A24432-ED29-4EF3-BEBB-F3ECC0077F33}" srcOrd="0" destOrd="0" parTransId="{0F1195BD-0829-4B97-B93A-E923D3636052}" sibTransId="{D4A65DDA-00F4-425E-9133-9863542B7CEC}"/>
     <dgm:cxn modelId="{7235C7D1-9163-4B51-8447-4ACA21CF1938}" type="presOf" srcId="{4481C7DC-8A9A-4802-8EAE-8B96C927BFE0}" destId="{72024A7E-9ED3-4D20-9354-C67C913B9B47}" srcOrd="0" destOrd="0" presId="urn:microsoft.com/office/officeart/2005/8/layout/hierarchy2"/>
     <dgm:cxn modelId="{97031BD4-ECE4-479A-BDF1-C3FAD222B66B}" type="presOf" srcId="{3AF01E80-F91C-48DA-8CDE-60ACB4858751}" destId="{EB5649EF-3EFE-4EFD-ACEB-9AA0CF61005D}" srcOrd="0" destOrd="0" presId="urn:microsoft.com/office/officeart/2005/8/layout/hierarchy2"/>
     <dgm:cxn modelId="{2D3F1BD6-D809-4A6A-B2A0-FDC259F416CB}" type="presOf" srcId="{B208289C-C0BF-4513-A83C-8BFC4FA02E86}" destId="{2EE739FB-2FEA-4F47-8B4C-F04C9BD81CD2}" srcOrd="0" destOrd="0" presId="urn:microsoft.com/office/officeart/2005/8/layout/hierarchy2"/>
     <dgm:cxn modelId="{E521B8D7-2A98-4635-A349-93C18ABBEB98}" type="presOf" srcId="{8484AD76-197E-4712-AD0F-91FD2E2DF1D7}" destId="{E9E4D06E-67A1-43A3-800A-FA04194B9B93}" srcOrd="0" destOrd="0" presId="urn:microsoft.com/office/officeart/2005/8/layout/hierarchy2"/>
-    <dgm:cxn modelId="{A6DDCDD8-4049-4811-9A9E-B7173A301694}" type="presOf" srcId="{6A5CBD22-4C12-4AD7-93CF-F51A3FAE426E}" destId="{4F3C1AB7-372D-441C-8D51-C18D9E478C8C}" srcOrd="0" destOrd="0" presId="urn:microsoft.com/office/officeart/2005/8/layout/hierarchy2"/>
     <dgm:cxn modelId="{DD988DD9-9B44-406F-8C36-24B109BB2E07}" srcId="{C4F531C4-52C9-4D02-A25D-50ED06DE68F9}" destId="{D8F496C0-6701-4FE7-9490-C4D0480B6ABF}" srcOrd="1" destOrd="0" parTransId="{8EAD749C-82B1-401B-A5CA-81642422899F}" sibTransId="{2FACC6BA-F730-4EC6-B95B-CF49AC3462FA}"/>
     <dgm:cxn modelId="{4DD9A6DA-7132-48E5-A204-F3E46022A3B6}" type="presOf" srcId="{9225D294-100A-4C18-87D8-C462B91CE79D}" destId="{E33A1BC1-C3F9-48B2-85CD-7CFEF1033CF0}" srcOrd="0" destOrd="0" presId="urn:microsoft.com/office/officeart/2005/8/layout/hierarchy2"/>
     <dgm:cxn modelId="{D2E326DC-8ADF-4747-937B-1519267DB357}" srcId="{78C5998D-FE26-43F7-9877-5C21257A60B1}" destId="{AEB86B3C-107F-4A64-96C1-5BCE42D7EE9E}" srcOrd="0" destOrd="0" parTransId="{50137255-07A9-495A-9CC3-41904E44E7EC}" sibTransId="{2C29DF5E-D9B4-4B66-B49B-B5F783774DA4}"/>
-    <dgm:cxn modelId="{E4A8CEDD-36E7-44A8-BD79-0295FB094FA8}" srcId="{125231D9-4D65-4554-8C9D-9A05F81A0FA3}" destId="{3AF01E80-F91C-48DA-8CDE-60ACB4858751}" srcOrd="6" destOrd="0" parTransId="{FD6CF6E8-CDA6-415B-8ACD-25D0B8239B7A}" sibTransId="{6AC8902A-77B4-4141-AD7F-170A67FAC410}"/>
+    <dgm:cxn modelId="{E4A8CEDD-36E7-44A8-BD79-0295FB094FA8}" srcId="{125231D9-4D65-4554-8C9D-9A05F81A0FA3}" destId="{3AF01E80-F91C-48DA-8CDE-60ACB4858751}" srcOrd="4" destOrd="0" parTransId="{FD6CF6E8-CDA6-415B-8ACD-25D0B8239B7A}" sibTransId="{6AC8902A-77B4-4141-AD7F-170A67FAC410}"/>
     <dgm:cxn modelId="{5ACC1EE1-A88B-439C-A71F-98CA00CCC41E}" type="presOf" srcId="{F28CE0D4-BD0E-411B-A00F-C1FFCE753D8F}" destId="{6318FFFC-B2AA-4D33-BEA8-9F482648507E}" srcOrd="0" destOrd="0" presId="urn:microsoft.com/office/officeart/2005/8/layout/hierarchy2"/>
-    <dgm:cxn modelId="{C66CB9E5-BECE-414F-BB75-3242C7FC4862}" type="presOf" srcId="{37E28136-4E85-4708-8729-929B43DA8451}" destId="{BE77D2EB-921B-4646-95AF-DAF066B44D90}" srcOrd="0" destOrd="0" presId="urn:microsoft.com/office/officeart/2005/8/layout/hierarchy2"/>
     <dgm:cxn modelId="{6D6C50E7-552E-4777-B953-01EEEA66BA30}" type="presOf" srcId="{F9A24432-ED29-4EF3-BEBB-F3ECC0077F33}" destId="{9299130D-4FF0-4BAA-B7D5-84481393B614}" srcOrd="0" destOrd="0" presId="urn:microsoft.com/office/officeart/2005/8/layout/hierarchy2"/>
+    <dgm:cxn modelId="{9898EDE7-FA41-4C2E-A6F5-094931573576}" type="presOf" srcId="{7AB6B4C9-2AF8-4708-9B01-5FD61AA84113}" destId="{C7D39ADA-0AA2-442A-B997-2AF9F39436A8}" srcOrd="1" destOrd="0" presId="urn:microsoft.com/office/officeart/2005/8/layout/hierarchy2"/>
     <dgm:cxn modelId="{DC2C80E9-DEEA-4573-B6DC-E0FDF9109E7E}" type="presOf" srcId="{EA10627A-736D-4928-BBBB-246CA9419A70}" destId="{4A9521A1-870B-4233-808C-C7FE6969BEFC}" srcOrd="0" destOrd="0" presId="urn:microsoft.com/office/officeart/2005/8/layout/hierarchy2"/>
     <dgm:cxn modelId="{ABA5E7E9-93B7-4D75-B198-FF75D7990008}" type="presOf" srcId="{78D91BEE-FD50-49A4-B7C2-2B5C804B169D}" destId="{2F598430-8117-4D1E-B150-CF62666F75C1}" srcOrd="0" destOrd="0" presId="urn:microsoft.com/office/officeart/2005/8/layout/hierarchy2"/>
     <dgm:cxn modelId="{A532EEEE-1300-4E38-BD73-CB088DC88BCC}" type="presOf" srcId="{C1FFE42D-DBAA-484A-82CB-1CE8E98519CA}" destId="{307F28A0-ABE5-4572-9908-38856F3D8B63}" srcOrd="0" destOrd="0" presId="urn:microsoft.com/office/officeart/2005/8/layout/hierarchy2"/>
     <dgm:cxn modelId="{A942F8F2-5DA3-4988-91DD-DE999277939C}" srcId="{3873061D-6DEC-483A-9624-F7B795CAD3A8}" destId="{B208289C-C0BF-4513-A83C-8BFC4FA02E86}" srcOrd="0" destOrd="0" parTransId="{DFADF024-58D3-41F9-BD81-16C6E48DC0A2}" sibTransId="{AB65AF1F-7016-4121-8494-0D49B9CAE4B2}"/>
+    <dgm:cxn modelId="{502A6BF4-E02C-4280-A0B4-D12F5BCB69F6}" type="presOf" srcId="{C807E162-25A6-44C5-AEEF-E7DC1BB48291}" destId="{B4C5BA19-B763-4003-B638-93EC469CF86F}" srcOrd="0" destOrd="0" presId="urn:microsoft.com/office/officeart/2005/8/layout/hierarchy2"/>
     <dgm:cxn modelId="{9DFBCAF7-C301-4760-8781-BEDBD71DCDEC}" srcId="{F9A24432-ED29-4EF3-BEBB-F3ECC0077F33}" destId="{EA10627A-736D-4928-BBBB-246CA9419A70}" srcOrd="0" destOrd="0" parTransId="{43FE33A2-BEBA-4D8E-B6D9-4199F65CD869}" sibTransId="{851DA48C-0C64-420D-AE38-0AE88A543170}"/>
     <dgm:cxn modelId="{847662F9-98C6-4098-B51F-E658F5E04B2A}" type="presOf" srcId="{125231D9-4D65-4554-8C9D-9A05F81A0FA3}" destId="{3BDB36BE-223C-4BF0-A564-F2BD6C1743E4}" srcOrd="0" destOrd="0" presId="urn:microsoft.com/office/officeart/2005/8/layout/hierarchy2"/>
     <dgm:cxn modelId="{D7C670FE-CDB9-44AA-9927-A411D8C09DB1}" type="presOf" srcId="{598C30CA-82A4-488F-900B-5C58B3DCE83D}" destId="{12AEAC9B-0A26-4B0D-A122-A6A2669046EF}" srcOrd="0" destOrd="0" presId="urn:microsoft.com/office/officeart/2005/8/layout/hierarchy2"/>
@@ -14429,6 +14350,16 @@
     <dgm:cxn modelId="{E2B07FEF-F487-49BD-9106-1978190DFAC1}" type="presParOf" srcId="{DA44CF6E-834A-4B75-AE02-C6B70AB08469}" destId="{AC793A0C-007B-494C-A07E-0608B0D20FFA}" srcOrd="1" destOrd="0" presId="urn:microsoft.com/office/officeart/2005/8/layout/hierarchy2"/>
     <dgm:cxn modelId="{3BF191BC-CAEE-401B-A47F-E78FB372B925}" type="presParOf" srcId="{AC793A0C-007B-494C-A07E-0608B0D20FFA}" destId="{6AD2A1DC-ACB3-4433-B28A-ACE2F755AB21}" srcOrd="0" destOrd="0" presId="urn:microsoft.com/office/officeart/2005/8/layout/hierarchy2"/>
     <dgm:cxn modelId="{F3024F62-9FFB-471F-83A9-BC7B45F5F67F}" type="presParOf" srcId="{AC793A0C-007B-494C-A07E-0608B0D20FFA}" destId="{B08C2EEA-B557-4386-8FA2-A6D8CE7E4C07}" srcOrd="1" destOrd="0" presId="urn:microsoft.com/office/officeart/2005/8/layout/hierarchy2"/>
+    <dgm:cxn modelId="{28B6B899-F7A9-4F8E-B6AF-025C29B3AD20}" type="presParOf" srcId="{B08C2EEA-B557-4386-8FA2-A6D8CE7E4C07}" destId="{026A437B-4BA4-4DB5-BB5D-82D7AE24A551}" srcOrd="0" destOrd="0" presId="urn:microsoft.com/office/officeart/2005/8/layout/hierarchy2"/>
+    <dgm:cxn modelId="{6F8276A7-7BE4-429A-A3FD-1CE71EB0649C}" type="presParOf" srcId="{026A437B-4BA4-4DB5-BB5D-82D7AE24A551}" destId="{99C56D26-CAAC-49E5-A28D-6A5226D0479C}" srcOrd="0" destOrd="0" presId="urn:microsoft.com/office/officeart/2005/8/layout/hierarchy2"/>
+    <dgm:cxn modelId="{D32AE8B9-545D-47A2-92D1-D2837774891F}" type="presParOf" srcId="{B08C2EEA-B557-4386-8FA2-A6D8CE7E4C07}" destId="{974957FC-8E57-4AD1-80F9-2041FC73EA19}" srcOrd="1" destOrd="0" presId="urn:microsoft.com/office/officeart/2005/8/layout/hierarchy2"/>
+    <dgm:cxn modelId="{AD53E32E-B13D-4ED3-AA6B-0296341606DC}" type="presParOf" srcId="{974957FC-8E57-4AD1-80F9-2041FC73EA19}" destId="{EA1DA6F6-97C6-4A40-A79F-5701C4FE8A69}" srcOrd="0" destOrd="0" presId="urn:microsoft.com/office/officeart/2005/8/layout/hierarchy2"/>
+    <dgm:cxn modelId="{1D15817B-8A0A-4085-8153-9FD98CCDED2C}" type="presParOf" srcId="{974957FC-8E57-4AD1-80F9-2041FC73EA19}" destId="{FFFC672F-50A3-442D-BAC8-9420A4FF5877}" srcOrd="1" destOrd="0" presId="urn:microsoft.com/office/officeart/2005/8/layout/hierarchy2"/>
+    <dgm:cxn modelId="{F32870CE-F8BD-417B-93BB-71A9BF8FA8D1}" type="presParOf" srcId="{B08C2EEA-B557-4386-8FA2-A6D8CE7E4C07}" destId="{536D7B88-7DBF-4428-BCB6-BB77019910C1}" srcOrd="2" destOrd="0" presId="urn:microsoft.com/office/officeart/2005/8/layout/hierarchy2"/>
+    <dgm:cxn modelId="{F37129DE-89E1-4E02-872B-66061D5A2A31}" type="presParOf" srcId="{536D7B88-7DBF-4428-BCB6-BB77019910C1}" destId="{C7D39ADA-0AA2-442A-B997-2AF9F39436A8}" srcOrd="0" destOrd="0" presId="urn:microsoft.com/office/officeart/2005/8/layout/hierarchy2"/>
+    <dgm:cxn modelId="{9BC411A9-02FA-4A7C-859F-349BFB34A633}" type="presParOf" srcId="{B08C2EEA-B557-4386-8FA2-A6D8CE7E4C07}" destId="{46C6667B-04F5-4BBA-8224-6E60A56AF6E7}" srcOrd="3" destOrd="0" presId="urn:microsoft.com/office/officeart/2005/8/layout/hierarchy2"/>
+    <dgm:cxn modelId="{B31CEEC6-7E82-4BFF-98AD-FA4DB7B230BD}" type="presParOf" srcId="{46C6667B-04F5-4BBA-8224-6E60A56AF6E7}" destId="{B4C5BA19-B763-4003-B638-93EC469CF86F}" srcOrd="0" destOrd="0" presId="urn:microsoft.com/office/officeart/2005/8/layout/hierarchy2"/>
+    <dgm:cxn modelId="{C3BB7F82-A951-4ABC-A94C-914C31FCAD22}" type="presParOf" srcId="{46C6667B-04F5-4BBA-8224-6E60A56AF6E7}" destId="{087CE427-2E1C-43CC-B2D2-7DC3B3AFAA53}" srcOrd="1" destOrd="0" presId="urn:microsoft.com/office/officeart/2005/8/layout/hierarchy2"/>
     <dgm:cxn modelId="{336072D6-6F02-4073-A614-D0C105CE748B}" type="presParOf" srcId="{484AD0AA-3051-4A12-AD4D-EAD569FF15B3}" destId="{9FC7FC1F-D961-490E-AE2C-D2E1CA5585C2}" srcOrd="4" destOrd="0" presId="urn:microsoft.com/office/officeart/2005/8/layout/hierarchy2"/>
     <dgm:cxn modelId="{378B33ED-C3DE-429B-B877-2FEEFDA86C8C}" type="presParOf" srcId="{9FC7FC1F-D961-490E-AE2C-D2E1CA5585C2}" destId="{A8A4E30E-E73B-4020-B4A9-8C69EB391EB4}" srcOrd="0" destOrd="0" presId="urn:microsoft.com/office/officeart/2005/8/layout/hierarchy2"/>
     <dgm:cxn modelId="{C2707A0A-DB16-49B9-BA97-6A84AFC76B89}" type="presParOf" srcId="{484AD0AA-3051-4A12-AD4D-EAD569FF15B3}" destId="{56D0D165-749A-4168-8093-47F14B93ECCE}" srcOrd="5" destOrd="0" presId="urn:microsoft.com/office/officeart/2005/8/layout/hierarchy2"/>
@@ -14449,24 +14380,14 @@
     <dgm:cxn modelId="{A999A48F-2CA0-4174-87AD-AF4FC5AA14F6}" type="presParOf" srcId="{5FCD8EA9-CCBE-466F-BDB6-2E32BB1E954E}" destId="{C928CD19-0297-4F09-9C9F-6722660F334C}" srcOrd="3" destOrd="0" presId="urn:microsoft.com/office/officeart/2005/8/layout/hierarchy2"/>
     <dgm:cxn modelId="{11C38A08-228C-4A61-9291-85542E52AE5F}" type="presParOf" srcId="{C928CD19-0297-4F09-9C9F-6722660F334C}" destId="{BD334316-DD7D-458C-9D46-E4FC13309E18}" srcOrd="0" destOrd="0" presId="urn:microsoft.com/office/officeart/2005/8/layout/hierarchy2"/>
     <dgm:cxn modelId="{59C029A2-1BBF-4BAE-A805-772738510051}" type="presParOf" srcId="{C928CD19-0297-4F09-9C9F-6722660F334C}" destId="{648AB7C6-B6B6-479C-B325-71643517C7CE}" srcOrd="1" destOrd="0" presId="urn:microsoft.com/office/officeart/2005/8/layout/hierarchy2"/>
-    <dgm:cxn modelId="{C91A19CF-E073-496F-B6B3-A8796E6F0873}" type="presParOf" srcId="{484AD0AA-3051-4A12-AD4D-EAD569FF15B3}" destId="{BA31AFBF-81A5-44D4-AC4C-EAA30BD97607}" srcOrd="6" destOrd="0" presId="urn:microsoft.com/office/officeart/2005/8/layout/hierarchy2"/>
-    <dgm:cxn modelId="{0ACCA652-59CA-4885-87A0-AF7FB753DB9A}" type="presParOf" srcId="{BA31AFBF-81A5-44D4-AC4C-EAA30BD97607}" destId="{BD2CFC8C-F14A-431D-99DD-65B8FE63CCA7}" srcOrd="0" destOrd="0" presId="urn:microsoft.com/office/officeart/2005/8/layout/hierarchy2"/>
-    <dgm:cxn modelId="{29134578-5288-4F65-8EAC-EC6D36447C4C}" type="presParOf" srcId="{484AD0AA-3051-4A12-AD4D-EAD569FF15B3}" destId="{454D75A7-25DB-4731-8B48-7DE9BF01933D}" srcOrd="7" destOrd="0" presId="urn:microsoft.com/office/officeart/2005/8/layout/hierarchy2"/>
-    <dgm:cxn modelId="{7DC561C0-4155-4245-810C-484E59F80B4A}" type="presParOf" srcId="{454D75A7-25DB-4731-8B48-7DE9BF01933D}" destId="{AAEAF31D-8120-4F68-AE2A-C69AA7AF3413}" srcOrd="0" destOrd="0" presId="urn:microsoft.com/office/officeart/2005/8/layout/hierarchy2"/>
-    <dgm:cxn modelId="{E646E831-E334-42B3-A467-8AE4B2D58048}" type="presParOf" srcId="{454D75A7-25DB-4731-8B48-7DE9BF01933D}" destId="{18DC188E-8240-48C9-9606-6683F0EECB2C}" srcOrd="1" destOrd="0" presId="urn:microsoft.com/office/officeart/2005/8/layout/hierarchy2"/>
-    <dgm:cxn modelId="{575C9D90-2503-4E3B-83ED-A1D5D98B465A}" type="presParOf" srcId="{484AD0AA-3051-4A12-AD4D-EAD569FF15B3}" destId="{E33A1BC1-C3F9-48B2-85CD-7CFEF1033CF0}" srcOrd="8" destOrd="0" presId="urn:microsoft.com/office/officeart/2005/8/layout/hierarchy2"/>
+    <dgm:cxn modelId="{575C9D90-2503-4E3B-83ED-A1D5D98B465A}" type="presParOf" srcId="{484AD0AA-3051-4A12-AD4D-EAD569FF15B3}" destId="{E33A1BC1-C3F9-48B2-85CD-7CFEF1033CF0}" srcOrd="6" destOrd="0" presId="urn:microsoft.com/office/officeart/2005/8/layout/hierarchy2"/>
     <dgm:cxn modelId="{25A6422C-BDE8-47A4-B7BA-6297A629ABDC}" type="presParOf" srcId="{E33A1BC1-C3F9-48B2-85CD-7CFEF1033CF0}" destId="{8FAE8F5A-8B43-4490-994F-46632FBC8E81}" srcOrd="0" destOrd="0" presId="urn:microsoft.com/office/officeart/2005/8/layout/hierarchy2"/>
-    <dgm:cxn modelId="{86390571-1CF6-4D24-AF1E-01ED5C26B69A}" type="presParOf" srcId="{484AD0AA-3051-4A12-AD4D-EAD569FF15B3}" destId="{0BE7C14B-570C-45CF-A826-C661591A650D}" srcOrd="9" destOrd="0" presId="urn:microsoft.com/office/officeart/2005/8/layout/hierarchy2"/>
+    <dgm:cxn modelId="{86390571-1CF6-4D24-AF1E-01ED5C26B69A}" type="presParOf" srcId="{484AD0AA-3051-4A12-AD4D-EAD569FF15B3}" destId="{0BE7C14B-570C-45CF-A826-C661591A650D}" srcOrd="7" destOrd="0" presId="urn:microsoft.com/office/officeart/2005/8/layout/hierarchy2"/>
     <dgm:cxn modelId="{499E5FE8-C4F8-42EC-B2DF-DD210E6D05F5}" type="presParOf" srcId="{0BE7C14B-570C-45CF-A826-C661591A650D}" destId="{12AEAC9B-0A26-4B0D-A122-A6A2669046EF}" srcOrd="0" destOrd="0" presId="urn:microsoft.com/office/officeart/2005/8/layout/hierarchy2"/>
     <dgm:cxn modelId="{8350ACBD-E88C-4BCC-896C-0C579C303E7E}" type="presParOf" srcId="{0BE7C14B-570C-45CF-A826-C661591A650D}" destId="{A7795A26-93E0-4ACE-AEA5-03BAC7E04F08}" srcOrd="1" destOrd="0" presId="urn:microsoft.com/office/officeart/2005/8/layout/hierarchy2"/>
-    <dgm:cxn modelId="{176221F3-D543-4B3E-AC07-BC64D95584D3}" type="presParOf" srcId="{484AD0AA-3051-4A12-AD4D-EAD569FF15B3}" destId="{BE77D2EB-921B-4646-95AF-DAF066B44D90}" srcOrd="10" destOrd="0" presId="urn:microsoft.com/office/officeart/2005/8/layout/hierarchy2"/>
-    <dgm:cxn modelId="{86BB2B63-C81F-4EDC-AAE7-85EB242DCE86}" type="presParOf" srcId="{BE77D2EB-921B-4646-95AF-DAF066B44D90}" destId="{46D7795F-DCFC-4A13-9AFA-4B6903F6BB72}" srcOrd="0" destOrd="0" presId="urn:microsoft.com/office/officeart/2005/8/layout/hierarchy2"/>
-    <dgm:cxn modelId="{141E0E3F-3202-4763-B0CF-7972E2859F2C}" type="presParOf" srcId="{484AD0AA-3051-4A12-AD4D-EAD569FF15B3}" destId="{43836257-942A-4A8C-8BFB-1D16B1C5B56A}" srcOrd="11" destOrd="0" presId="urn:microsoft.com/office/officeart/2005/8/layout/hierarchy2"/>
-    <dgm:cxn modelId="{D837CB4C-1766-4846-84F4-5D925ADC3718}" type="presParOf" srcId="{43836257-942A-4A8C-8BFB-1D16B1C5B56A}" destId="{4F3C1AB7-372D-441C-8D51-C18D9E478C8C}" srcOrd="0" destOrd="0" presId="urn:microsoft.com/office/officeart/2005/8/layout/hierarchy2"/>
-    <dgm:cxn modelId="{743BB95C-B17E-4D28-96DB-C0C4590967FD}" type="presParOf" srcId="{43836257-942A-4A8C-8BFB-1D16B1C5B56A}" destId="{4C0882D2-F673-4AA6-BA44-6F75B3D1C50E}" srcOrd="1" destOrd="0" presId="urn:microsoft.com/office/officeart/2005/8/layout/hierarchy2"/>
-    <dgm:cxn modelId="{4DB1632E-AC40-4491-BF9B-C8B705264971}" type="presParOf" srcId="{484AD0AA-3051-4A12-AD4D-EAD569FF15B3}" destId="{B1D2D873-DDC4-4E5A-80D4-0C215CB7B964}" srcOrd="12" destOrd="0" presId="urn:microsoft.com/office/officeart/2005/8/layout/hierarchy2"/>
+    <dgm:cxn modelId="{4DB1632E-AC40-4491-BF9B-C8B705264971}" type="presParOf" srcId="{484AD0AA-3051-4A12-AD4D-EAD569FF15B3}" destId="{B1D2D873-DDC4-4E5A-80D4-0C215CB7B964}" srcOrd="8" destOrd="0" presId="urn:microsoft.com/office/officeart/2005/8/layout/hierarchy2"/>
     <dgm:cxn modelId="{0DECD9D1-A6E7-4A33-B86D-45358855022F}" type="presParOf" srcId="{B1D2D873-DDC4-4E5A-80D4-0C215CB7B964}" destId="{3CD71F22-2B66-405B-80E8-DF1AD636F0D5}" srcOrd="0" destOrd="0" presId="urn:microsoft.com/office/officeart/2005/8/layout/hierarchy2"/>
-    <dgm:cxn modelId="{579CAE5E-F98A-474C-B073-5C00DFD8973F}" type="presParOf" srcId="{484AD0AA-3051-4A12-AD4D-EAD569FF15B3}" destId="{C754876D-25F3-4B9A-9C82-497A163A0C08}" srcOrd="13" destOrd="0" presId="urn:microsoft.com/office/officeart/2005/8/layout/hierarchy2"/>
+    <dgm:cxn modelId="{579CAE5E-F98A-474C-B073-5C00DFD8973F}" type="presParOf" srcId="{484AD0AA-3051-4A12-AD4D-EAD569FF15B3}" destId="{C754876D-25F3-4B9A-9C82-497A163A0C08}" srcOrd="9" destOrd="0" presId="urn:microsoft.com/office/officeart/2005/8/layout/hierarchy2"/>
     <dgm:cxn modelId="{24A3CF0A-36B1-4B74-B028-DF46E0FB685E}" type="presParOf" srcId="{C754876D-25F3-4B9A-9C82-497A163A0C08}" destId="{EB5649EF-3EFE-4EFD-ACEB-9AA0CF61005D}" srcOrd="0" destOrd="0" presId="urn:microsoft.com/office/officeart/2005/8/layout/hierarchy2"/>
     <dgm:cxn modelId="{C47CC52A-86EE-4E9C-BBD9-E3883F063514}" type="presParOf" srcId="{C754876D-25F3-4B9A-9C82-497A163A0C08}" destId="{5FABCB78-B4DF-4503-AE3D-2A682109F770}" srcOrd="1" destOrd="0" presId="urn:microsoft.com/office/officeart/2005/8/layout/hierarchy2"/>
   </dgm:cxnLst>
@@ -18461,8 +18382,8 @@
       </dsp:nvSpPr>
       <dsp:spPr>
         <a:xfrm rot="5400000">
-          <a:off x="-215896" y="522393"/>
-          <a:ext cx="1439311" cy="1007518"/>
+          <a:off x="-220808" y="465279"/>
+          <a:ext cx="1472058" cy="1030441"/>
         </a:xfrm>
         <a:prstGeom prst="chevron">
           <a:avLst/>
@@ -18574,8 +18495,8 @@
         </a:p>
       </dsp:txBody>
       <dsp:txXfrm rot="-5400000">
-        <a:off x="1" y="810255"/>
-        <a:ext cx="1007518" cy="431793"/>
+        <a:off x="1" y="759692"/>
+        <a:ext cx="1030441" cy="441617"/>
       </dsp:txXfrm>
     </dsp:sp>
     <dsp:sp modelId="{0938595A-BF2F-4244-9125-F411A68F82D2}">
@@ -18585,8 +18506,8 @@
       </dsp:nvSpPr>
       <dsp:spPr>
         <a:xfrm rot="5400000">
-          <a:off x="3527376" y="-2442198"/>
-          <a:ext cx="1271650" cy="6341933"/>
+          <a:off x="3524426" y="-2483156"/>
+          <a:ext cx="1300582" cy="6319010"/>
         </a:xfrm>
         <a:prstGeom prst="round2SameRect">
           <a:avLst/>
@@ -18701,8 +18622,8 @@
         </a:p>
       </dsp:txBody>
       <dsp:txXfrm rot="-5400000">
-        <a:off x="992235" y="155020"/>
-        <a:ext cx="6279856" cy="1147496"/>
+        <a:off x="1015213" y="89546"/>
+        <a:ext cx="6255521" cy="1173604"/>
       </dsp:txXfrm>
     </dsp:sp>
     <dsp:sp modelId="{A9B15383-9A36-4085-A095-524CD0698BA7}">
@@ -18712,8 +18633,8 @@
       </dsp:nvSpPr>
       <dsp:spPr>
         <a:xfrm rot="5400000">
-          <a:off x="-200575" y="1766476"/>
-          <a:ext cx="1408668" cy="1007518"/>
+          <a:off x="-205138" y="1724676"/>
+          <a:ext cx="1440718" cy="1030441"/>
         </a:xfrm>
         <a:prstGeom prst="chevron">
           <a:avLst/>
@@ -18825,8 +18746,8 @@
         </a:p>
       </dsp:txBody>
       <dsp:txXfrm rot="-5400000">
-        <a:off x="0" y="2069660"/>
-        <a:ext cx="1007518" cy="401150"/>
+        <a:off x="1" y="2034759"/>
+        <a:ext cx="1030441" cy="410277"/>
       </dsp:txXfrm>
     </dsp:sp>
     <dsp:sp modelId="{C1AEAA9F-ACE1-40A1-8DC3-F7330ECB2233}">
@@ -18836,8 +18757,8 @@
       </dsp:nvSpPr>
       <dsp:spPr>
         <a:xfrm rot="5400000">
-          <a:off x="3620091" y="-989839"/>
-          <a:ext cx="1116788" cy="6341933"/>
+          <a:off x="3618848" y="-995073"/>
+          <a:ext cx="1142197" cy="6319010"/>
         </a:xfrm>
         <a:prstGeom prst="round2SameRect">
           <a:avLst/>
@@ -18954,22 +18875,7 @@
                 <a:srgbClr val="800080"/>
               </a:solidFill>
             </a:rPr>
-            <a:t>Clínica JA-02 Implementación del paradigma de objetos en JAVA  </a:t>
-          </a:r>
-          <a:br>
-            <a:rPr lang="es-ES" sz="1800" kern="1200" dirty="0">
-              <a:solidFill>
-                <a:srgbClr val="800080"/>
-              </a:solidFill>
-            </a:rPr>
-          </a:br>
-          <a:r>
-            <a:rPr lang="es-ES" sz="1800" kern="1200" dirty="0">
-              <a:solidFill>
-                <a:srgbClr val="800080"/>
-              </a:solidFill>
-            </a:rPr>
-            <a:t>   Nivel 2</a:t>
+            <a:t>Clínica JA-02 Implementación del paradigma de objetos en JAVA Nivel 2</a:t>
           </a:r>
           <a:endParaRPr lang="es-ES" sz="1800" kern="1200" dirty="0">
             <a:solidFill>
@@ -18982,8 +18888,8 @@
         </a:p>
       </dsp:txBody>
       <dsp:txXfrm rot="-5400000">
-        <a:off x="1007519" y="1677250"/>
-        <a:ext cx="6287416" cy="1007754"/>
+        <a:off x="1030442" y="1649090"/>
+        <a:ext cx="6263253" cy="1030683"/>
       </dsp:txXfrm>
     </dsp:sp>
     <dsp:sp modelId="{000368D7-70D7-41FE-9296-F728E7CA4FA6}">
@@ -18993,8 +18899,8 @@
       </dsp:nvSpPr>
       <dsp:spPr>
         <a:xfrm rot="5400000">
-          <a:off x="-215896" y="3488024"/>
-          <a:ext cx="1439311" cy="1007518"/>
+          <a:off x="-220808" y="3488073"/>
+          <a:ext cx="1472058" cy="1030441"/>
         </a:xfrm>
         <a:prstGeom prst="chevron">
           <a:avLst/>
@@ -19106,8 +19012,8 @@
         </a:p>
       </dsp:txBody>
       <dsp:txXfrm rot="-5400000">
-        <a:off x="1" y="3775886"/>
-        <a:ext cx="1007518" cy="431793"/>
+        <a:off x="1" y="3782486"/>
+        <a:ext cx="1030441" cy="441617"/>
       </dsp:txXfrm>
     </dsp:sp>
     <dsp:sp modelId="{817DB3CD-EA5A-4BA6-9BA5-E4105782A7BA}">
@@ -19117,8 +19023,8 @@
       </dsp:nvSpPr>
       <dsp:spPr>
         <a:xfrm rot="5400000">
-          <a:off x="3452847" y="523787"/>
-          <a:ext cx="1451276" cy="6341933"/>
+          <a:off x="3447798" y="540001"/>
+          <a:ext cx="1484295" cy="6319010"/>
         </a:xfrm>
         <a:prstGeom prst="round2SameRect">
           <a:avLst/>
@@ -19231,8 +19137,8 @@
         </a:p>
       </dsp:txBody>
       <dsp:txXfrm rot="-5400000">
-        <a:off x="1007519" y="3039961"/>
-        <a:ext cx="6271088" cy="1309586"/>
+        <a:off x="1030441" y="3029816"/>
+        <a:ext cx="6246553" cy="1339381"/>
       </dsp:txXfrm>
     </dsp:sp>
     <dsp:sp modelId="{11CAC0A4-B6F1-4680-B756-40D869915DE5}">
@@ -19242,8 +19148,8 @@
       </dsp:nvSpPr>
       <dsp:spPr>
         <a:xfrm rot="5400000">
-          <a:off x="-305688" y="4707829"/>
-          <a:ext cx="1618894" cy="1007518"/>
+          <a:off x="-312643" y="4738311"/>
+          <a:ext cx="1655727" cy="1030441"/>
         </a:xfrm>
         <a:prstGeom prst="chevron">
           <a:avLst/>
@@ -19355,8 +19261,8 @@
         </a:p>
       </dsp:txBody>
       <dsp:txXfrm rot="-5400000">
-        <a:off x="0" y="4905900"/>
-        <a:ext cx="1007518" cy="611376"/>
+        <a:off x="1" y="4940889"/>
+        <a:ext cx="1030441" cy="625286"/>
       </dsp:txXfrm>
     </dsp:sp>
     <dsp:sp modelId="{FED1CAC6-1B24-4A24-B56E-F9B4C731F626}">
@@ -19366,8 +19272,8 @@
       </dsp:nvSpPr>
       <dsp:spPr>
         <a:xfrm rot="5400000">
-          <a:off x="3565824" y="2030057"/>
-          <a:ext cx="1225321" cy="6341933"/>
+          <a:off x="3563346" y="2083222"/>
+          <a:ext cx="1253199" cy="6319010"/>
         </a:xfrm>
         <a:prstGeom prst="round2SameRect">
           <a:avLst/>
@@ -19482,8 +19388,8 @@
         </a:p>
       </dsp:txBody>
       <dsp:txXfrm rot="-5400000">
-        <a:off x="1007519" y="4648178"/>
-        <a:ext cx="6282118" cy="1105691"/>
+        <a:off x="1030441" y="4677303"/>
+        <a:ext cx="6257834" cy="1130847"/>
       </dsp:txXfrm>
     </dsp:sp>
   </dsp:spTree>
@@ -20260,7 +20166,7 @@
                 <a:srgbClr val="800080"/>
               </a:solidFill>
             </a:rPr>
-            <a:t>Clínica JA-03 Interfaces Visuales con JAVA Swing</a:t>
+            <a:t>Clínica JA-01 Implementación del paradigma de objetos en JAVA Nivel 1</a:t>
           </a:r>
           <a:endParaRPr lang="es-AR" sz="1800" kern="1200" dirty="0">
             <a:solidFill>
@@ -20804,8 +20710,8 @@
       </dsp:nvSpPr>
       <dsp:spPr>
         <a:xfrm rot="5400000">
-          <a:off x="-189369" y="323196"/>
-          <a:ext cx="1262462" cy="883723"/>
+          <a:off x="-213686" y="223231"/>
+          <a:ext cx="1417145" cy="992001"/>
         </a:xfrm>
         <a:prstGeom prst="chevron">
           <a:avLst/>
@@ -20917,8 +20823,8 @@
         </a:p>
       </dsp:txBody>
       <dsp:txXfrm rot="-5400000">
-        <a:off x="1" y="575689"/>
-        <a:ext cx="883723" cy="378739"/>
+        <a:off x="-1113" y="506660"/>
+        <a:ext cx="992001" cy="425144"/>
       </dsp:txXfrm>
     </dsp:sp>
     <dsp:sp modelId="{0938595A-BF2F-4244-9125-F411A68F82D2}">
@@ -20928,8 +20834,8 @@
       </dsp:nvSpPr>
       <dsp:spPr>
         <a:xfrm rot="5400000">
-          <a:off x="3847435" y="-2835239"/>
-          <a:ext cx="1115401" cy="7076935"/>
+          <a:off x="3832388" y="-2834502"/>
+          <a:ext cx="1252065" cy="6968657"/>
         </a:xfrm>
         <a:prstGeom prst="round2SameRect">
           <a:avLst/>
@@ -21041,8 +20947,8 @@
         </a:p>
       </dsp:txBody>
       <dsp:txXfrm rot="-5400000">
-        <a:off x="866669" y="199976"/>
-        <a:ext cx="7022486" cy="1006503"/>
+        <a:off x="974093" y="84914"/>
+        <a:ext cx="6907536" cy="1129823"/>
       </dsp:txXfrm>
     </dsp:sp>
     <dsp:sp modelId="{A9B15383-9A36-4085-A095-524CD0698BA7}">
@@ -21052,8 +20958,8 @@
       </dsp:nvSpPr>
       <dsp:spPr>
         <a:xfrm rot="5400000">
-          <a:off x="-301564" y="2058292"/>
-          <a:ext cx="1486852" cy="883723"/>
+          <a:off x="-339628" y="1865293"/>
+          <a:ext cx="1669028" cy="992001"/>
         </a:xfrm>
         <a:prstGeom prst="chevron">
           <a:avLst/>
@@ -21165,8 +21071,8 @@
         </a:p>
       </dsp:txBody>
       <dsp:txXfrm rot="-5400000">
-        <a:off x="1" y="2198590"/>
-        <a:ext cx="883723" cy="603129"/>
+        <a:off x="-1114" y="2022781"/>
+        <a:ext cx="992001" cy="677027"/>
       </dsp:txXfrm>
     </dsp:sp>
     <dsp:sp modelId="{C1AEAA9F-ACE1-40A1-8DC3-F7330ECB2233}">
@@ -21176,8 +21082,8 @@
       </dsp:nvSpPr>
       <dsp:spPr>
         <a:xfrm rot="5400000">
-          <a:off x="3489931" y="-1151011"/>
-          <a:ext cx="1864518" cy="7076935"/>
+          <a:off x="3734357" y="-1256321"/>
+          <a:ext cx="1481715" cy="6973117"/>
         </a:xfrm>
         <a:prstGeom prst="round2SameRect">
           <a:avLst/>
@@ -21286,7 +21192,7 @@
               <a:ea typeface="+mn-ea"/>
               <a:cs typeface="+mn-cs"/>
             </a:rPr>
-            <a:t>Clínica MO-02 Diagrama de Clases y su mapeo a Diagrama de Entidad Relación</a:t>
+            <a:t>Clínica MO-05 Diagrama de Clases y Diagrama de Secuencia</a:t>
           </a:r>
         </a:p>
         <a:p>
@@ -21334,7 +21240,22 @@
                 <a:srgbClr val="800080"/>
               </a:solidFill>
             </a:rPr>
-            <a:t>Clínica JA-02 Implementación del paradigma de objetos en JAVA Nivel 2</a:t>
+            <a:t>Clínica JA-02 Implementación del paradigma de objetos en </a:t>
+          </a:r>
+          <a:br>
+            <a:rPr lang="es-ES" sz="1800" kern="1200" dirty="0">
+              <a:solidFill>
+                <a:srgbClr val="800080"/>
+              </a:solidFill>
+            </a:rPr>
+          </a:br>
+          <a:r>
+            <a:rPr lang="es-ES" sz="1800" kern="1200" dirty="0">
+              <a:solidFill>
+                <a:srgbClr val="800080"/>
+              </a:solidFill>
+            </a:rPr>
+            <a:t>JAVA Nivel 2</a:t>
           </a:r>
           <a:endParaRPr lang="es-ES" sz="1800" kern="1200" dirty="0">
             <a:solidFill>
@@ -21345,8 +21266,8 @@
         </a:p>
       </dsp:txBody>
       <dsp:txXfrm rot="-5400000">
-        <a:off x="883723" y="1546215"/>
-        <a:ext cx="6985917" cy="1682482"/>
+        <a:off x="988657" y="1561710"/>
+        <a:ext cx="6900786" cy="1337053"/>
       </dsp:txXfrm>
     </dsp:sp>
     <dsp:sp modelId="{000368D7-70D7-41FE-9296-F728E7CA4FA6}">
@@ -21356,8 +21277,8 @@
       </dsp:nvSpPr>
       <dsp:spPr>
         <a:xfrm rot="5400000">
-          <a:off x="-189369" y="3738686"/>
-          <a:ext cx="1262462" cy="883723"/>
+          <a:off x="-213686" y="3551431"/>
+          <a:ext cx="1417145" cy="992001"/>
         </a:xfrm>
         <a:prstGeom prst="chevron">
           <a:avLst/>
@@ -21469,8 +21390,8 @@
         </a:p>
       </dsp:txBody>
       <dsp:txXfrm rot="-5400000">
-        <a:off x="1" y="3991179"/>
-        <a:ext cx="883723" cy="378739"/>
+        <a:off x="-1113" y="3834860"/>
+        <a:ext cx="992001" cy="425144"/>
       </dsp:txXfrm>
     </dsp:sp>
     <dsp:sp modelId="{817DB3CD-EA5A-4BA6-9BA5-E4105782A7BA}">
@@ -21480,8 +21401,8 @@
       </dsp:nvSpPr>
       <dsp:spPr>
         <a:xfrm rot="5400000">
-          <a:off x="3743357" y="543222"/>
-          <a:ext cx="1357666" cy="7076935"/>
+          <a:off x="3913354" y="452132"/>
+          <a:ext cx="1123722" cy="6968657"/>
         </a:xfrm>
         <a:prstGeom prst="round2SameRect">
           <a:avLst/>
@@ -21602,8 +21523,8 @@
         </a:p>
       </dsp:txBody>
       <dsp:txXfrm rot="-5400000">
-        <a:off x="883723" y="3469132"/>
-        <a:ext cx="7010659" cy="1225114"/>
+        <a:off x="990887" y="3429455"/>
+        <a:ext cx="6913801" cy="1014010"/>
       </dsp:txXfrm>
     </dsp:sp>
     <dsp:sp modelId="{773CF87D-C8B9-4348-A77A-DAA413431F8C}">
@@ -21613,8 +21534,8 @@
       </dsp:nvSpPr>
       <dsp:spPr>
         <a:xfrm rot="5400000">
-          <a:off x="-189369" y="5147529"/>
-          <a:ext cx="1262462" cy="883723"/>
+          <a:off x="-213686" y="5132892"/>
+          <a:ext cx="1417145" cy="992001"/>
         </a:xfrm>
         <a:prstGeom prst="chevron">
           <a:avLst/>
@@ -21729,8 +21650,8 @@
         </a:p>
       </dsp:txBody>
       <dsp:txXfrm rot="-5400000">
-        <a:off x="1" y="5400022"/>
-        <a:ext cx="883723" cy="378739"/>
+        <a:off x="-1113" y="5416321"/>
+        <a:ext cx="992001" cy="425144"/>
       </dsp:txXfrm>
     </dsp:sp>
     <dsp:sp modelId="{FF91D5B6-B368-4BB5-9390-CF6377E6C789}">
@@ -21740,8 +21661,8 @@
       </dsp:nvSpPr>
       <dsp:spPr>
         <a:xfrm rot="5400000">
-          <a:off x="3759942" y="2001908"/>
-          <a:ext cx="1324498" cy="7076935"/>
+          <a:off x="3731824" y="2114596"/>
+          <a:ext cx="1486782" cy="6918552"/>
         </a:xfrm>
         <a:prstGeom prst="round2SameRect">
           <a:avLst/>
@@ -21844,15 +21765,12 @@
               <a:solidFill>
                 <a:srgbClr val="800080"/>
               </a:solidFill>
+              <a:latin typeface="Calibri" panose="020F0502020204030204"/>
+              <a:ea typeface="+mn-ea"/>
+              <a:cs typeface="+mn-cs"/>
             </a:rPr>
-            <a:t>Clínica MO-05 Diagrama de Clases y Diagrama de Secuencia</a:t>
+            <a:t>Clínica MO-04 Modelado de Clases con Generalización, Realización y Composición</a:t>
           </a:r>
-          <a:endParaRPr lang="es-ES" sz="1800" kern="1200" dirty="0">
-            <a:solidFill>
-              <a:srgbClr val="800080"/>
-            </a:solidFill>
-            <a:latin typeface="+mn-lt"/>
-          </a:endParaRPr>
         </a:p>
         <a:p>
           <a:pPr marL="171450" lvl="1" indent="-171450" algn="l" defTabSz="800100">
@@ -21902,7 +21820,39 @@
                 <a:srgbClr val="800080"/>
               </a:solidFill>
             </a:rPr>
-            <a:t>Clínica JA-03 Interfaces Visuales con JAVA Swing</a:t>
+            <a:t>Clínica BD-01 </a:t>
+          </a:r>
+          <a:r>
+            <a:rPr lang="es-ES" sz="1800" kern="1200" dirty="0" err="1">
+              <a:solidFill>
+                <a:srgbClr val="800080"/>
+              </a:solidFill>
+            </a:rPr>
+            <a:t>MySQL</a:t>
+          </a:r>
+          <a:r>
+            <a:rPr lang="es-ES" sz="1800" kern="1200" dirty="0">
+              <a:solidFill>
+                <a:srgbClr val="800080"/>
+              </a:solidFill>
+            </a:rPr>
+            <a:t> </a:t>
+          </a:r>
+          <a:r>
+            <a:rPr lang="es-ES" sz="1800" kern="1200" dirty="0" err="1">
+              <a:solidFill>
+                <a:srgbClr val="800080"/>
+              </a:solidFill>
+            </a:rPr>
+            <a:t>Workbench</a:t>
+          </a:r>
+          <a:r>
+            <a:rPr lang="es-ES" sz="1800" kern="1200" dirty="0">
+              <a:solidFill>
+                <a:srgbClr val="800080"/>
+              </a:solidFill>
+            </a:rPr>
+            <a:t> con DER</a:t>
           </a:r>
           <a:endParaRPr lang="es-AR" sz="1800" kern="1200" dirty="0">
             <a:solidFill>
@@ -21915,8 +21865,8 @@
         </a:p>
       </dsp:txBody>
       <dsp:txXfrm rot="-5400000">
-        <a:off x="883724" y="4942784"/>
-        <a:ext cx="7012278" cy="1195184"/>
+        <a:off x="1015940" y="4903060"/>
+        <a:ext cx="6845973" cy="1341624"/>
       </dsp:txXfrm>
     </dsp:sp>
   </dsp:spTree>
@@ -21938,8 +21888,8 @@
       </dsp:nvSpPr>
       <dsp:spPr>
         <a:xfrm>
-          <a:off x="8650" y="2292876"/>
-          <a:ext cx="1241999" cy="620999"/>
+          <a:off x="0" y="1923496"/>
+          <a:ext cx="1310576" cy="655288"/>
         </a:xfrm>
         <a:prstGeom prst="roundRect">
           <a:avLst>
@@ -21947,8 +21897,7 @@
           </a:avLst>
         </a:prstGeom>
         <a:solidFill>
-          <a:schemeClr val="accent1">
-            <a:shade val="80000"/>
+          <a:schemeClr val="accent4">
             <a:hueOff val="0"/>
             <a:satOff val="0"/>
             <a:lumOff val="0"/>
@@ -22001,7 +21950,7 @@
             <a:buNone/>
           </a:pPr>
           <a:r>
-            <a:rPr lang="es-US" sz="1200" b="1" kern="1200" dirty="0">
+            <a:rPr lang="es-US" sz="1200" b="1" kern="1200">
               <a:solidFill>
                 <a:schemeClr val="tx1"/>
               </a:solidFill>
@@ -22016,8 +21965,8 @@
         </a:p>
       </dsp:txBody>
       <dsp:txXfrm>
-        <a:off x="26838" y="2311064"/>
-        <a:ext cx="1205623" cy="584623"/>
+        <a:off x="19193" y="1942689"/>
+        <a:ext cx="1272190" cy="616902"/>
       </dsp:txXfrm>
     </dsp:sp>
     <dsp:sp modelId="{72024A7E-9ED3-4D20-9354-C67C913B9B47}">
@@ -22026,9 +21975,9 @@
         <dsp:cNvSpPr/>
       </dsp:nvSpPr>
       <dsp:spPr>
-        <a:xfrm>
-          <a:off x="1250650" y="2592641"/>
-          <a:ext cx="496799" cy="21468"/>
+        <a:xfrm rot="562356">
+          <a:off x="1308918" y="2260032"/>
+          <a:ext cx="248307" cy="22653"/>
         </a:xfrm>
         <a:custGeom>
           <a:avLst/>
@@ -22039,10 +21988,10 @@
           <a:pathLst>
             <a:path>
               <a:moveTo>
-                <a:pt x="0" y="10734"/>
+                <a:pt x="0" y="11326"/>
               </a:moveTo>
               <a:lnTo>
-                <a:pt x="496799" y="10734"/>
+                <a:pt x="248307" y="11326"/>
               </a:lnTo>
             </a:path>
           </a:pathLst>
@@ -22050,8 +21999,7 @@
         <a:noFill/>
         <a:ln w="15875" cap="flat" cmpd="sng" algn="ctr">
           <a:solidFill>
-            <a:schemeClr val="accent1">
-              <a:tint val="99000"/>
+            <a:schemeClr val="accent6">
               <a:hueOff val="0"/>
               <a:satOff val="0"/>
               <a:lumOff val="0"/>
@@ -22092,12 +22040,16 @@
             </a:spcAft>
             <a:buNone/>
           </a:pPr>
-          <a:endParaRPr lang="es-AR" sz="500" kern="1200"/>
+          <a:endParaRPr lang="es-AR" sz="500" kern="1200">
+            <a:solidFill>
+              <a:schemeClr val="tx1"/>
+            </a:solidFill>
+          </a:endParaRPr>
         </a:p>
       </dsp:txBody>
       <dsp:txXfrm>
-        <a:off x="1486630" y="2590956"/>
-        <a:ext cx="24839" cy="24839"/>
+        <a:off x="1426864" y="2265151"/>
+        <a:ext cx="12415" cy="12415"/>
       </dsp:txXfrm>
     </dsp:sp>
     <dsp:sp modelId="{3BDB36BE-223C-4BF0-A564-F2BD6C1743E4}">
@@ -22107,8 +22059,8 @@
       </dsp:nvSpPr>
       <dsp:spPr>
         <a:xfrm>
-          <a:off x="1747450" y="2292876"/>
-          <a:ext cx="1576072" cy="620999"/>
+          <a:off x="1555568" y="1963934"/>
+          <a:ext cx="1663095" cy="655288"/>
         </a:xfrm>
         <a:prstGeom prst="roundRect">
           <a:avLst>
@@ -22116,8 +22068,7 @@
           </a:avLst>
         </a:prstGeom>
         <a:solidFill>
-          <a:schemeClr val="accent1">
-            <a:tint val="99000"/>
+          <a:schemeClr val="accent6">
             <a:hueOff val="0"/>
             <a:satOff val="0"/>
             <a:lumOff val="0"/>
@@ -22185,8 +22136,8 @@
         </a:p>
       </dsp:txBody>
       <dsp:txXfrm>
-        <a:off x="1765638" y="2311064"/>
-        <a:ext cx="1539696" cy="584623"/>
+        <a:off x="1574761" y="1983127"/>
+        <a:ext cx="1624709" cy="616902"/>
       </dsp:txXfrm>
     </dsp:sp>
     <dsp:sp modelId="{FBB38B8E-507A-4248-BD57-FFFFBE166AEA}">
@@ -22195,9 +22146,9 @@
         <dsp:cNvSpPr/>
       </dsp:nvSpPr>
       <dsp:spPr>
-        <a:xfrm rot="16937442">
-          <a:off x="2405023" y="1452487"/>
-          <a:ext cx="2333798" cy="21468"/>
+        <a:xfrm rot="16976771">
+          <a:off x="2436818" y="1298284"/>
+          <a:ext cx="2015157" cy="22653"/>
         </a:xfrm>
         <a:custGeom>
           <a:avLst/>
@@ -22208,10 +22159,10 @@
           <a:pathLst>
             <a:path>
               <a:moveTo>
-                <a:pt x="0" y="10734"/>
+                <a:pt x="0" y="11326"/>
               </a:moveTo>
               <a:lnTo>
-                <a:pt x="2333798" y="10734"/>
+                <a:pt x="2015157" y="11326"/>
               </a:lnTo>
             </a:path>
           </a:pathLst>
@@ -22220,7 +22171,6 @@
         <a:ln w="15875" cap="flat" cmpd="sng" algn="ctr">
           <a:solidFill>
             <a:schemeClr val="accent1">
-              <a:tint val="80000"/>
               <a:hueOff val="0"/>
               <a:satOff val="0"/>
               <a:lumOff val="0"/>
@@ -22269,8 +22219,8 @@
         </a:p>
       </dsp:txBody>
       <dsp:txXfrm>
-        <a:off x="3513577" y="1404876"/>
-        <a:ext cx="116689" cy="116689"/>
+        <a:off x="3394018" y="1259232"/>
+        <a:ext cx="100757" cy="100757"/>
       </dsp:txXfrm>
     </dsp:sp>
     <dsp:sp modelId="{9299130D-4FF0-4BAA-B7D5-84481393B614}">
@@ -22280,8 +22230,8 @@
       </dsp:nvSpPr>
       <dsp:spPr>
         <a:xfrm>
-          <a:off x="3820322" y="12567"/>
-          <a:ext cx="1625082" cy="620999"/>
+          <a:off x="3670131" y="0"/>
+          <a:ext cx="1714810" cy="655288"/>
         </a:xfrm>
         <a:prstGeom prst="roundRect">
           <a:avLst>
@@ -22290,7 +22240,6 @@
         </a:prstGeom>
         <a:solidFill>
           <a:schemeClr val="accent1">
-            <a:tint val="80000"/>
             <a:hueOff val="0"/>
             <a:satOff val="0"/>
             <a:lumOff val="0"/>
@@ -22358,8 +22307,8 @@
         </a:p>
       </dsp:txBody>
       <dsp:txXfrm>
-        <a:off x="3838510" y="30755"/>
-        <a:ext cx="1588706" cy="584623"/>
+        <a:off x="3689324" y="19193"/>
+        <a:ext cx="1676424" cy="616902"/>
       </dsp:txXfrm>
     </dsp:sp>
     <dsp:sp modelId="{DA39F9D5-93C7-478D-A409-83598DBFEAE3}">
@@ -22369,8 +22318,8 @@
       </dsp:nvSpPr>
       <dsp:spPr>
         <a:xfrm>
-          <a:off x="5445404" y="312333"/>
-          <a:ext cx="496799" cy="21468"/>
+          <a:off x="5384941" y="316317"/>
+          <a:ext cx="1263710" cy="22653"/>
         </a:xfrm>
         <a:custGeom>
           <a:avLst/>
@@ -22381,10 +22330,10 @@
           <a:pathLst>
             <a:path>
               <a:moveTo>
-                <a:pt x="0" y="10734"/>
+                <a:pt x="0" y="11326"/>
               </a:moveTo>
               <a:lnTo>
-                <a:pt x="496799" y="10734"/>
+                <a:pt x="1263710" y="11326"/>
               </a:lnTo>
             </a:path>
           </a:pathLst>
@@ -22392,8 +22341,7 @@
         <a:noFill/>
         <a:ln w="15875" cap="flat" cmpd="sng" algn="ctr">
           <a:solidFill>
-            <a:schemeClr val="accent1">
-              <a:tint val="70000"/>
+            <a:schemeClr val="accent2">
               <a:hueOff val="0"/>
               <a:satOff val="0"/>
               <a:lumOff val="0"/>
@@ -22442,8 +22390,8 @@
         </a:p>
       </dsp:txBody>
       <dsp:txXfrm>
-        <a:off x="5681384" y="310647"/>
-        <a:ext cx="24839" cy="24839"/>
+        <a:off x="5985203" y="296051"/>
+        <a:ext cx="63185" cy="63185"/>
       </dsp:txXfrm>
     </dsp:sp>
     <dsp:sp modelId="{4A9521A1-870B-4233-808C-C7FE6969BEFC}">
@@ -22453,8 +22401,8 @@
       </dsp:nvSpPr>
       <dsp:spPr>
         <a:xfrm>
-          <a:off x="5942204" y="12567"/>
-          <a:ext cx="1606650" cy="620999"/>
+          <a:off x="6648651" y="0"/>
+          <a:ext cx="1695361" cy="655288"/>
         </a:xfrm>
         <a:prstGeom prst="roundRect">
           <a:avLst>
@@ -22462,8 +22410,7 @@
           </a:avLst>
         </a:prstGeom>
         <a:solidFill>
-          <a:schemeClr val="accent1">
-            <a:tint val="70000"/>
+          <a:schemeClr val="accent2">
             <a:hueOff val="0"/>
             <a:satOff val="0"/>
             <a:lumOff val="0"/>
@@ -22526,8 +22473,8 @@
         </a:p>
       </dsp:txBody>
       <dsp:txXfrm>
-        <a:off x="5960392" y="30755"/>
-        <a:ext cx="1570274" cy="584623"/>
+        <a:off x="6667844" y="19193"/>
+        <a:ext cx="1656975" cy="616902"/>
       </dsp:txXfrm>
     </dsp:sp>
     <dsp:sp modelId="{E9E4D06E-67A1-43A3-800A-FA04194B9B93}">
@@ -22536,9 +22483,9 @@
         <dsp:cNvSpPr/>
       </dsp:nvSpPr>
       <dsp:spPr>
-        <a:xfrm rot="21483092">
-          <a:off x="7548748" y="306049"/>
-          <a:ext cx="369634" cy="21468"/>
+        <a:xfrm rot="37518">
+          <a:off x="8343978" y="322634"/>
+          <a:ext cx="1157635" cy="22653"/>
         </a:xfrm>
         <a:custGeom>
           <a:avLst/>
@@ -22549,10 +22496,10 @@
           <a:pathLst>
             <a:path>
               <a:moveTo>
-                <a:pt x="0" y="10734"/>
+                <a:pt x="0" y="11326"/>
               </a:moveTo>
               <a:lnTo>
-                <a:pt x="369634" y="10734"/>
+                <a:pt x="1157635" y="11326"/>
               </a:lnTo>
             </a:path>
           </a:pathLst>
@@ -22560,8 +22507,7 @@
         <a:noFill/>
         <a:ln w="15875" cap="flat" cmpd="sng" algn="ctr">
           <a:solidFill>
-            <a:schemeClr val="accent1">
-              <a:tint val="70000"/>
+            <a:schemeClr val="accent2">
               <a:hueOff val="0"/>
               <a:satOff val="0"/>
               <a:lumOff val="0"/>
@@ -22610,8 +22556,8 @@
         </a:p>
       </dsp:txBody>
       <dsp:txXfrm>
-        <a:off x="7724324" y="307542"/>
-        <a:ext cx="18481" cy="18481"/>
+        <a:off x="8893855" y="305020"/>
+        <a:ext cx="57881" cy="57881"/>
       </dsp:txXfrm>
     </dsp:sp>
     <dsp:sp modelId="{9CCEDB0B-BCA3-4B5D-A23F-83A5DA31E84C}">
@@ -22621,8 +22567,8 @@
       </dsp:nvSpPr>
       <dsp:spPr>
         <a:xfrm>
-          <a:off x="7918275" y="0"/>
-          <a:ext cx="1420139" cy="620999"/>
+          <a:off x="9501579" y="12633"/>
+          <a:ext cx="1498552" cy="655288"/>
         </a:xfrm>
         <a:prstGeom prst="roundRect">
           <a:avLst>
@@ -22630,8 +22576,7 @@
           </a:avLst>
         </a:prstGeom>
         <a:solidFill>
-          <a:schemeClr val="accent1">
-            <a:tint val="70000"/>
+          <a:schemeClr val="accent2">
             <a:hueOff val="0"/>
             <a:satOff val="0"/>
             <a:lumOff val="0"/>
@@ -22699,8 +22644,8 @@
         </a:p>
       </dsp:txBody>
       <dsp:txXfrm>
-        <a:off x="7936463" y="18188"/>
-        <a:ext cx="1383763" cy="584623"/>
+        <a:off x="9520772" y="31826"/>
+        <a:ext cx="1460166" cy="616902"/>
       </dsp:txXfrm>
     </dsp:sp>
     <dsp:sp modelId="{4579FB1D-6B60-48B0-915D-DC5D0BD6A88D}">
@@ -22709,9 +22654,9 @@
         <dsp:cNvSpPr/>
       </dsp:nvSpPr>
       <dsp:spPr>
-        <a:xfrm rot="69209">
-          <a:off x="9338352" y="306049"/>
-          <a:ext cx="624305" cy="21468"/>
+        <a:xfrm rot="6211365">
+          <a:off x="9762022" y="1304599"/>
+          <a:ext cx="2006935" cy="22653"/>
         </a:xfrm>
         <a:custGeom>
           <a:avLst/>
@@ -22722,10 +22667,10 @@
           <a:pathLst>
             <a:path>
               <a:moveTo>
-                <a:pt x="0" y="10734"/>
+                <a:pt x="0" y="11326"/>
               </a:moveTo>
               <a:lnTo>
-                <a:pt x="624305" y="10734"/>
+                <a:pt x="2006935" y="11326"/>
               </a:lnTo>
             </a:path>
           </a:pathLst>
@@ -22733,8 +22678,7 @@
         <a:noFill/>
         <a:ln w="15875" cap="flat" cmpd="sng" algn="ctr">
           <a:solidFill>
-            <a:schemeClr val="accent1">
-              <a:tint val="70000"/>
+            <a:schemeClr val="accent2">
               <a:hueOff val="0"/>
               <a:satOff val="0"/>
               <a:lumOff val="0"/>
@@ -22782,9 +22726,9 @@
           </a:endParaRPr>
         </a:p>
       </dsp:txBody>
-      <dsp:txXfrm>
-        <a:off x="9634897" y="301176"/>
-        <a:ext cx="31215" cy="31215"/>
+      <dsp:txXfrm rot="10800000">
+        <a:off x="10715316" y="1265753"/>
+        <a:ext cx="100346" cy="100346"/>
       </dsp:txXfrm>
     </dsp:sp>
     <dsp:sp modelId="{E8FC3EEB-BF60-4D63-BC5B-CDABA61101FA}">
@@ -22794,8 +22738,8 @@
       </dsp:nvSpPr>
       <dsp:spPr>
         <a:xfrm>
-          <a:off x="9962594" y="12567"/>
-          <a:ext cx="1716207" cy="620999"/>
+          <a:off x="10530847" y="1904375"/>
+          <a:ext cx="1349775" cy="774399"/>
         </a:xfrm>
         <a:prstGeom prst="roundRect">
           <a:avLst>
@@ -22803,8 +22747,7 @@
           </a:avLst>
         </a:prstGeom>
         <a:solidFill>
-          <a:schemeClr val="accent1">
-            <a:tint val="70000"/>
+          <a:schemeClr val="accent2">
             <a:hueOff val="0"/>
             <a:satOff val="0"/>
             <a:lumOff val="0"/>
@@ -22857,7 +22800,7 @@
             <a:buNone/>
           </a:pPr>
           <a:r>
-            <a:rPr lang="es-AR" sz="1200" b="1" kern="1200" dirty="0">
+            <a:rPr lang="es-AR" sz="1200" b="1" kern="1200">
               <a:solidFill>
                 <a:schemeClr val="tx1"/>
               </a:solidFill>
@@ -22865,14 +22808,14 @@
             <a:t>JA-04 Integración de JAVA con MySQL </a:t>
           </a:r>
           <a:br>
-            <a:rPr lang="es-AR" sz="1200" b="1" kern="1200" dirty="0">
+            <a:rPr lang="es-AR" sz="1200" b="1" kern="1200">
               <a:solidFill>
                 <a:schemeClr val="tx1"/>
               </a:solidFill>
             </a:rPr>
           </a:br>
           <a:r>
-            <a:rPr lang="es-AR" sz="1200" b="1" kern="1200" dirty="0">
+            <a:rPr lang="es-AR" sz="1200" b="1" kern="1200">
               <a:solidFill>
                 <a:schemeClr val="tx1"/>
               </a:solidFill>
@@ -22887,8 +22830,8 @@
         </a:p>
       </dsp:txBody>
       <dsp:txXfrm>
-        <a:off x="9980782" y="30755"/>
-        <a:ext cx="1679831" cy="584623"/>
+        <a:off x="10553528" y="1927056"/>
+        <a:ext cx="1304413" cy="729037"/>
       </dsp:txXfrm>
     </dsp:sp>
     <dsp:sp modelId="{D7CABE18-EABB-493F-BDDC-65D65FCDCB6A}">
@@ -22897,9 +22840,9 @@
         <dsp:cNvSpPr/>
       </dsp:nvSpPr>
       <dsp:spPr>
-        <a:xfrm rot="17255970">
-          <a:off x="2750390" y="1809562"/>
-          <a:ext cx="1643064" cy="21468"/>
+        <a:xfrm rot="18336037">
+          <a:off x="3092465" y="2034692"/>
+          <a:ext cx="604011" cy="22653"/>
         </a:xfrm>
         <a:custGeom>
           <a:avLst/>
@@ -22910,10 +22853,10 @@
           <a:pathLst>
             <a:path>
               <a:moveTo>
-                <a:pt x="0" y="10734"/>
+                <a:pt x="0" y="11326"/>
               </a:moveTo>
               <a:lnTo>
-                <a:pt x="1643064" y="10734"/>
+                <a:pt x="604011" y="11326"/>
               </a:lnTo>
             </a:path>
           </a:pathLst>
@@ -22922,7 +22865,6 @@
         <a:ln w="15875" cap="flat" cmpd="sng" algn="ctr">
           <a:solidFill>
             <a:schemeClr val="accent1">
-              <a:tint val="80000"/>
               <a:hueOff val="0"/>
               <a:satOff val="0"/>
               <a:lumOff val="0"/>
@@ -22971,8 +22913,8 @@
         </a:p>
       </dsp:txBody>
       <dsp:txXfrm>
-        <a:off x="3530846" y="1779220"/>
-        <a:ext cx="82153" cy="82153"/>
+        <a:off x="3379370" y="2030918"/>
+        <a:ext cx="30200" cy="30200"/>
       </dsp:txXfrm>
     </dsp:sp>
     <dsp:sp modelId="{6FB2F0C7-2C0C-4C85-9A5E-BE8C477DAFE0}">
@@ -22982,8 +22924,8 @@
       </dsp:nvSpPr>
       <dsp:spPr>
         <a:xfrm>
-          <a:off x="3820322" y="726717"/>
-          <a:ext cx="1622063" cy="620999"/>
+          <a:off x="3570278" y="1472815"/>
+          <a:ext cx="1890047" cy="655288"/>
         </a:xfrm>
         <a:prstGeom prst="roundRect">
           <a:avLst>
@@ -22992,7 +22934,6 @@
         </a:prstGeom>
         <a:solidFill>
           <a:schemeClr val="accent1">
-            <a:tint val="80000"/>
             <a:hueOff val="0"/>
             <a:satOff val="0"/>
             <a:lumOff val="0"/>
@@ -23060,8 +23001,8 @@
         </a:p>
       </dsp:txBody>
       <dsp:txXfrm>
-        <a:off x="3838510" y="744905"/>
-        <a:ext cx="1585687" cy="584623"/>
+        <a:off x="3589471" y="1492008"/>
+        <a:ext cx="1851661" cy="616902"/>
       </dsp:txXfrm>
     </dsp:sp>
     <dsp:sp modelId="{6318FFFC-B2AA-4D33-BEA8-9F482648507E}">
@@ -23070,9 +23011,9 @@
         <dsp:cNvSpPr/>
       </dsp:nvSpPr>
       <dsp:spPr>
-        <a:xfrm>
-          <a:off x="5442386" y="1026483"/>
-          <a:ext cx="496799" cy="21468"/>
+        <a:xfrm rot="331991">
+          <a:off x="5459339" y="1809538"/>
+          <a:ext cx="423256" cy="22653"/>
         </a:xfrm>
         <a:custGeom>
           <a:avLst/>
@@ -23083,10 +23024,10 @@
           <a:pathLst>
             <a:path>
               <a:moveTo>
-                <a:pt x="0" y="10734"/>
+                <a:pt x="0" y="11326"/>
               </a:moveTo>
               <a:lnTo>
-                <a:pt x="496799" y="10734"/>
+                <a:pt x="423256" y="11326"/>
               </a:lnTo>
             </a:path>
           </a:pathLst>
@@ -23094,8 +23035,7 @@
         <a:noFill/>
         <a:ln w="15875" cap="flat" cmpd="sng" algn="ctr">
           <a:solidFill>
-            <a:schemeClr val="accent1">
-              <a:tint val="70000"/>
+            <a:schemeClr val="accent2">
               <a:hueOff val="0"/>
               <a:satOff val="0"/>
               <a:lumOff val="0"/>
@@ -23144,8 +23084,8 @@
         </a:p>
       </dsp:txBody>
       <dsp:txXfrm>
-        <a:off x="5678366" y="1024797"/>
-        <a:ext cx="24839" cy="24839"/>
+        <a:off x="5660386" y="1810283"/>
+        <a:ext cx="21162" cy="21162"/>
       </dsp:txXfrm>
     </dsp:sp>
     <dsp:sp modelId="{6AD2A1DC-ACB3-4433-B28A-ACE2F755AB21}">
@@ -23155,8 +23095,8 @@
       </dsp:nvSpPr>
       <dsp:spPr>
         <a:xfrm>
-          <a:off x="5939186" y="726717"/>
-          <a:ext cx="1600577" cy="620999"/>
+          <a:off x="5881610" y="1513626"/>
+          <a:ext cx="1688952" cy="655288"/>
         </a:xfrm>
         <a:prstGeom prst="roundRect">
           <a:avLst>
@@ -23164,8 +23104,7 @@
           </a:avLst>
         </a:prstGeom>
         <a:solidFill>
-          <a:schemeClr val="accent1">
-            <a:tint val="70000"/>
+          <a:schemeClr val="accent2">
             <a:hueOff val="0"/>
             <a:satOff val="0"/>
             <a:lumOff val="0"/>
@@ -23233,19 +23172,19 @@
         </a:p>
       </dsp:txBody>
       <dsp:txXfrm>
-        <a:off x="5957374" y="744905"/>
-        <a:ext cx="1564201" cy="584623"/>
+        <a:off x="5900803" y="1532819"/>
+        <a:ext cx="1650566" cy="616902"/>
       </dsp:txXfrm>
     </dsp:sp>
-    <dsp:sp modelId="{9FC7FC1F-D961-490E-AE2C-D2E1CA5585C2}">
+    <dsp:sp modelId="{026A437B-4BA4-4DB5-BB5D-82D7AE24A551}">
       <dsp:nvSpPr>
         <dsp:cNvPr id="0" name=""/>
         <dsp:cNvSpPr/>
       </dsp:nvSpPr>
       <dsp:spPr>
-        <a:xfrm rot="18153104">
-          <a:off x="3110265" y="2203507"/>
-          <a:ext cx="923315" cy="21468"/>
+        <a:xfrm rot="19675936">
+          <a:off x="7541830" y="1729963"/>
+          <a:ext cx="376630" cy="22653"/>
         </a:xfrm>
         <a:custGeom>
           <a:avLst/>
@@ -23256,10 +23195,355 @@
           <a:pathLst>
             <a:path>
               <a:moveTo>
-                <a:pt x="0" y="10734"/>
+                <a:pt x="0" y="11326"/>
               </a:moveTo>
               <a:lnTo>
-                <a:pt x="923315" y="10734"/>
+                <a:pt x="376630" y="11326"/>
+              </a:lnTo>
+            </a:path>
+          </a:pathLst>
+        </a:custGeom>
+        <a:noFill/>
+        <a:ln w="15875" cap="flat" cmpd="sng" algn="ctr">
+          <a:solidFill>
+            <a:schemeClr val="accent2">
+              <a:hueOff val="0"/>
+              <a:satOff val="0"/>
+              <a:lumOff val="0"/>
+              <a:alphaOff val="0"/>
+            </a:schemeClr>
+          </a:solidFill>
+          <a:prstDash val="solid"/>
+        </a:ln>
+        <a:effectLst/>
+      </dsp:spPr>
+      <dsp:style>
+        <a:lnRef idx="2">
+          <a:scrgbClr r="0" g="0" b="0"/>
+        </a:lnRef>
+        <a:fillRef idx="0">
+          <a:scrgbClr r="0" g="0" b="0"/>
+        </a:fillRef>
+        <a:effectRef idx="0">
+          <a:scrgbClr r="0" g="0" b="0"/>
+        </a:effectRef>
+        <a:fontRef idx="minor"/>
+      </dsp:style>
+      <dsp:txBody>
+        <a:bodyPr spcFirstLastPara="0" vert="horz" wrap="square" lIns="12700" tIns="0" rIns="12700" bIns="0" numCol="1" spcCol="1270" anchor="ctr" anchorCtr="0">
+          <a:noAutofit/>
+        </a:bodyPr>
+        <a:lstStyle/>
+        <a:p>
+          <a:pPr marL="0" lvl="0" indent="0" algn="ctr" defTabSz="222250">
+            <a:lnSpc>
+              <a:spcPct val="90000"/>
+            </a:lnSpc>
+            <a:spcBef>
+              <a:spcPct val="0"/>
+            </a:spcBef>
+            <a:spcAft>
+              <a:spcPct val="35000"/>
+            </a:spcAft>
+            <a:buNone/>
+          </a:pPr>
+          <a:endParaRPr lang="es-AR" sz="500" kern="1200"/>
+        </a:p>
+      </dsp:txBody>
+      <dsp:txXfrm>
+        <a:off x="7720730" y="1731874"/>
+        <a:ext cx="18831" cy="18831"/>
+      </dsp:txXfrm>
+    </dsp:sp>
+    <dsp:sp modelId="{EA1DA6F6-97C6-4A40-A79F-5701C4FE8A69}">
+      <dsp:nvSpPr>
+        <dsp:cNvPr id="0" name=""/>
+        <dsp:cNvSpPr/>
+      </dsp:nvSpPr>
+      <dsp:spPr>
+        <a:xfrm>
+          <a:off x="7889728" y="1246007"/>
+          <a:ext cx="2056739" cy="790605"/>
+        </a:xfrm>
+        <a:prstGeom prst="roundRect">
+          <a:avLst>
+            <a:gd name="adj" fmla="val 10000"/>
+          </a:avLst>
+        </a:prstGeom>
+        <a:solidFill>
+          <a:schemeClr val="accent2">
+            <a:hueOff val="0"/>
+            <a:satOff val="0"/>
+            <a:lumOff val="0"/>
+            <a:alphaOff val="0"/>
+          </a:schemeClr>
+        </a:solidFill>
+        <a:ln w="15875" cap="flat" cmpd="sng" algn="ctr">
+          <a:solidFill>
+            <a:schemeClr val="lt1">
+              <a:hueOff val="0"/>
+              <a:satOff val="0"/>
+              <a:lumOff val="0"/>
+              <a:alphaOff val="0"/>
+            </a:schemeClr>
+          </a:solidFill>
+          <a:prstDash val="solid"/>
+        </a:ln>
+        <a:effectLst/>
+      </dsp:spPr>
+      <dsp:style>
+        <a:lnRef idx="2">
+          <a:scrgbClr r="0" g="0" b="0"/>
+        </a:lnRef>
+        <a:fillRef idx="1">
+          <a:scrgbClr r="0" g="0" b="0"/>
+        </a:fillRef>
+        <a:effectRef idx="0">
+          <a:scrgbClr r="0" g="0" b="0"/>
+        </a:effectRef>
+        <a:fontRef idx="minor">
+          <a:schemeClr val="lt1"/>
+        </a:fontRef>
+      </dsp:style>
+      <dsp:txBody>
+        <a:bodyPr spcFirstLastPara="0" vert="horz" wrap="square" lIns="7620" tIns="7620" rIns="7620" bIns="7620" numCol="1" spcCol="1270" anchor="ctr" anchorCtr="0">
+          <a:noAutofit/>
+        </a:bodyPr>
+        <a:lstStyle/>
+        <a:p>
+          <a:pPr marL="0" lvl="0" indent="0" algn="ctr" defTabSz="533400">
+            <a:lnSpc>
+              <a:spcPct val="90000"/>
+            </a:lnSpc>
+            <a:spcBef>
+              <a:spcPct val="0"/>
+            </a:spcBef>
+            <a:spcAft>
+              <a:spcPct val="35000"/>
+            </a:spcAft>
+            <a:buNone/>
+          </a:pPr>
+          <a:r>
+            <a:rPr lang="es-ES" sz="1200" b="1" kern="1200" dirty="0">
+              <a:solidFill>
+                <a:schemeClr val="tx1"/>
+              </a:solidFill>
+            </a:rPr>
+            <a:t>MO-03 Diagrama de Clases y </a:t>
+          </a:r>
+          <a:br>
+            <a:rPr lang="es-ES" sz="1200" b="1" kern="1200" dirty="0">
+              <a:solidFill>
+                <a:schemeClr val="tx1"/>
+              </a:solidFill>
+            </a:rPr>
+          </a:br>
+          <a:r>
+            <a:rPr lang="es-ES" sz="1200" b="1" kern="1200" dirty="0">
+              <a:solidFill>
+                <a:schemeClr val="tx1"/>
+              </a:solidFill>
+            </a:rPr>
+            <a:t>Diagrama de Máquina de Estados</a:t>
+          </a:r>
+          <a:endParaRPr lang="es-AR" sz="1200" b="1" kern="1200" dirty="0">
+            <a:solidFill>
+              <a:schemeClr val="tx1"/>
+            </a:solidFill>
+          </a:endParaRPr>
+        </a:p>
+      </dsp:txBody>
+      <dsp:txXfrm>
+        <a:off x="7912884" y="1269163"/>
+        <a:ext cx="2010427" cy="744293"/>
+      </dsp:txXfrm>
+    </dsp:sp>
+    <dsp:sp modelId="{536D7B88-7DBF-4428-BCB6-BB77019910C1}">
+      <dsp:nvSpPr>
+        <dsp:cNvPr id="0" name=""/>
+        <dsp:cNvSpPr/>
+      </dsp:nvSpPr>
+      <dsp:spPr>
+        <a:xfrm rot="3992107">
+          <a:off x="7346170" y="2171971"/>
+          <a:ext cx="745723" cy="22653"/>
+        </a:xfrm>
+        <a:custGeom>
+          <a:avLst/>
+          <a:gdLst/>
+          <a:ahLst/>
+          <a:cxnLst/>
+          <a:rect l="0" t="0" r="0" b="0"/>
+          <a:pathLst>
+            <a:path>
+              <a:moveTo>
+                <a:pt x="0" y="11326"/>
+              </a:moveTo>
+              <a:lnTo>
+                <a:pt x="745723" y="11326"/>
+              </a:lnTo>
+            </a:path>
+          </a:pathLst>
+        </a:custGeom>
+        <a:noFill/>
+        <a:ln w="15875" cap="flat" cmpd="sng" algn="ctr">
+          <a:solidFill>
+            <a:schemeClr val="accent2">
+              <a:hueOff val="0"/>
+              <a:satOff val="0"/>
+              <a:lumOff val="0"/>
+              <a:alphaOff val="0"/>
+            </a:schemeClr>
+          </a:solidFill>
+          <a:prstDash val="solid"/>
+        </a:ln>
+        <a:effectLst/>
+      </dsp:spPr>
+      <dsp:style>
+        <a:lnRef idx="2">
+          <a:scrgbClr r="0" g="0" b="0"/>
+        </a:lnRef>
+        <a:fillRef idx="0">
+          <a:scrgbClr r="0" g="0" b="0"/>
+        </a:fillRef>
+        <a:effectRef idx="0">
+          <a:scrgbClr r="0" g="0" b="0"/>
+        </a:effectRef>
+        <a:fontRef idx="minor"/>
+      </dsp:style>
+      <dsp:txBody>
+        <a:bodyPr spcFirstLastPara="0" vert="horz" wrap="square" lIns="12700" tIns="0" rIns="12700" bIns="0" numCol="1" spcCol="1270" anchor="ctr" anchorCtr="0">
+          <a:noAutofit/>
+        </a:bodyPr>
+        <a:lstStyle/>
+        <a:p>
+          <a:pPr marL="0" lvl="0" indent="0" algn="ctr" defTabSz="222250">
+            <a:lnSpc>
+              <a:spcPct val="90000"/>
+            </a:lnSpc>
+            <a:spcBef>
+              <a:spcPct val="0"/>
+            </a:spcBef>
+            <a:spcAft>
+              <a:spcPct val="35000"/>
+            </a:spcAft>
+            <a:buNone/>
+          </a:pPr>
+          <a:endParaRPr lang="es-AR" sz="500" kern="1200"/>
+        </a:p>
+      </dsp:txBody>
+      <dsp:txXfrm>
+        <a:off x="7700389" y="2164655"/>
+        <a:ext cx="37286" cy="37286"/>
+      </dsp:txXfrm>
+    </dsp:sp>
+    <dsp:sp modelId="{B4C5BA19-B763-4003-B638-93EC469CF86F}">
+      <dsp:nvSpPr>
+        <dsp:cNvPr id="0" name=""/>
+        <dsp:cNvSpPr/>
+      </dsp:nvSpPr>
+      <dsp:spPr>
+        <a:xfrm>
+          <a:off x="7867500" y="2197682"/>
+          <a:ext cx="2197862" cy="655288"/>
+        </a:xfrm>
+        <a:prstGeom prst="roundRect">
+          <a:avLst>
+            <a:gd name="adj" fmla="val 10000"/>
+          </a:avLst>
+        </a:prstGeom>
+        <a:solidFill>
+          <a:schemeClr val="accent2">
+            <a:hueOff val="0"/>
+            <a:satOff val="0"/>
+            <a:lumOff val="0"/>
+            <a:alphaOff val="0"/>
+          </a:schemeClr>
+        </a:solidFill>
+        <a:ln w="15875" cap="flat" cmpd="sng" algn="ctr">
+          <a:solidFill>
+            <a:schemeClr val="lt1">
+              <a:hueOff val="0"/>
+              <a:satOff val="0"/>
+              <a:lumOff val="0"/>
+              <a:alphaOff val="0"/>
+            </a:schemeClr>
+          </a:solidFill>
+          <a:prstDash val="solid"/>
+        </a:ln>
+        <a:effectLst/>
+      </dsp:spPr>
+      <dsp:style>
+        <a:lnRef idx="2">
+          <a:scrgbClr r="0" g="0" b="0"/>
+        </a:lnRef>
+        <a:fillRef idx="1">
+          <a:scrgbClr r="0" g="0" b="0"/>
+        </a:fillRef>
+        <a:effectRef idx="0">
+          <a:scrgbClr r="0" g="0" b="0"/>
+        </a:effectRef>
+        <a:fontRef idx="minor">
+          <a:schemeClr val="lt1"/>
+        </a:fontRef>
+      </dsp:style>
+      <dsp:txBody>
+        <a:bodyPr spcFirstLastPara="0" vert="horz" wrap="square" lIns="7620" tIns="7620" rIns="7620" bIns="7620" numCol="1" spcCol="1270" anchor="ctr" anchorCtr="0">
+          <a:noAutofit/>
+        </a:bodyPr>
+        <a:lstStyle/>
+        <a:p>
+          <a:pPr marL="0" lvl="0" indent="0" algn="ctr" defTabSz="533400">
+            <a:lnSpc>
+              <a:spcPct val="90000"/>
+            </a:lnSpc>
+            <a:spcBef>
+              <a:spcPct val="0"/>
+            </a:spcBef>
+            <a:spcAft>
+              <a:spcPct val="35000"/>
+            </a:spcAft>
+            <a:buNone/>
+          </a:pPr>
+          <a:r>
+            <a:rPr lang="es-ES" sz="1200" b="1" kern="1200" dirty="0">
+              <a:solidFill>
+                <a:schemeClr val="tx1"/>
+              </a:solidFill>
+            </a:rPr>
+            <a:t>MO-04 Modelado de Clases con Generalización, Realización y Composición</a:t>
+          </a:r>
+          <a:endParaRPr lang="es-AR" sz="1200" kern="1200" dirty="0"/>
+        </a:p>
+      </dsp:txBody>
+      <dsp:txXfrm>
+        <a:off x="7886693" y="2216875"/>
+        <a:ext cx="2159476" cy="616902"/>
+      </dsp:txXfrm>
+    </dsp:sp>
+    <dsp:sp modelId="{9FC7FC1F-D961-490E-AE2C-D2E1CA5585C2}">
+      <dsp:nvSpPr>
+        <dsp:cNvPr id="0" name=""/>
+        <dsp:cNvSpPr/>
+      </dsp:nvSpPr>
+      <dsp:spPr>
+        <a:xfrm rot="3927769">
+          <a:off x="3009178" y="2606165"/>
+          <a:ext cx="716537" cy="22653"/>
+        </a:xfrm>
+        <a:custGeom>
+          <a:avLst/>
+          <a:gdLst/>
+          <a:ahLst/>
+          <a:cxnLst/>
+          <a:rect l="0" t="0" r="0" b="0"/>
+          <a:pathLst>
+            <a:path>
+              <a:moveTo>
+                <a:pt x="0" y="11326"/>
+              </a:moveTo>
+              <a:lnTo>
+                <a:pt x="716537" y="11326"/>
               </a:lnTo>
             </a:path>
           </a:pathLst>
@@ -23268,7 +23552,6 @@
         <a:ln w="15875" cap="flat" cmpd="sng" algn="ctr">
           <a:solidFill>
             <a:schemeClr val="accent1">
-              <a:tint val="80000"/>
               <a:hueOff val="0"/>
               <a:satOff val="0"/>
               <a:lumOff val="0"/>
@@ -23317,8 +23600,8 @@
         </a:p>
       </dsp:txBody>
       <dsp:txXfrm>
-        <a:off x="3548839" y="2191159"/>
-        <a:ext cx="46165" cy="46165"/>
+        <a:off x="3349533" y="2599579"/>
+        <a:ext cx="35826" cy="35826"/>
       </dsp:txXfrm>
     </dsp:sp>
     <dsp:sp modelId="{307F28A0-ABE5-4572-9908-38856F3D8B63}">
@@ -23328,8 +23611,8 @@
       </dsp:nvSpPr>
       <dsp:spPr>
         <a:xfrm>
-          <a:off x="3820322" y="1440867"/>
-          <a:ext cx="1617269" cy="768481"/>
+          <a:off x="3516230" y="2537950"/>
+          <a:ext cx="2136816" cy="810912"/>
         </a:xfrm>
         <a:prstGeom prst="roundRect">
           <a:avLst>
@@ -23338,7 +23621,6 @@
         </a:prstGeom>
         <a:solidFill>
           <a:schemeClr val="accent1">
-            <a:tint val="80000"/>
             <a:hueOff val="0"/>
             <a:satOff val="0"/>
             <a:lumOff val="0"/>
@@ -23416,8 +23698,8 @@
         </a:p>
       </dsp:txBody>
       <dsp:txXfrm>
-        <a:off x="3842830" y="1463375"/>
-        <a:ext cx="1572253" cy="723465"/>
+        <a:off x="3539981" y="2561701"/>
+        <a:ext cx="2089314" cy="763410"/>
       </dsp:txXfrm>
     </dsp:sp>
     <dsp:sp modelId="{A409E438-D312-40D9-BF72-7F329091FAB1}">
@@ -23426,9 +23708,9 @@
         <dsp:cNvSpPr/>
       </dsp:nvSpPr>
       <dsp:spPr>
-        <a:xfrm>
-          <a:off x="5437592" y="1814373"/>
-          <a:ext cx="496799" cy="21468"/>
+        <a:xfrm rot="2888064">
+          <a:off x="5536043" y="3194044"/>
+          <a:ext cx="703532" cy="22653"/>
         </a:xfrm>
         <a:custGeom>
           <a:avLst/>
@@ -23439,10 +23721,10 @@
           <a:pathLst>
             <a:path>
               <a:moveTo>
-                <a:pt x="0" y="10734"/>
+                <a:pt x="0" y="11326"/>
               </a:moveTo>
               <a:lnTo>
-                <a:pt x="496799" y="10734"/>
+                <a:pt x="703532" y="11326"/>
               </a:lnTo>
             </a:path>
           </a:pathLst>
@@ -23450,8 +23732,7 @@
         <a:noFill/>
         <a:ln w="15875" cap="flat" cmpd="sng" algn="ctr">
           <a:solidFill>
-            <a:schemeClr val="accent1">
-              <a:tint val="70000"/>
+            <a:schemeClr val="accent2">
               <a:hueOff val="0"/>
               <a:satOff val="0"/>
               <a:lumOff val="0"/>
@@ -23500,8 +23781,8 @@
         </a:p>
       </dsp:txBody>
       <dsp:txXfrm>
-        <a:off x="5673572" y="1812687"/>
-        <a:ext cx="24839" cy="24839"/>
+        <a:off x="5870221" y="3187782"/>
+        <a:ext cx="35176" cy="35176"/>
       </dsp:txXfrm>
     </dsp:sp>
     <dsp:sp modelId="{429C267D-3B2F-4BAD-A287-3DFA4209626C}">
@@ -23511,8 +23792,8 @@
       </dsp:nvSpPr>
       <dsp:spPr>
         <a:xfrm>
-          <a:off x="5934392" y="1514608"/>
-          <a:ext cx="1576904" cy="620999"/>
+          <a:off x="6122573" y="3139691"/>
+          <a:ext cx="1663973" cy="655288"/>
         </a:xfrm>
         <a:prstGeom prst="roundRect">
           <a:avLst>
@@ -23520,8 +23801,7 @@
           </a:avLst>
         </a:prstGeom>
         <a:solidFill>
-          <a:schemeClr val="accent1">
-            <a:tint val="70000"/>
+          <a:schemeClr val="accent2">
             <a:hueOff val="0"/>
             <a:satOff val="0"/>
             <a:lumOff val="0"/>
@@ -23600,8 +23880,8 @@
         </a:p>
       </dsp:txBody>
       <dsp:txXfrm>
-        <a:off x="5952580" y="1532796"/>
-        <a:ext cx="1540528" cy="584623"/>
+        <a:off x="6141766" y="3158884"/>
+        <a:ext cx="1625587" cy="616902"/>
       </dsp:txXfrm>
     </dsp:sp>
     <dsp:sp modelId="{2F598430-8117-4D1E-B150-CF62666F75C1}">
@@ -23610,9 +23890,9 @@
         <dsp:cNvSpPr/>
       </dsp:nvSpPr>
       <dsp:spPr>
-        <a:xfrm rot="19457599">
-          <a:off x="7453791" y="1635836"/>
-          <a:ext cx="611810" cy="21468"/>
+        <a:xfrm rot="20546770">
+          <a:off x="7771273" y="3357086"/>
+          <a:ext cx="655979" cy="22653"/>
         </a:xfrm>
         <a:custGeom>
           <a:avLst/>
@@ -23623,10 +23903,10 @@
           <a:pathLst>
             <a:path>
               <a:moveTo>
-                <a:pt x="0" y="10734"/>
+                <a:pt x="0" y="11326"/>
               </a:moveTo>
               <a:lnTo>
-                <a:pt x="611810" y="10734"/>
+                <a:pt x="655979" y="11326"/>
               </a:lnTo>
             </a:path>
           </a:pathLst>
@@ -23634,8 +23914,7 @@
         <a:noFill/>
         <a:ln w="15875" cap="flat" cmpd="sng" algn="ctr">
           <a:solidFill>
-            <a:schemeClr val="accent1">
-              <a:tint val="70000"/>
+            <a:schemeClr val="accent2">
               <a:hueOff val="0"/>
               <a:satOff val="0"/>
               <a:lumOff val="0"/>
@@ -23684,8 +23963,8 @@
         </a:p>
       </dsp:txBody>
       <dsp:txXfrm>
-        <a:off x="7744402" y="1631275"/>
-        <a:ext cx="30590" cy="30590"/>
+        <a:off x="8082863" y="3352013"/>
+        <a:ext cx="32798" cy="32798"/>
       </dsp:txXfrm>
     </dsp:sp>
     <dsp:sp modelId="{7D93B95D-C265-46D8-83EC-2A0C7D265526}">
@@ -23695,8 +23974,8 @@
       </dsp:nvSpPr>
       <dsp:spPr>
         <a:xfrm>
-          <a:off x="8008097" y="1157533"/>
-          <a:ext cx="1444135" cy="620999"/>
+          <a:off x="8411979" y="2941847"/>
+          <a:ext cx="1523872" cy="655288"/>
         </a:xfrm>
         <a:prstGeom prst="roundRect">
           <a:avLst>
@@ -23704,8 +23983,178 @@
           </a:avLst>
         </a:prstGeom>
         <a:solidFill>
-          <a:schemeClr val="accent1">
-            <a:tint val="70000"/>
+          <a:schemeClr val="accent2">
+            <a:hueOff val="0"/>
+            <a:satOff val="0"/>
+            <a:lumOff val="0"/>
+            <a:alphaOff val="0"/>
+          </a:schemeClr>
+        </a:solidFill>
+        <a:ln w="15875" cap="flat" cmpd="sng" algn="ctr">
+          <a:solidFill>
+            <a:schemeClr val="lt1">
+              <a:hueOff val="0"/>
+              <a:satOff val="0"/>
+              <a:lumOff val="0"/>
+              <a:alphaOff val="0"/>
+            </a:schemeClr>
+          </a:solidFill>
+          <a:prstDash val="solid"/>
+        </a:ln>
+        <a:effectLst/>
+      </dsp:spPr>
+      <dsp:style>
+        <a:lnRef idx="2">
+          <a:scrgbClr r="0" g="0" b="0"/>
+        </a:lnRef>
+        <a:fillRef idx="1">
+          <a:scrgbClr r="0" g="0" b="0"/>
+        </a:fillRef>
+        <a:effectRef idx="0">
+          <a:scrgbClr r="0" g="0" b="0"/>
+        </a:effectRef>
+        <a:fontRef idx="minor">
+          <a:schemeClr val="lt1"/>
+        </a:fontRef>
+      </dsp:style>
+      <dsp:txBody>
+        <a:bodyPr spcFirstLastPara="0" vert="horz" wrap="square" lIns="7620" tIns="7620" rIns="7620" bIns="7620" numCol="1" spcCol="1270" anchor="ctr" anchorCtr="0">
+          <a:noAutofit/>
+        </a:bodyPr>
+        <a:lstStyle/>
+        <a:p>
+          <a:pPr marL="0" lvl="0" indent="0" algn="ctr" defTabSz="533400">
+            <a:lnSpc>
+              <a:spcPct val="90000"/>
+            </a:lnSpc>
+            <a:spcBef>
+              <a:spcPct val="0"/>
+            </a:spcBef>
+            <a:spcAft>
+              <a:spcPct val="35000"/>
+            </a:spcAft>
+            <a:buNone/>
+          </a:pPr>
+          <a:r>
+            <a:rPr lang="es-AR" sz="1200" b="1" kern="1200">
+              <a:solidFill>
+                <a:schemeClr val="tx1"/>
+              </a:solidFill>
+            </a:rPr>
+            <a:t>BD-02 Hibernate</a:t>
+          </a:r>
+          <a:endParaRPr lang="es-AR" sz="1200" b="1" kern="1200" dirty="0">
+            <a:solidFill>
+              <a:schemeClr val="tx1"/>
+            </a:solidFill>
+          </a:endParaRPr>
+        </a:p>
+      </dsp:txBody>
+      <dsp:txXfrm>
+        <a:off x="8431172" y="2961040"/>
+        <a:ext cx="1485486" cy="616902"/>
+      </dsp:txXfrm>
+    </dsp:sp>
+    <dsp:sp modelId="{499D2DC4-C19C-4933-BDED-BD0DC511D0BD}">
+      <dsp:nvSpPr>
+        <dsp:cNvPr id="0" name=""/>
+        <dsp:cNvSpPr/>
+      </dsp:nvSpPr>
+      <dsp:spPr>
+        <a:xfrm rot="3672300">
+          <a:off x="7508635" y="3925883"/>
+          <a:ext cx="1072345" cy="22653"/>
+        </a:xfrm>
+        <a:custGeom>
+          <a:avLst/>
+          <a:gdLst/>
+          <a:ahLst/>
+          <a:cxnLst/>
+          <a:rect l="0" t="0" r="0" b="0"/>
+          <a:pathLst>
+            <a:path>
+              <a:moveTo>
+                <a:pt x="0" y="11326"/>
+              </a:moveTo>
+              <a:lnTo>
+                <a:pt x="1072345" y="11326"/>
+              </a:lnTo>
+            </a:path>
+          </a:pathLst>
+        </a:custGeom>
+        <a:noFill/>
+        <a:ln w="15875" cap="flat" cmpd="sng" algn="ctr">
+          <a:solidFill>
+            <a:schemeClr val="accent2">
+              <a:hueOff val="0"/>
+              <a:satOff val="0"/>
+              <a:lumOff val="0"/>
+              <a:alphaOff val="0"/>
+            </a:schemeClr>
+          </a:solidFill>
+          <a:prstDash val="solid"/>
+        </a:ln>
+        <a:effectLst/>
+      </dsp:spPr>
+      <dsp:style>
+        <a:lnRef idx="2">
+          <a:scrgbClr r="0" g="0" b="0"/>
+        </a:lnRef>
+        <a:fillRef idx="0">
+          <a:scrgbClr r="0" g="0" b="0"/>
+        </a:fillRef>
+        <a:effectRef idx="0">
+          <a:scrgbClr r="0" g="0" b="0"/>
+        </a:effectRef>
+        <a:fontRef idx="minor"/>
+      </dsp:style>
+      <dsp:txBody>
+        <a:bodyPr spcFirstLastPara="0" vert="horz" wrap="square" lIns="12700" tIns="0" rIns="12700" bIns="0" numCol="1" spcCol="1270" anchor="ctr" anchorCtr="0">
+          <a:noAutofit/>
+        </a:bodyPr>
+        <a:lstStyle/>
+        <a:p>
+          <a:pPr marL="0" lvl="0" indent="0" algn="ctr" defTabSz="444500">
+            <a:lnSpc>
+              <a:spcPct val="90000"/>
+            </a:lnSpc>
+            <a:spcBef>
+              <a:spcPct val="0"/>
+            </a:spcBef>
+            <a:spcAft>
+              <a:spcPct val="35000"/>
+            </a:spcAft>
+            <a:buNone/>
+          </a:pPr>
+          <a:endParaRPr lang="es-AR" sz="1000" b="1" kern="1200">
+            <a:solidFill>
+              <a:schemeClr val="tx1"/>
+            </a:solidFill>
+          </a:endParaRPr>
+        </a:p>
+      </dsp:txBody>
+      <dsp:txXfrm>
+        <a:off x="8018000" y="3910401"/>
+        <a:ext cx="53617" cy="53617"/>
+      </dsp:txXfrm>
+    </dsp:sp>
+    <dsp:sp modelId="{BD334316-DD7D-458C-9D46-E4FC13309E18}">
+      <dsp:nvSpPr>
+        <dsp:cNvPr id="0" name=""/>
+        <dsp:cNvSpPr/>
+      </dsp:nvSpPr>
+      <dsp:spPr>
+        <a:xfrm>
+          <a:off x="8303070" y="4079440"/>
+          <a:ext cx="1977790" cy="655288"/>
+        </a:xfrm>
+        <a:prstGeom prst="roundRect">
+          <a:avLst>
+            <a:gd name="adj" fmla="val 10000"/>
+          </a:avLst>
+        </a:prstGeom>
+        <a:solidFill>
+          <a:schemeClr val="accent2">
             <a:hueOff val="0"/>
             <a:satOff val="0"/>
             <a:lumOff val="0"/>
@@ -23763,24 +24212,53 @@
                 <a:schemeClr val="tx1"/>
               </a:solidFill>
             </a:rPr>
-            <a:t>BD-02 Hibernate</a:t>
+            <a:t>BD-03 Clínica sobre Generación</a:t>
           </a:r>
+          <a:r>
+            <a:rPr lang="en-US" sz="1200" b="1" kern="1200" dirty="0">
+              <a:solidFill>
+                <a:schemeClr val="tx1"/>
+              </a:solidFill>
+            </a:rPr>
+            <a:t> de </a:t>
+          </a:r>
+          <a:r>
+            <a:rPr lang="en-US" sz="1200" b="1" kern="1200" dirty="0" err="1">
+              <a:solidFill>
+                <a:schemeClr val="tx1"/>
+              </a:solidFill>
+            </a:rPr>
+            <a:t>Reportes</a:t>
+          </a:r>
+          <a:r>
+            <a:rPr lang="en-US" sz="1200" b="1" kern="1200" dirty="0">
+              <a:solidFill>
+                <a:schemeClr val="tx1"/>
+              </a:solidFill>
+            </a:rPr>
+            <a:t> con Jasper Reports</a:t>
+          </a:r>
+          <a:endParaRPr lang="es-AR" sz="1200" b="1" kern="1200" dirty="0">
+            <a:solidFill>
+              <a:schemeClr val="tx1"/>
+            </a:solidFill>
+          </a:endParaRPr>
         </a:p>
       </dsp:txBody>
       <dsp:txXfrm>
-        <a:off x="8026285" y="1175721"/>
-        <a:ext cx="1407759" cy="584623"/>
+        <a:off x="8322263" y="4098633"/>
+        <a:ext cx="1939404" cy="616902"/>
       </dsp:txXfrm>
     </dsp:sp>
-    <dsp:sp modelId="{499D2DC4-C19C-4933-BDED-BD0DC511D0BD}">
+    <dsp:sp modelId="{E33A1BC1-C3F9-48B2-85CD-7CFEF1033CF0}">
       <dsp:nvSpPr>
         <dsp:cNvPr id="0" name=""/>
         <dsp:cNvSpPr/>
       </dsp:nvSpPr>
       <dsp:spPr>
-        <a:xfrm rot="2142401">
-          <a:off x="7453791" y="1992911"/>
-          <a:ext cx="611810" cy="21468"/>
+        <a:xfrm rot="4864979">
+          <a:off x="2496170" y="3124942"/>
+          <a:ext cx="1710049" cy="22653"/>
         </a:xfrm>
         <a:custGeom>
           <a:avLst/>
@@ -23791,10 +24269,10 @@
           <a:pathLst>
             <a:path>
               <a:moveTo>
-                <a:pt x="0" y="10734"/>
+                <a:pt x="0" y="11326"/>
               </a:moveTo>
               <a:lnTo>
-                <a:pt x="611810" y="10734"/>
+                <a:pt x="1710049" y="11326"/>
               </a:lnTo>
             </a:path>
           </a:pathLst>
@@ -23803,7 +24281,6 @@
         <a:ln w="15875" cap="flat" cmpd="sng" algn="ctr">
           <a:solidFill>
             <a:schemeClr val="accent1">
-              <a:tint val="70000"/>
               <a:hueOff val="0"/>
               <a:satOff val="0"/>
               <a:lumOff val="0"/>
@@ -23852,409 +24329,8 @@
         </a:p>
       </dsp:txBody>
       <dsp:txXfrm>
-        <a:off x="7744402" y="1988350"/>
-        <a:ext cx="30590" cy="30590"/>
-      </dsp:txXfrm>
-    </dsp:sp>
-    <dsp:sp modelId="{BD334316-DD7D-458C-9D46-E4FC13309E18}">
-      <dsp:nvSpPr>
-        <dsp:cNvPr id="0" name=""/>
-        <dsp:cNvSpPr/>
-      </dsp:nvSpPr>
-      <dsp:spPr>
-        <a:xfrm>
-          <a:off x="8008097" y="1871682"/>
-          <a:ext cx="1874301" cy="620999"/>
-        </a:xfrm>
-        <a:prstGeom prst="roundRect">
-          <a:avLst>
-            <a:gd name="adj" fmla="val 10000"/>
-          </a:avLst>
-        </a:prstGeom>
-        <a:solidFill>
-          <a:schemeClr val="accent1">
-            <a:tint val="70000"/>
-            <a:hueOff val="0"/>
-            <a:satOff val="0"/>
-            <a:lumOff val="0"/>
-            <a:alphaOff val="0"/>
-          </a:schemeClr>
-        </a:solidFill>
-        <a:ln w="15875" cap="flat" cmpd="sng" algn="ctr">
-          <a:solidFill>
-            <a:schemeClr val="lt1">
-              <a:hueOff val="0"/>
-              <a:satOff val="0"/>
-              <a:lumOff val="0"/>
-              <a:alphaOff val="0"/>
-            </a:schemeClr>
-          </a:solidFill>
-          <a:prstDash val="solid"/>
-        </a:ln>
-        <a:effectLst/>
-      </dsp:spPr>
-      <dsp:style>
-        <a:lnRef idx="2">
-          <a:scrgbClr r="0" g="0" b="0"/>
-        </a:lnRef>
-        <a:fillRef idx="1">
-          <a:scrgbClr r="0" g="0" b="0"/>
-        </a:fillRef>
-        <a:effectRef idx="0">
-          <a:scrgbClr r="0" g="0" b="0"/>
-        </a:effectRef>
-        <a:fontRef idx="minor">
-          <a:schemeClr val="lt1"/>
-        </a:fontRef>
-      </dsp:style>
-      <dsp:txBody>
-        <a:bodyPr spcFirstLastPara="0" vert="horz" wrap="square" lIns="7620" tIns="7620" rIns="7620" bIns="7620" numCol="1" spcCol="1270" anchor="ctr" anchorCtr="0">
-          <a:noAutofit/>
-        </a:bodyPr>
-        <a:lstStyle/>
-        <a:p>
-          <a:pPr marL="0" lvl="0" indent="0" algn="ctr" defTabSz="533400">
-            <a:lnSpc>
-              <a:spcPct val="90000"/>
-            </a:lnSpc>
-            <a:spcBef>
-              <a:spcPct val="0"/>
-            </a:spcBef>
-            <a:spcAft>
-              <a:spcPct val="35000"/>
-            </a:spcAft>
-            <a:buNone/>
-          </a:pPr>
-          <a:r>
-            <a:rPr lang="es-AR" sz="1200" b="1" kern="1200" dirty="0">
-              <a:solidFill>
-                <a:schemeClr val="tx1"/>
-              </a:solidFill>
-            </a:rPr>
-            <a:t>BD-03 Clínica sobre </a:t>
-          </a:r>
-          <a:r>
-            <a:rPr lang="es-AR" sz="1200" b="1" kern="1200" dirty="0" err="1">
-              <a:solidFill>
-                <a:schemeClr val="tx1"/>
-              </a:solidFill>
-            </a:rPr>
-            <a:t>Generaci</a:t>
-          </a:r>
-          <a:r>
-            <a:rPr lang="en-US" sz="1200" b="1" kern="1200" dirty="0" err="1">
-              <a:solidFill>
-                <a:schemeClr val="tx1"/>
-              </a:solidFill>
-            </a:rPr>
-            <a:t>ón</a:t>
-          </a:r>
-          <a:r>
-            <a:rPr lang="en-US" sz="1200" b="1" kern="1200" dirty="0">
-              <a:solidFill>
-                <a:schemeClr val="tx1"/>
-              </a:solidFill>
-            </a:rPr>
-            <a:t> de </a:t>
-          </a:r>
-          <a:r>
-            <a:rPr lang="en-US" sz="1200" b="1" kern="1200" dirty="0" err="1">
-              <a:solidFill>
-                <a:schemeClr val="tx1"/>
-              </a:solidFill>
-            </a:rPr>
-            <a:t>Reportes</a:t>
-          </a:r>
-          <a:r>
-            <a:rPr lang="en-US" sz="1200" b="1" kern="1200" dirty="0">
-              <a:solidFill>
-                <a:schemeClr val="tx1"/>
-              </a:solidFill>
-            </a:rPr>
-            <a:t> con Jasper Reports</a:t>
-          </a:r>
-          <a:endParaRPr lang="es-AR" sz="1200" b="1" kern="1200" dirty="0">
-            <a:solidFill>
-              <a:schemeClr val="tx1"/>
-            </a:solidFill>
-          </a:endParaRPr>
-        </a:p>
-      </dsp:txBody>
-      <dsp:txXfrm>
-        <a:off x="8026285" y="1889870"/>
-        <a:ext cx="1837925" cy="584623"/>
-      </dsp:txXfrm>
-    </dsp:sp>
-    <dsp:sp modelId="{BA31AFBF-81A5-44D4-AC4C-EAA30BD97607}">
-      <dsp:nvSpPr>
-        <dsp:cNvPr id="0" name=""/>
-        <dsp:cNvSpPr/>
-      </dsp:nvSpPr>
-      <dsp:spPr>
-        <a:xfrm rot="506570">
-          <a:off x="3320801" y="2629512"/>
-          <a:ext cx="502242" cy="21468"/>
-        </a:xfrm>
-        <a:custGeom>
-          <a:avLst/>
-          <a:gdLst/>
-          <a:ahLst/>
-          <a:cxnLst/>
-          <a:rect l="0" t="0" r="0" b="0"/>
-          <a:pathLst>
-            <a:path>
-              <a:moveTo>
-                <a:pt x="0" y="10734"/>
-              </a:moveTo>
-              <a:lnTo>
-                <a:pt x="502242" y="10734"/>
-              </a:lnTo>
-            </a:path>
-          </a:pathLst>
-        </a:custGeom>
-        <a:noFill/>
-        <a:ln w="15875" cap="flat" cmpd="sng" algn="ctr">
-          <a:solidFill>
-            <a:schemeClr val="accent1">
-              <a:tint val="80000"/>
-              <a:hueOff val="0"/>
-              <a:satOff val="0"/>
-              <a:lumOff val="0"/>
-              <a:alphaOff val="0"/>
-            </a:schemeClr>
-          </a:solidFill>
-          <a:prstDash val="solid"/>
-        </a:ln>
-        <a:effectLst/>
-      </dsp:spPr>
-      <dsp:style>
-        <a:lnRef idx="2">
-          <a:scrgbClr r="0" g="0" b="0"/>
-        </a:lnRef>
-        <a:fillRef idx="0">
-          <a:scrgbClr r="0" g="0" b="0"/>
-        </a:fillRef>
-        <a:effectRef idx="0">
-          <a:scrgbClr r="0" g="0" b="0"/>
-        </a:effectRef>
-        <a:fontRef idx="minor"/>
-      </dsp:style>
-      <dsp:txBody>
-        <a:bodyPr spcFirstLastPara="0" vert="horz" wrap="square" lIns="12700" tIns="0" rIns="12700" bIns="0" numCol="1" spcCol="1270" anchor="ctr" anchorCtr="0">
-          <a:noAutofit/>
-        </a:bodyPr>
-        <a:lstStyle/>
-        <a:p>
-          <a:pPr marL="0" lvl="0" indent="0" algn="ctr" defTabSz="444500">
-            <a:lnSpc>
-              <a:spcPct val="90000"/>
-            </a:lnSpc>
-            <a:spcBef>
-              <a:spcPct val="0"/>
-            </a:spcBef>
-            <a:spcAft>
-              <a:spcPct val="35000"/>
-            </a:spcAft>
-            <a:buNone/>
-          </a:pPr>
-          <a:endParaRPr lang="es-AR" sz="1000" b="1" kern="1200">
-            <a:solidFill>
-              <a:schemeClr val="tx1"/>
-            </a:solidFill>
-          </a:endParaRPr>
-        </a:p>
-      </dsp:txBody>
-      <dsp:txXfrm>
-        <a:off x="3559366" y="2627690"/>
-        <a:ext cx="25112" cy="25112"/>
-      </dsp:txXfrm>
-    </dsp:sp>
-    <dsp:sp modelId="{AAEAF31D-8120-4F68-AE2A-C69AA7AF3413}">
-      <dsp:nvSpPr>
-        <dsp:cNvPr id="0" name=""/>
-        <dsp:cNvSpPr/>
-      </dsp:nvSpPr>
-      <dsp:spPr>
-        <a:xfrm>
-          <a:off x="3820322" y="2302498"/>
-          <a:ext cx="1689181" cy="749236"/>
-        </a:xfrm>
-        <a:prstGeom prst="roundRect">
-          <a:avLst>
-            <a:gd name="adj" fmla="val 10000"/>
-          </a:avLst>
-        </a:prstGeom>
-        <a:solidFill>
-          <a:schemeClr val="accent1">
-            <a:tint val="80000"/>
-            <a:hueOff val="0"/>
-            <a:satOff val="0"/>
-            <a:lumOff val="0"/>
-            <a:alphaOff val="0"/>
-          </a:schemeClr>
-        </a:solidFill>
-        <a:ln w="15875" cap="flat" cmpd="sng" algn="ctr">
-          <a:solidFill>
-            <a:schemeClr val="lt1">
-              <a:hueOff val="0"/>
-              <a:satOff val="0"/>
-              <a:lumOff val="0"/>
-              <a:alphaOff val="0"/>
-            </a:schemeClr>
-          </a:solidFill>
-          <a:prstDash val="solid"/>
-        </a:ln>
-        <a:effectLst/>
-      </dsp:spPr>
-      <dsp:style>
-        <a:lnRef idx="2">
-          <a:scrgbClr r="0" g="0" b="0"/>
-        </a:lnRef>
-        <a:fillRef idx="1">
-          <a:scrgbClr r="0" g="0" b="0"/>
-        </a:fillRef>
-        <a:effectRef idx="0">
-          <a:scrgbClr r="0" g="0" b="0"/>
-        </a:effectRef>
-        <a:fontRef idx="minor">
-          <a:schemeClr val="lt1"/>
-        </a:fontRef>
-      </dsp:style>
-      <dsp:txBody>
-        <a:bodyPr spcFirstLastPara="0" vert="horz" wrap="square" lIns="7620" tIns="7620" rIns="7620" bIns="7620" numCol="1" spcCol="1270" anchor="ctr" anchorCtr="0">
-          <a:noAutofit/>
-        </a:bodyPr>
-        <a:lstStyle/>
-        <a:p>
-          <a:pPr marL="0" lvl="0" indent="0" algn="ctr" defTabSz="533400">
-            <a:lnSpc>
-              <a:spcPct val="90000"/>
-            </a:lnSpc>
-            <a:spcBef>
-              <a:spcPct val="0"/>
-            </a:spcBef>
-            <a:spcAft>
-              <a:spcPct val="35000"/>
-            </a:spcAft>
-            <a:buNone/>
-          </a:pPr>
-          <a:r>
-            <a:rPr lang="es-ES" sz="1200" b="1" kern="1200" dirty="0">
-              <a:solidFill>
-                <a:schemeClr val="tx1"/>
-              </a:solidFill>
-            </a:rPr>
-            <a:t>MO-03Diagrama de Clases y </a:t>
-          </a:r>
-          <a:br>
-            <a:rPr lang="es-ES" sz="1200" b="1" kern="1200" dirty="0">
-              <a:solidFill>
-                <a:schemeClr val="tx1"/>
-              </a:solidFill>
-            </a:rPr>
-          </a:br>
-          <a:r>
-            <a:rPr lang="es-ES" sz="1200" b="1" kern="1200" dirty="0">
-              <a:solidFill>
-                <a:schemeClr val="tx1"/>
-              </a:solidFill>
-            </a:rPr>
-            <a:t>Diagrama de Máquina de Estados</a:t>
-          </a:r>
-          <a:endParaRPr lang="es-AR" sz="1200" b="1" kern="1200" dirty="0">
-            <a:solidFill>
-              <a:schemeClr val="tx1"/>
-            </a:solidFill>
-          </a:endParaRPr>
-        </a:p>
-      </dsp:txBody>
-      <dsp:txXfrm>
-        <a:off x="3842266" y="2324442"/>
-        <a:ext cx="1645293" cy="705348"/>
-      </dsp:txXfrm>
-    </dsp:sp>
-    <dsp:sp modelId="{E33A1BC1-C3F9-48B2-85CD-7CFEF1033CF0}">
-      <dsp:nvSpPr>
-        <dsp:cNvPr id="0" name=""/>
-        <dsp:cNvSpPr/>
-      </dsp:nvSpPr>
-      <dsp:spPr>
-        <a:xfrm rot="3585232">
-          <a:off x="3078787" y="3018646"/>
-          <a:ext cx="986270" cy="21468"/>
-        </a:xfrm>
-        <a:custGeom>
-          <a:avLst/>
-          <a:gdLst/>
-          <a:ahLst/>
-          <a:cxnLst/>
-          <a:rect l="0" t="0" r="0" b="0"/>
-          <a:pathLst>
-            <a:path>
-              <a:moveTo>
-                <a:pt x="0" y="10734"/>
-              </a:moveTo>
-              <a:lnTo>
-                <a:pt x="986270" y="10734"/>
-              </a:lnTo>
-            </a:path>
-          </a:pathLst>
-        </a:custGeom>
-        <a:noFill/>
-        <a:ln w="15875" cap="flat" cmpd="sng" algn="ctr">
-          <a:solidFill>
-            <a:schemeClr val="accent1">
-              <a:tint val="80000"/>
-              <a:hueOff val="0"/>
-              <a:satOff val="0"/>
-              <a:lumOff val="0"/>
-              <a:alphaOff val="0"/>
-            </a:schemeClr>
-          </a:solidFill>
-          <a:prstDash val="solid"/>
-        </a:ln>
-        <a:effectLst/>
-      </dsp:spPr>
-      <dsp:style>
-        <a:lnRef idx="2">
-          <a:scrgbClr r="0" g="0" b="0"/>
-        </a:lnRef>
-        <a:fillRef idx="0">
-          <a:scrgbClr r="0" g="0" b="0"/>
-        </a:fillRef>
-        <a:effectRef idx="0">
-          <a:scrgbClr r="0" g="0" b="0"/>
-        </a:effectRef>
-        <a:fontRef idx="minor"/>
-      </dsp:style>
-      <dsp:txBody>
-        <a:bodyPr spcFirstLastPara="0" vert="horz" wrap="square" lIns="12700" tIns="0" rIns="12700" bIns="0" numCol="1" spcCol="1270" anchor="ctr" anchorCtr="0">
-          <a:noAutofit/>
-        </a:bodyPr>
-        <a:lstStyle/>
-        <a:p>
-          <a:pPr marL="0" lvl="0" indent="0" algn="ctr" defTabSz="444500">
-            <a:lnSpc>
-              <a:spcPct val="90000"/>
-            </a:lnSpc>
-            <a:spcBef>
-              <a:spcPct val="0"/>
-            </a:spcBef>
-            <a:spcAft>
-              <a:spcPct val="35000"/>
-            </a:spcAft>
-            <a:buNone/>
-          </a:pPr>
-          <a:endParaRPr lang="es-AR" sz="1000" b="1" kern="1200">
-            <a:solidFill>
-              <a:schemeClr val="tx1"/>
-            </a:solidFill>
-          </a:endParaRPr>
-        </a:p>
-      </dsp:txBody>
-      <dsp:txXfrm>
-        <a:off x="3547266" y="3004723"/>
-        <a:ext cx="49313" cy="49313"/>
+        <a:off x="3308444" y="3093518"/>
+        <a:ext cx="85502" cy="85502"/>
       </dsp:txXfrm>
     </dsp:sp>
     <dsp:sp modelId="{12AEAC9B-0A26-4B0D-A122-A6A2669046EF}">
@@ -24264,8 +24340,8 @@
       </dsp:nvSpPr>
       <dsp:spPr>
         <a:xfrm>
-          <a:off x="3820322" y="3144884"/>
-          <a:ext cx="1734117" cy="620999"/>
+          <a:off x="3483727" y="3653316"/>
+          <a:ext cx="2197862" cy="655288"/>
         </a:xfrm>
         <a:prstGeom prst="roundRect">
           <a:avLst>
@@ -24274,180 +24350,6 @@
         </a:prstGeom>
         <a:solidFill>
           <a:schemeClr val="accent1">
-            <a:tint val="80000"/>
-            <a:hueOff val="0"/>
-            <a:satOff val="0"/>
-            <a:lumOff val="0"/>
-            <a:alphaOff val="0"/>
-          </a:schemeClr>
-        </a:solidFill>
-        <a:ln w="15875" cap="flat" cmpd="sng" algn="ctr">
-          <a:solidFill>
-            <a:schemeClr val="lt1">
-              <a:hueOff val="0"/>
-              <a:satOff val="0"/>
-              <a:lumOff val="0"/>
-              <a:alphaOff val="0"/>
-            </a:schemeClr>
-          </a:solidFill>
-          <a:prstDash val="solid"/>
-        </a:ln>
-        <a:effectLst/>
-      </dsp:spPr>
-      <dsp:style>
-        <a:lnRef idx="2">
-          <a:scrgbClr r="0" g="0" b="0"/>
-        </a:lnRef>
-        <a:fillRef idx="1">
-          <a:scrgbClr r="0" g="0" b="0"/>
-        </a:fillRef>
-        <a:effectRef idx="0">
-          <a:scrgbClr r="0" g="0" b="0"/>
-        </a:effectRef>
-        <a:fontRef idx="minor">
-          <a:schemeClr val="lt1"/>
-        </a:fontRef>
-      </dsp:style>
-      <dsp:txBody>
-        <a:bodyPr spcFirstLastPara="0" vert="horz" wrap="square" lIns="7620" tIns="7620" rIns="7620" bIns="7620" numCol="1" spcCol="1270" anchor="ctr" anchorCtr="0">
-          <a:noAutofit/>
-        </a:bodyPr>
-        <a:lstStyle/>
-        <a:p>
-          <a:pPr marL="0" lvl="0" indent="0" algn="ctr" defTabSz="533400">
-            <a:lnSpc>
-              <a:spcPct val="90000"/>
-            </a:lnSpc>
-            <a:spcBef>
-              <a:spcPct val="0"/>
-            </a:spcBef>
-            <a:spcAft>
-              <a:spcPct val="35000"/>
-            </a:spcAft>
-            <a:buNone/>
-          </a:pPr>
-          <a:r>
-            <a:rPr lang="es-ES" sz="1200" b="1" kern="1200" dirty="0">
-              <a:solidFill>
-                <a:schemeClr val="tx1"/>
-              </a:solidFill>
-            </a:rPr>
-            <a:t>MO-04 Modelado de Clases con Generalización, Realización y Composición</a:t>
-          </a:r>
-          <a:endParaRPr lang="es-AR" sz="1200" b="1" kern="1200" dirty="0">
-            <a:solidFill>
-              <a:schemeClr val="tx1"/>
-            </a:solidFill>
-          </a:endParaRPr>
-        </a:p>
-      </dsp:txBody>
-      <dsp:txXfrm>
-        <a:off x="3838510" y="3163072"/>
-        <a:ext cx="1697741" cy="584623"/>
-      </dsp:txXfrm>
-    </dsp:sp>
-    <dsp:sp modelId="{BE77D2EB-921B-4646-95AF-DAF066B44D90}">
-      <dsp:nvSpPr>
-        <dsp:cNvPr id="0" name=""/>
-        <dsp:cNvSpPr/>
-      </dsp:nvSpPr>
-      <dsp:spPr>
-        <a:xfrm rot="4344030">
-          <a:off x="2750390" y="3375721"/>
-          <a:ext cx="1643064" cy="21468"/>
-        </a:xfrm>
-        <a:custGeom>
-          <a:avLst/>
-          <a:gdLst/>
-          <a:ahLst/>
-          <a:cxnLst/>
-          <a:rect l="0" t="0" r="0" b="0"/>
-          <a:pathLst>
-            <a:path>
-              <a:moveTo>
-                <a:pt x="0" y="10734"/>
-              </a:moveTo>
-              <a:lnTo>
-                <a:pt x="1643064" y="10734"/>
-              </a:lnTo>
-            </a:path>
-          </a:pathLst>
-        </a:custGeom>
-        <a:noFill/>
-        <a:ln w="15875" cap="flat" cmpd="sng" algn="ctr">
-          <a:solidFill>
-            <a:schemeClr val="accent1">
-              <a:tint val="80000"/>
-              <a:hueOff val="0"/>
-              <a:satOff val="0"/>
-              <a:lumOff val="0"/>
-              <a:alphaOff val="0"/>
-            </a:schemeClr>
-          </a:solidFill>
-          <a:prstDash val="solid"/>
-        </a:ln>
-        <a:effectLst/>
-      </dsp:spPr>
-      <dsp:style>
-        <a:lnRef idx="2">
-          <a:scrgbClr r="0" g="0" b="0"/>
-        </a:lnRef>
-        <a:fillRef idx="0">
-          <a:scrgbClr r="0" g="0" b="0"/>
-        </a:fillRef>
-        <a:effectRef idx="0">
-          <a:scrgbClr r="0" g="0" b="0"/>
-        </a:effectRef>
-        <a:fontRef idx="minor"/>
-      </dsp:style>
-      <dsp:txBody>
-        <a:bodyPr spcFirstLastPara="0" vert="horz" wrap="square" lIns="12700" tIns="0" rIns="12700" bIns="0" numCol="1" spcCol="1270" anchor="ctr" anchorCtr="0">
-          <a:noAutofit/>
-        </a:bodyPr>
-        <a:lstStyle/>
-        <a:p>
-          <a:pPr marL="0" lvl="0" indent="0" algn="ctr" defTabSz="444500">
-            <a:lnSpc>
-              <a:spcPct val="90000"/>
-            </a:lnSpc>
-            <a:spcBef>
-              <a:spcPct val="0"/>
-            </a:spcBef>
-            <a:spcAft>
-              <a:spcPct val="35000"/>
-            </a:spcAft>
-            <a:buNone/>
-          </a:pPr>
-          <a:endParaRPr lang="es-AR" sz="1000" b="1" kern="1200">
-            <a:solidFill>
-              <a:schemeClr val="tx1"/>
-            </a:solidFill>
-          </a:endParaRPr>
-        </a:p>
-      </dsp:txBody>
-      <dsp:txXfrm>
-        <a:off x="3530846" y="3345378"/>
-        <a:ext cx="82153" cy="82153"/>
-      </dsp:txXfrm>
-    </dsp:sp>
-    <dsp:sp modelId="{4F3C1AB7-372D-441C-8D51-C18D9E478C8C}">
-      <dsp:nvSpPr>
-        <dsp:cNvPr id="0" name=""/>
-        <dsp:cNvSpPr/>
-      </dsp:nvSpPr>
-      <dsp:spPr>
-        <a:xfrm>
-          <a:off x="3820322" y="3859034"/>
-          <a:ext cx="1761080" cy="620999"/>
-        </a:xfrm>
-        <a:prstGeom prst="roundRect">
-          <a:avLst>
-            <a:gd name="adj" fmla="val 10000"/>
-          </a:avLst>
-        </a:prstGeom>
-        <a:solidFill>
-          <a:schemeClr val="accent1">
-            <a:tint val="80000"/>
             <a:hueOff val="0"/>
             <a:satOff val="0"/>
             <a:lumOff val="0"/>
@@ -24515,8 +24417,8 @@
         </a:p>
       </dsp:txBody>
       <dsp:txXfrm>
-        <a:off x="3838510" y="3877222"/>
-        <a:ext cx="1724704" cy="584623"/>
+        <a:off x="3502920" y="3672509"/>
+        <a:ext cx="2159476" cy="616902"/>
       </dsp:txXfrm>
     </dsp:sp>
     <dsp:sp modelId="{B1D2D873-DDC4-4E5A-80D4-0C215CB7B964}">
@@ -24525,9 +24427,9 @@
         <dsp:cNvSpPr/>
       </dsp:nvSpPr>
       <dsp:spPr>
-        <a:xfrm rot="4662558">
-          <a:off x="2405023" y="3732795"/>
-          <a:ext cx="2333798" cy="21468"/>
+        <a:xfrm rot="4998204">
+          <a:off x="2098263" y="3539897"/>
+          <a:ext cx="2536597" cy="22653"/>
         </a:xfrm>
         <a:custGeom>
           <a:avLst/>
@@ -24538,10 +24440,10 @@
           <a:pathLst>
             <a:path>
               <a:moveTo>
-                <a:pt x="0" y="10734"/>
+                <a:pt x="0" y="11326"/>
               </a:moveTo>
               <a:lnTo>
-                <a:pt x="2333798" y="10734"/>
+                <a:pt x="2536597" y="11326"/>
               </a:lnTo>
             </a:path>
           </a:pathLst>
@@ -24550,7 +24452,6 @@
         <a:ln w="15875" cap="flat" cmpd="sng" algn="ctr">
           <a:solidFill>
             <a:schemeClr val="accent1">
-              <a:tint val="80000"/>
               <a:hueOff val="0"/>
               <a:satOff val="0"/>
               <a:lumOff val="0"/>
@@ -24599,8 +24500,8 @@
         </a:p>
       </dsp:txBody>
       <dsp:txXfrm>
-        <a:off x="3513577" y="3685185"/>
-        <a:ext cx="116689" cy="116689"/>
+        <a:off x="3303147" y="3487809"/>
+        <a:ext cx="126829" cy="126829"/>
       </dsp:txXfrm>
     </dsp:sp>
     <dsp:sp modelId="{EB5649EF-3EFE-4EFD-ACEB-9AA0CF61005D}">
@@ -24610,8 +24511,8 @@
       </dsp:nvSpPr>
       <dsp:spPr>
         <a:xfrm>
-          <a:off x="3820322" y="4573184"/>
-          <a:ext cx="1724802" cy="620999"/>
+          <a:off x="3514460" y="4483225"/>
+          <a:ext cx="2187849" cy="655288"/>
         </a:xfrm>
         <a:prstGeom prst="roundRect">
           <a:avLst>
@@ -24620,7 +24521,6 @@
         </a:prstGeom>
         <a:solidFill>
           <a:schemeClr val="accent1">
-            <a:tint val="80000"/>
             <a:hueOff val="0"/>
             <a:satOff val="0"/>
             <a:lumOff val="0"/>
@@ -24688,8 +24588,8 @@
         </a:p>
       </dsp:txBody>
       <dsp:txXfrm>
-        <a:off x="3838510" y="4591372"/>
-        <a:ext cx="1688426" cy="584623"/>
+        <a:off x="3533653" y="4502418"/>
+        <a:ext cx="2149463" cy="616902"/>
       </dsp:txXfrm>
     </dsp:sp>
   </dsp:spTree>
@@ -39890,7 +39790,7 @@
           <a:p>
             <a:fld id="{E22CE69C-B875-4EEA-8683-59B6E6DC1D54}" type="datetimeFigureOut">
               <a:rPr lang="es-AR" smtClean="0"/>
-              <a:t>16/5/2018</a:t>
+              <a:t>25/5/2018</a:t>
             </a:fld>
             <a:endParaRPr lang="es-AR"/>
           </a:p>
@@ -40890,7 +40790,7 @@
           <a:p>
             <a:fld id="{83A7CF30-4F3D-4EB3-9F4F-FE8B2136DBF4}" type="datetime1">
               <a:rPr lang="en-US" smtClean="0"/>
-              <a:t>5/16/2018</a:t>
+              <a:t>5/25/2018</a:t>
             </a:fld>
             <a:endParaRPr lang="en-US" dirty="0"/>
           </a:p>
@@ -41103,7 +41003,7 @@
           <a:p>
             <a:fld id="{DF24BA0A-8B94-4116-8EB0-621A7C842718}" type="datetime1">
               <a:rPr lang="en-US" smtClean="0"/>
-              <a:t>5/16/2018</a:t>
+              <a:t>5/25/2018</a:t>
             </a:fld>
             <a:endParaRPr lang="en-US" dirty="0"/>
           </a:p>
@@ -41366,7 +41266,7 @@
           <a:p>
             <a:fld id="{8D5FD37B-EAF1-45B5-9F80-08D41E95368C}" type="datetime1">
               <a:rPr lang="en-US" smtClean="0"/>
-              <a:t>5/16/2018</a:t>
+              <a:t>5/25/2018</a:t>
             </a:fld>
             <a:endParaRPr lang="en-US" dirty="0"/>
           </a:p>
@@ -41541,7 +41441,7 @@
           <a:p>
             <a:fld id="{D2E0FB68-01D3-4E71-AE62-6ED79DD67DD8}" type="datetime1">
               <a:rPr lang="en-US" smtClean="0"/>
-              <a:t>5/16/2018</a:t>
+              <a:t>5/25/2018</a:t>
             </a:fld>
             <a:endParaRPr lang="en-US" dirty="0"/>
           </a:p>
@@ -41883,7 +41783,7 @@
           <a:p>
             <a:fld id="{0B6F6A3B-E96A-415E-A06F-E5EFB9D3B5B8}" type="datetime1">
               <a:rPr lang="en-US" smtClean="0"/>
-              <a:t>5/16/2018</a:t>
+              <a:t>5/25/2018</a:t>
             </a:fld>
             <a:endParaRPr lang="en-US" dirty="0"/>
           </a:p>
@@ -42163,7 +42063,7 @@
           <a:p>
             <a:fld id="{193F6899-1F62-46ED-9D26-2F22C5974158}" type="datetime1">
               <a:rPr lang="en-US" smtClean="0"/>
-              <a:t>5/16/2018</a:t>
+              <a:t>5/25/2018</a:t>
             </a:fld>
             <a:endParaRPr lang="en-US" dirty="0"/>
           </a:p>
@@ -42547,7 +42447,7 @@
           <a:p>
             <a:fld id="{5C055D92-3027-4A7A-888B-889D0A47DD65}" type="datetime1">
               <a:rPr lang="en-US" smtClean="0"/>
-              <a:t>5/16/2018</a:t>
+              <a:t>5/25/2018</a:t>
             </a:fld>
             <a:endParaRPr lang="en-US" dirty="0"/>
           </a:p>
@@ -42670,7 +42570,7 @@
           <a:p>
             <a:fld id="{2A27E437-A7DE-4DED-AD72-74768A672DBE}" type="datetime1">
               <a:rPr lang="en-US" smtClean="0"/>
-              <a:t>5/16/2018</a:t>
+              <a:t>5/25/2018</a:t>
             </a:fld>
             <a:endParaRPr lang="en-US" dirty="0"/>
           </a:p>
@@ -42848,7 +42748,7 @@
           <a:p>
             <a:fld id="{F99625E4-C7FA-4EB3-8DCA-C103E67335EB}" type="datetime1">
               <a:rPr lang="en-US" smtClean="0"/>
-              <a:t>5/16/2018</a:t>
+              <a:t>5/25/2018</a:t>
             </a:fld>
             <a:endParaRPr lang="en-US" dirty="0"/>
           </a:p>
@@ -43209,7 +43109,7 @@
           <a:p>
             <a:fld id="{385B434B-EF46-446E-9AD8-5E00F51D7704}" type="datetime1">
               <a:rPr lang="en-US" smtClean="0"/>
-              <a:t>5/16/2018</a:t>
+              <a:t>5/25/2018</a:t>
             </a:fld>
             <a:endParaRPr lang="en-US" dirty="0"/>
           </a:p>
@@ -43593,7 +43493,7 @@
           <a:p>
             <a:fld id="{D0E665A4-980C-4B08-AC61-77117CAFB112}" type="datetime1">
               <a:rPr lang="en-US" smtClean="0"/>
-              <a:t>5/16/2018</a:t>
+              <a:t>5/25/2018</a:t>
             </a:fld>
             <a:endParaRPr lang="en-US" dirty="0"/>
           </a:p>
@@ -43887,7 +43787,7 @@
           <a:p>
             <a:fld id="{EF1E7ABB-D102-4D1E-87C0-71F5832E89BE}" type="datetime1">
               <a:rPr lang="en-US" smtClean="0"/>
-              <a:t>5/16/2018</a:t>
+              <a:t>5/25/2018</a:t>
             </a:fld>
             <a:endParaRPr lang="en-US" dirty="0"/>
           </a:p>
@@ -52541,14 +52441,14 @@
             <p:ph idx="1"/>
             <p:extLst>
               <p:ext uri="{D42A27DB-BD31-4B8C-83A1-F6EECF244321}">
-                <p14:modId xmlns:p14="http://schemas.microsoft.com/office/powerpoint/2010/main" val="1205904287"/>
+                <p14:modId xmlns:p14="http://schemas.microsoft.com/office/powerpoint/2010/main" val="2718426517"/>
               </p:ext>
             </p:extLst>
           </p:nvPr>
         </p:nvGraphicFramePr>
         <p:xfrm>
-          <a:off x="334124" y="1065343"/>
-          <a:ext cx="11687453" cy="5206752"/>
+          <a:off x="197646" y="1110836"/>
+          <a:ext cx="11880623" cy="5206752"/>
         </p:xfrm>
         <a:graphic>
           <a:graphicData uri="http://schemas.openxmlformats.org/drawingml/2006/diagram">
@@ -52728,21 +52628,28 @@
         </p:nvCxnSpPr>
         <p:spPr>
           <a:xfrm flipV="1">
-            <a:off x="9794543" y="1505805"/>
-            <a:ext cx="477672" cy="1132762"/>
+            <a:off x="10144836" y="3392602"/>
+            <a:ext cx="607325" cy="983780"/>
           </a:xfrm>
           <a:prstGeom prst="line">
             <a:avLst/>
           </a:prstGeom>
+          <a:ln>
+            <a:solidFill>
+              <a:schemeClr val="accent2">
+                <a:lumMod val="75000"/>
+              </a:schemeClr>
+            </a:solidFill>
+          </a:ln>
         </p:spPr>
         <p:style>
-          <a:lnRef idx="1">
+          <a:lnRef idx="2">
             <a:schemeClr val="accent1"/>
           </a:lnRef>
           <a:fillRef idx="0">
             <a:schemeClr val="accent1"/>
           </a:fillRef>
-          <a:effectRef idx="0">
+          <a:effectRef idx="1">
             <a:schemeClr val="accent1"/>
           </a:effectRef>
           <a:fontRef idx="minor">
@@ -52759,17 +52666,26 @@
               </a:ext>
             </a:extLst>
           </p:cNvPr>
-          <p:cNvCxnSpPr/>
+          <p:cNvCxnSpPr>
+            <a:cxnSpLocks/>
+          </p:cNvCxnSpPr>
           <p:nvPr/>
         </p:nvCxnSpPr>
         <p:spPr>
-          <a:xfrm>
-            <a:off x="7897504" y="1542197"/>
-            <a:ext cx="459475" cy="1028131"/>
+          <a:xfrm flipH="1">
+            <a:off x="9139451" y="1489881"/>
+            <a:ext cx="532264" cy="862083"/>
           </a:xfrm>
           <a:prstGeom prst="line">
             <a:avLst/>
           </a:prstGeom>
+          <a:ln>
+            <a:solidFill>
+              <a:schemeClr val="accent2">
+                <a:lumMod val="75000"/>
+              </a:schemeClr>
+            </a:solidFill>
+          </a:ln>
         </p:spPr>
         <p:style>
           <a:lnRef idx="1">
@@ -52802,12 +52718,19 @@
         </p:nvCxnSpPr>
         <p:spPr>
           <a:xfrm flipV="1">
-            <a:off x="7897504" y="1542197"/>
-            <a:ext cx="327547" cy="700586"/>
+            <a:off x="7005851" y="1810603"/>
+            <a:ext cx="591403" cy="787023"/>
           </a:xfrm>
           <a:prstGeom prst="line">
             <a:avLst/>
           </a:prstGeom>
+          <a:ln>
+            <a:solidFill>
+              <a:schemeClr val="accent2">
+                <a:lumMod val="75000"/>
+              </a:schemeClr>
+            </a:solidFill>
+          </a:ln>
         </p:spPr>
         <p:style>
           <a:lnRef idx="1">
@@ -52818,6 +52741,45 @@
           </a:fillRef>
           <a:effectRef idx="0">
             <a:schemeClr val="accent1"/>
+          </a:effectRef>
+          <a:fontRef idx="minor">
+            <a:schemeClr val="tx1"/>
+          </a:fontRef>
+        </p:style>
+      </p:cxnSp>
+      <p:cxnSp>
+        <p:nvCxnSpPr>
+          <p:cNvPr id="22" name="Conector recto 21">
+            <a:extLst>
+              <a:ext uri="{FF2B5EF4-FFF2-40B4-BE49-F238E27FC236}">
+                <a16:creationId xmlns:a16="http://schemas.microsoft.com/office/drawing/2014/main" id="{DF1A256D-56AC-4A15-88F3-016623112BD0}"/>
+              </a:ext>
+            </a:extLst>
+          </p:cNvPr>
+          <p:cNvCxnSpPr>
+            <a:cxnSpLocks/>
+          </p:cNvCxnSpPr>
+          <p:nvPr/>
+        </p:nvCxnSpPr>
+        <p:spPr>
+          <a:xfrm flipV="1">
+            <a:off x="10240370" y="1774210"/>
+            <a:ext cx="345744" cy="1733265"/>
+          </a:xfrm>
+          <a:prstGeom prst="line">
+            <a:avLst/>
+          </a:prstGeom>
+          <a:ln/>
+        </p:spPr>
+        <p:style>
+          <a:lnRef idx="1">
+            <a:schemeClr val="accent2"/>
+          </a:lnRef>
+          <a:fillRef idx="0">
+            <a:schemeClr val="accent2"/>
+          </a:fillRef>
+          <a:effectRef idx="0">
+            <a:schemeClr val="accent2"/>
           </a:effectRef>
           <a:fontRef idx="minor">
             <a:schemeClr val="tx1"/>
@@ -53717,7 +53679,7 @@
 </file>
 
 <file path=ppt/slides/slide5.xml><?xml version="1.0" encoding="utf-8"?>
-<p:sld xmlns:a="http://schemas.openxmlformats.org/drawingml/2006/main" xmlns:r="http://schemas.openxmlformats.org/officeDocument/2006/relationships" xmlns:p="http://schemas.openxmlformats.org/presentationml/2006/main">
+<p:sld xmlns:a="http://schemas.openxmlformats.org/drawingml/2006/main" xmlns:r="http://schemas.openxmlformats.org/officeDocument/2006/relationships" xmlns:p="http://schemas.openxmlformats.org/presentationml/2006/main" show="0">
   <p:cSld>
     <p:spTree>
       <p:nvGrpSpPr>
@@ -53776,7 +53738,7 @@
           <p:nvPr>
             <p:extLst>
               <p:ext uri="{D42A27DB-BD31-4B8C-83A1-F6EECF244321}">
-                <p14:modId xmlns:p14="http://schemas.microsoft.com/office/powerpoint/2010/main" val="35078573"/>
+                <p14:modId xmlns:p14="http://schemas.microsoft.com/office/powerpoint/2010/main" val="1669885696"/>
               </p:ext>
             </p:extLst>
           </p:nvPr>
@@ -54031,7 +53993,7 @@
           <p:nvPr>
             <p:extLst>
               <p:ext uri="{D42A27DB-BD31-4B8C-83A1-F6EECF244321}">
-                <p14:modId xmlns:p14="http://schemas.microsoft.com/office/powerpoint/2010/main" val="962344630"/>
+                <p14:modId xmlns:p14="http://schemas.microsoft.com/office/powerpoint/2010/main" val="396682327"/>
               </p:ext>
             </p:extLst>
           </p:nvPr>
@@ -54261,46 +54223,42 @@
         </p:nvSpPr>
         <p:spPr/>
         <p:txBody>
-          <a:bodyPr>
-            <a:normAutofit/>
-          </a:bodyPr>
+          <a:bodyPr/>
           <a:lstStyle/>
           <a:p>
             <a:r>
-              <a:rPr lang="es-AR" dirty="0"/>
+              <a:rPr lang="es-AR"/>
               <a:t>Clínicas propuestas para Julio de 2018</a:t>
             </a:r>
+            <a:endParaRPr lang="es-AR" dirty="0"/>
           </a:p>
         </p:txBody>
       </p:sp>
-      <p:graphicFrame>
-        <p:nvGraphicFramePr>
-          <p:cNvPr id="9" name="Diagrama 8">
+      <p:sp>
+        <p:nvSpPr>
+          <p:cNvPr id="39" name="Marcador de contenido 38">
             <a:extLst>
               <a:ext uri="{FF2B5EF4-FFF2-40B4-BE49-F238E27FC236}">
-                <a16:creationId xmlns:a16="http://schemas.microsoft.com/office/drawing/2014/main" id="{B443AE89-E714-4075-B070-0073F285CEB3}"/>
+                <a16:creationId xmlns:a16="http://schemas.microsoft.com/office/drawing/2014/main" id="{DF2D1A37-496C-4585-8C6C-F7B43E6AD2A4}"/>
               </a:ext>
             </a:extLst>
           </p:cNvPr>
-          <p:cNvGraphicFramePr/>
+          <p:cNvSpPr>
+            <a:spLocks noGrp="1"/>
+          </p:cNvSpPr>
           <p:nvPr>
-            <p:extLst>
-              <p:ext uri="{D42A27DB-BD31-4B8C-83A1-F6EECF244321}">
-                <p14:modId xmlns:p14="http://schemas.microsoft.com/office/powerpoint/2010/main" val="1472915459"/>
-              </p:ext>
-            </p:extLst>
+            <p:ph idx="1"/>
           </p:nvPr>
-        </p:nvGraphicFramePr>
-        <p:xfrm>
-          <a:off x="4147670" y="149411"/>
-          <a:ext cx="7960659" cy="6406064"/>
-        </p:xfrm>
-        <a:graphic>
-          <a:graphicData uri="http://schemas.openxmlformats.org/drawingml/2006/diagram">
-            <dgm:relIds xmlns:dgm="http://schemas.openxmlformats.org/drawingml/2006/diagram" xmlns:r="http://schemas.openxmlformats.org/officeDocument/2006/relationships" r:dm="rId3" r:lo="rId4" r:qs="rId5" r:cs="rId6"/>
-          </a:graphicData>
-        </a:graphic>
-      </p:graphicFrame>
+        </p:nvSpPr>
+        <p:spPr/>
+        <p:txBody>
+          <a:bodyPr/>
+          <a:lstStyle/>
+          <a:p>
+            <a:endParaRPr lang="es-AR"/>
+          </a:p>
+        </p:txBody>
+      </p:sp>
       <p:sp>
         <p:nvSpPr>
           <p:cNvPr id="2" name="Marcador de pie de página 1">
@@ -54319,7 +54277,7 @@
         </p:nvSpPr>
         <p:spPr>
           <a:xfrm>
-            <a:off x="223520" y="6492875"/>
+            <a:off x="119418" y="6459785"/>
             <a:ext cx="4648200" cy="365125"/>
           </a:xfrm>
         </p:spPr>
@@ -54328,18 +54286,10 @@
           <a:lstStyle/>
           <a:p>
             <a:r>
-              <a:rPr lang="es-AR" b="1" dirty="0">
-                <a:solidFill>
-                  <a:schemeClr val="bg1"/>
-                </a:solidFill>
-              </a:rPr>
+              <a:rPr lang="es-AR"/>
               <a:t>111 Mil - Analista de Conocimiento Dimensión Programador</a:t>
             </a:r>
-            <a:endParaRPr lang="en-US" b="1" dirty="0">
-              <a:solidFill>
-                <a:schemeClr val="bg1"/>
-              </a:solidFill>
-            </a:endParaRPr>
+            <a:endParaRPr lang="en-US" dirty="0"/>
           </a:p>
         </p:txBody>
       </p:sp>
@@ -54373,6 +54323,34 @@
           </a:p>
         </p:txBody>
       </p:sp>
+      <p:graphicFrame>
+        <p:nvGraphicFramePr>
+          <p:cNvPr id="9" name="Diagrama 8">
+            <a:extLst>
+              <a:ext uri="{FF2B5EF4-FFF2-40B4-BE49-F238E27FC236}">
+                <a16:creationId xmlns:a16="http://schemas.microsoft.com/office/drawing/2014/main" id="{B443AE89-E714-4075-B070-0073F285CEB3}"/>
+              </a:ext>
+            </a:extLst>
+          </p:cNvPr>
+          <p:cNvGraphicFramePr/>
+          <p:nvPr>
+            <p:extLst>
+              <p:ext uri="{D42A27DB-BD31-4B8C-83A1-F6EECF244321}">
+                <p14:modId xmlns:p14="http://schemas.microsoft.com/office/powerpoint/2010/main" val="172342383"/>
+              </p:ext>
+            </p:extLst>
+          </p:nvPr>
+        </p:nvGraphicFramePr>
+        <p:xfrm>
+          <a:off x="4147670" y="149411"/>
+          <a:ext cx="7960659" cy="6406064"/>
+        </p:xfrm>
+        <a:graphic>
+          <a:graphicData uri="http://schemas.openxmlformats.org/drawingml/2006/diagram">
+            <dgm:relIds xmlns:dgm="http://schemas.openxmlformats.org/drawingml/2006/diagram" xmlns:r="http://schemas.openxmlformats.org/officeDocument/2006/relationships" r:dm="rId3" r:lo="rId4" r:qs="rId5" r:cs="rId6"/>
+          </a:graphicData>
+        </a:graphic>
+      </p:graphicFrame>
     </p:spTree>
     <p:extLst>
       <p:ext uri="{BB962C8B-B14F-4D97-AF65-F5344CB8AC3E}">
